--- a/Hackathon(codebharat).pptx
+++ b/Hackathon(codebharat).pptx
@@ -136,7 +136,7 @@
 <file path=ppt/revisionInfo.xml><?xml version="1.0" encoding="utf-8"?>
 <p1510:revInfo xmlns:a="http://schemas.openxmlformats.org/drawingml/2006/main" xmlns:r="http://schemas.openxmlformats.org/officeDocument/2006/relationships" xmlns:p1510="http://schemas.microsoft.com/office/powerpoint/2015/10/main">
   <p1510:revLst>
-    <p1510:client id="{56A05103-1792-4D01-AEC9-5374AA620BF1}" v="9" dt="2025-01-18T11:00:29.176"/>
+    <p1510:client id="{56A05103-1792-4D01-AEC9-5374AA620BF1}" v="10" dt="2025-01-24T02:03:23.201"/>
   </p1510:revLst>
 </p1510:revInfo>
 </file>
@@ -146,7 +146,7 @@
   <pc:docChgLst>
     <pc:chgData name="crytal shadow" userId="fa2970d5b85510de" providerId="LiveId" clId="{56A05103-1792-4D01-AEC9-5374AA620BF1}"/>
     <pc:docChg chg="undo custSel modSld">
-      <pc:chgData name="crytal shadow" userId="fa2970d5b85510de" providerId="LiveId" clId="{56A05103-1792-4D01-AEC9-5374AA620BF1}" dt="2025-01-18T11:01:54.423" v="238" actId="20577"/>
+      <pc:chgData name="crytal shadow" userId="fa2970d5b85510de" providerId="LiveId" clId="{56A05103-1792-4D01-AEC9-5374AA620BF1}" dt="2025-01-24T02:04:22.567" v="276" actId="1076"/>
       <pc:docMkLst>
         <pc:docMk/>
       </pc:docMkLst>
@@ -162,22 +162,6 @@
             <pc:docMk/>
             <pc:sldMk cId="0" sldId="256"/>
             <ac:spMk id="2" creationId="{FDAF4FF9-DABE-D40E-2AA6-451E63DFDBFD}"/>
-          </ac:spMkLst>
-        </pc:spChg>
-        <pc:spChg chg="del">
-          <ac:chgData name="crytal shadow" userId="fa2970d5b85510de" providerId="LiveId" clId="{56A05103-1792-4D01-AEC9-5374AA620BF1}" dt="2025-01-18T10:43:42.019" v="18" actId="478"/>
-          <ac:spMkLst>
-            <pc:docMk/>
-            <pc:sldMk cId="0" sldId="256"/>
-            <ac:spMk id="54" creationId="{00000000-0000-0000-0000-000000000000}"/>
-          </ac:spMkLst>
-        </pc:spChg>
-        <pc:spChg chg="del">
-          <ac:chgData name="crytal shadow" userId="fa2970d5b85510de" providerId="LiveId" clId="{56A05103-1792-4D01-AEC9-5374AA620BF1}" dt="2025-01-18T10:43:47.825" v="19" actId="478"/>
-          <ac:spMkLst>
-            <pc:docMk/>
-            <pc:sldMk cId="0" sldId="256"/>
-            <ac:spMk id="55" creationId="{00000000-0000-0000-0000-000000000000}"/>
           </ac:spMkLst>
         </pc:spChg>
         <pc:spChg chg="mod">
@@ -196,45 +180,21 @@
             <ac:picMk id="3" creationId="{DA2F9A01-7D1C-233D-8776-CED64F3377F1}"/>
           </ac:picMkLst>
         </pc:picChg>
-        <pc:picChg chg="del mod">
-          <ac:chgData name="crytal shadow" userId="fa2970d5b85510de" providerId="LiveId" clId="{56A05103-1792-4D01-AEC9-5374AA620BF1}" dt="2025-01-18T10:43:38.115" v="17" actId="478"/>
-          <ac:picMkLst>
-            <pc:docMk/>
-            <pc:sldMk cId="0" sldId="256"/>
-            <ac:picMk id="56" creationId="{00000000-0000-0000-0000-000000000000}"/>
-          </ac:picMkLst>
-        </pc:picChg>
       </pc:sldChg>
-      <pc:sldChg chg="delSp modSp mod">
-        <pc:chgData name="crytal shadow" userId="fa2970d5b85510de" providerId="LiveId" clId="{56A05103-1792-4D01-AEC9-5374AA620BF1}" dt="2025-01-18T10:53:27.046" v="33" actId="478"/>
+      <pc:sldChg chg="addSp delSp modSp mod">
+        <pc:chgData name="crytal shadow" userId="fa2970d5b85510de" providerId="LiveId" clId="{56A05103-1792-4D01-AEC9-5374AA620BF1}" dt="2025-01-24T02:04:22.567" v="276" actId="1076"/>
         <pc:sldMkLst>
           <pc:docMk/>
           <pc:sldMk cId="0" sldId="257"/>
         </pc:sldMkLst>
-        <pc:spChg chg="del mod">
-          <ac:chgData name="crytal shadow" userId="fa2970d5b85510de" providerId="LiveId" clId="{56A05103-1792-4D01-AEC9-5374AA620BF1}" dt="2025-01-18T10:53:02.517" v="29" actId="478"/>
+        <pc:spChg chg="add mod">
+          <ac:chgData name="crytal shadow" userId="fa2970d5b85510de" providerId="LiveId" clId="{56A05103-1792-4D01-AEC9-5374AA620BF1}" dt="2025-01-24T02:04:22.567" v="276" actId="1076"/>
           <ac:spMkLst>
             <pc:docMk/>
             <pc:sldMk cId="0" sldId="257"/>
-            <ac:spMk id="62" creationId="{00000000-0000-0000-0000-000000000000}"/>
+            <ac:spMk id="2" creationId="{0C6CAD63-C0A9-ECFE-287E-06C9831403E1}"/>
           </ac:spMkLst>
         </pc:spChg>
-        <pc:spChg chg="del mod">
-          <ac:chgData name="crytal shadow" userId="fa2970d5b85510de" providerId="LiveId" clId="{56A05103-1792-4D01-AEC9-5374AA620BF1}" dt="2025-01-18T10:53:27.046" v="33" actId="478"/>
-          <ac:spMkLst>
-            <pc:docMk/>
-            <pc:sldMk cId="0" sldId="257"/>
-            <ac:spMk id="63" creationId="{00000000-0000-0000-0000-000000000000}"/>
-          </ac:spMkLst>
-        </pc:spChg>
-        <pc:picChg chg="del">
-          <ac:chgData name="crytal shadow" userId="fa2970d5b85510de" providerId="LiveId" clId="{56A05103-1792-4D01-AEC9-5374AA620BF1}" dt="2025-01-18T10:44:34.236" v="27" actId="478"/>
-          <ac:picMkLst>
-            <pc:docMk/>
-            <pc:sldMk cId="0" sldId="257"/>
-            <ac:picMk id="64" creationId="{00000000-0000-0000-0000-000000000000}"/>
-          </ac:picMkLst>
-        </pc:picChg>
       </pc:sldChg>
       <pc:sldChg chg="delSp modSp mod">
         <pc:chgData name="crytal shadow" userId="fa2970d5b85510de" providerId="LiveId" clId="{56A05103-1792-4D01-AEC9-5374AA620BF1}" dt="2025-01-18T10:59:05.939" v="111" actId="14100"/>
@@ -242,22 +202,6 @@
           <pc:docMk/>
           <pc:sldMk cId="0" sldId="258"/>
         </pc:sldMkLst>
-        <pc:spChg chg="del mod">
-          <ac:chgData name="crytal shadow" userId="fa2970d5b85510de" providerId="LiveId" clId="{56A05103-1792-4D01-AEC9-5374AA620BF1}" dt="2025-01-18T10:57:55.326" v="102" actId="478"/>
-          <ac:spMkLst>
-            <pc:docMk/>
-            <pc:sldMk cId="0" sldId="258"/>
-            <ac:spMk id="70" creationId="{00000000-0000-0000-0000-000000000000}"/>
-          </ac:spMkLst>
-        </pc:spChg>
-        <pc:spChg chg="del mod">
-          <ac:chgData name="crytal shadow" userId="fa2970d5b85510de" providerId="LiveId" clId="{56A05103-1792-4D01-AEC9-5374AA620BF1}" dt="2025-01-18T10:57:58.643" v="103" actId="478"/>
-          <ac:spMkLst>
-            <pc:docMk/>
-            <pc:sldMk cId="0" sldId="258"/>
-            <ac:spMk id="71" creationId="{00000000-0000-0000-0000-000000000000}"/>
-          </ac:spMkLst>
-        </pc:spChg>
         <pc:spChg chg="mod">
           <ac:chgData name="crytal shadow" userId="fa2970d5b85510de" providerId="LiveId" clId="{56A05103-1792-4D01-AEC9-5374AA620BF1}" dt="2025-01-18T10:58:54.130" v="110" actId="255"/>
           <ac:spMkLst>
@@ -274,14 +218,6 @@
             <ac:picMk id="7" creationId="{C77C53D2-16D6-B6FB-DE13-0767BB7DD5F8}"/>
           </ac:picMkLst>
         </pc:picChg>
-        <pc:picChg chg="del">
-          <ac:chgData name="crytal shadow" userId="fa2970d5b85510de" providerId="LiveId" clId="{56A05103-1792-4D01-AEC9-5374AA620BF1}" dt="2025-01-18T10:57:34.632" v="100" actId="478"/>
-          <ac:picMkLst>
-            <pc:docMk/>
-            <pc:sldMk cId="0" sldId="258"/>
-            <ac:picMk id="72" creationId="{00000000-0000-0000-0000-000000000000}"/>
-          </ac:picMkLst>
-        </pc:picChg>
       </pc:sldChg>
       <pc:sldChg chg="delSp modSp mod">
         <pc:chgData name="crytal shadow" userId="fa2970d5b85510de" providerId="LiveId" clId="{56A05103-1792-4D01-AEC9-5374AA620BF1}" dt="2025-01-18T10:59:48.908" v="119" actId="14100"/>
@@ -289,22 +225,6 @@
           <pc:docMk/>
           <pc:sldMk cId="0" sldId="259"/>
         </pc:sldMkLst>
-        <pc:spChg chg="del mod">
-          <ac:chgData name="crytal shadow" userId="fa2970d5b85510de" providerId="LiveId" clId="{56A05103-1792-4D01-AEC9-5374AA620BF1}" dt="2025-01-18T10:59:22.937" v="114" actId="478"/>
-          <ac:spMkLst>
-            <pc:docMk/>
-            <pc:sldMk cId="0" sldId="259"/>
-            <ac:spMk id="78" creationId="{00000000-0000-0000-0000-000000000000}"/>
-          </ac:spMkLst>
-        </pc:spChg>
-        <pc:spChg chg="del mod">
-          <ac:chgData name="crytal shadow" userId="fa2970d5b85510de" providerId="LiveId" clId="{56A05103-1792-4D01-AEC9-5374AA620BF1}" dt="2025-01-18T10:59:39.991" v="117" actId="478"/>
-          <ac:spMkLst>
-            <pc:docMk/>
-            <pc:sldMk cId="0" sldId="259"/>
-            <ac:spMk id="79" creationId="{00000000-0000-0000-0000-000000000000}"/>
-          </ac:spMkLst>
-        </pc:spChg>
         <pc:spChg chg="mod">
           <ac:chgData name="crytal shadow" userId="fa2970d5b85510de" providerId="LiveId" clId="{56A05103-1792-4D01-AEC9-5374AA620BF1}" dt="2025-01-18T10:59:36.646" v="116" actId="14100"/>
           <ac:spMkLst>
@@ -329,14 +249,6 @@
             <ac:picMk id="8" creationId="{CC3C50CB-E2E1-F789-6342-626492C95828}"/>
           </ac:picMkLst>
         </pc:picChg>
-        <pc:picChg chg="del">
-          <ac:chgData name="crytal shadow" userId="fa2970d5b85510de" providerId="LiveId" clId="{56A05103-1792-4D01-AEC9-5374AA620BF1}" dt="2025-01-18T10:59:11.546" v="112" actId="478"/>
-          <ac:picMkLst>
-            <pc:docMk/>
-            <pc:sldMk cId="0" sldId="259"/>
-            <ac:picMk id="80" creationId="{00000000-0000-0000-0000-000000000000}"/>
-          </ac:picMkLst>
-        </pc:picChg>
       </pc:sldChg>
       <pc:sldChg chg="addSp delSp modSp mod">
         <pc:chgData name="crytal shadow" userId="fa2970d5b85510de" providerId="LiveId" clId="{56A05103-1792-4D01-AEC9-5374AA620BF1}" dt="2025-01-18T10:57:20.304" v="99" actId="1076"/>
@@ -344,22 +256,6 @@
           <pc:docMk/>
           <pc:sldMk cId="0" sldId="260"/>
         </pc:sldMkLst>
-        <pc:spChg chg="del mod">
-          <ac:chgData name="crytal shadow" userId="fa2970d5b85510de" providerId="LiveId" clId="{56A05103-1792-4D01-AEC9-5374AA620BF1}" dt="2025-01-18T10:57:15.210" v="97" actId="478"/>
-          <ac:spMkLst>
-            <pc:docMk/>
-            <pc:sldMk cId="0" sldId="260"/>
-            <ac:spMk id="86" creationId="{00000000-0000-0000-0000-000000000000}"/>
-          </ac:spMkLst>
-        </pc:spChg>
-        <pc:spChg chg="del mod">
-          <ac:chgData name="crytal shadow" userId="fa2970d5b85510de" providerId="LiveId" clId="{56A05103-1792-4D01-AEC9-5374AA620BF1}" dt="2025-01-18T10:57:17.959" v="98" actId="478"/>
-          <ac:spMkLst>
-            <pc:docMk/>
-            <pc:sldMk cId="0" sldId="260"/>
-            <ac:spMk id="87" creationId="{00000000-0000-0000-0000-000000000000}"/>
-          </ac:spMkLst>
-        </pc:spChg>
         <pc:spChg chg="add del mod">
           <ac:chgData name="crytal shadow" userId="fa2970d5b85510de" providerId="LiveId" clId="{56A05103-1792-4D01-AEC9-5374AA620BF1}" dt="2025-01-18T10:57:11.877" v="96" actId="14100"/>
           <ac:spMkLst>
@@ -376,14 +272,6 @@
             <ac:picMk id="5" creationId="{7D1BA41D-0828-8FDE-E09E-E081048B48AF}"/>
           </ac:picMkLst>
         </pc:picChg>
-        <pc:picChg chg="del">
-          <ac:chgData name="crytal shadow" userId="fa2970d5b85510de" providerId="LiveId" clId="{56A05103-1792-4D01-AEC9-5374AA620BF1}" dt="2025-01-18T10:56:54.815" v="92" actId="478"/>
-          <ac:picMkLst>
-            <pc:docMk/>
-            <pc:sldMk cId="0" sldId="260"/>
-            <ac:picMk id="88" creationId="{00000000-0000-0000-0000-000000000000}"/>
-          </ac:picMkLst>
-        </pc:picChg>
       </pc:sldChg>
       <pc:sldChg chg="delSp modSp mod">
         <pc:chgData name="crytal shadow" userId="fa2970d5b85510de" providerId="LiveId" clId="{56A05103-1792-4D01-AEC9-5374AA620BF1}" dt="2025-01-18T10:56:51.322" v="91" actId="1076"/>
@@ -391,22 +279,6 @@
           <pc:docMk/>
           <pc:sldMk cId="0" sldId="262"/>
         </pc:sldMkLst>
-        <pc:spChg chg="del mod">
-          <ac:chgData name="crytal shadow" userId="fa2970d5b85510de" providerId="LiveId" clId="{56A05103-1792-4D01-AEC9-5374AA620BF1}" dt="2025-01-18T10:56:38.583" v="88" actId="478"/>
-          <ac:spMkLst>
-            <pc:docMk/>
-            <pc:sldMk cId="0" sldId="262"/>
-            <ac:spMk id="102" creationId="{00000000-0000-0000-0000-000000000000}"/>
-          </ac:spMkLst>
-        </pc:spChg>
-        <pc:spChg chg="del mod">
-          <ac:chgData name="crytal shadow" userId="fa2970d5b85510de" providerId="LiveId" clId="{56A05103-1792-4D01-AEC9-5374AA620BF1}" dt="2025-01-18T10:56:41.320" v="89" actId="478"/>
-          <ac:spMkLst>
-            <pc:docMk/>
-            <pc:sldMk cId="0" sldId="262"/>
-            <ac:spMk id="103" creationId="{00000000-0000-0000-0000-000000000000}"/>
-          </ac:spMkLst>
-        </pc:spChg>
         <pc:spChg chg="mod">
           <ac:chgData name="crytal shadow" userId="fa2970d5b85510de" providerId="LiveId" clId="{56A05103-1792-4D01-AEC9-5374AA620BF1}" dt="2025-01-18T10:56:48.831" v="90" actId="1076"/>
           <ac:spMkLst>
@@ -423,14 +295,6 @@
             <ac:picMk id="3" creationId="{1469ABB0-BCAA-91F3-5DCF-9E2B67262C15}"/>
           </ac:picMkLst>
         </pc:picChg>
-        <pc:picChg chg="del">
-          <ac:chgData name="crytal shadow" userId="fa2970d5b85510de" providerId="LiveId" clId="{56A05103-1792-4D01-AEC9-5374AA620BF1}" dt="2025-01-18T10:56:34.053" v="87" actId="478"/>
-          <ac:picMkLst>
-            <pc:docMk/>
-            <pc:sldMk cId="0" sldId="262"/>
-            <ac:picMk id="104" creationId="{00000000-0000-0000-0000-000000000000}"/>
-          </ac:picMkLst>
-        </pc:picChg>
       </pc:sldChg>
       <pc:sldChg chg="delSp modSp mod">
         <pc:chgData name="crytal shadow" userId="fa2970d5b85510de" providerId="LiveId" clId="{56A05103-1792-4D01-AEC9-5374AA620BF1}" dt="2025-01-18T10:55:26.283" v="53" actId="255"/>
@@ -438,22 +302,6 @@
           <pc:docMk/>
           <pc:sldMk cId="0" sldId="263"/>
         </pc:sldMkLst>
-        <pc:spChg chg="del mod">
-          <ac:chgData name="crytal shadow" userId="fa2970d5b85510de" providerId="LiveId" clId="{56A05103-1792-4D01-AEC9-5374AA620BF1}" dt="2025-01-18T10:54:41.931" v="46" actId="478"/>
-          <ac:spMkLst>
-            <pc:docMk/>
-            <pc:sldMk cId="0" sldId="263"/>
-            <ac:spMk id="110" creationId="{00000000-0000-0000-0000-000000000000}"/>
-          </ac:spMkLst>
-        </pc:spChg>
-        <pc:spChg chg="del mod">
-          <ac:chgData name="crytal shadow" userId="fa2970d5b85510de" providerId="LiveId" clId="{56A05103-1792-4D01-AEC9-5374AA620BF1}" dt="2025-01-18T10:54:45.752" v="47" actId="478"/>
-          <ac:spMkLst>
-            <pc:docMk/>
-            <pc:sldMk cId="0" sldId="263"/>
-            <ac:spMk id="111" creationId="{00000000-0000-0000-0000-000000000000}"/>
-          </ac:spMkLst>
-        </pc:spChg>
         <pc:spChg chg="mod">
           <ac:chgData name="crytal shadow" userId="fa2970d5b85510de" providerId="LiveId" clId="{56A05103-1792-4D01-AEC9-5374AA620BF1}" dt="2025-01-18T10:55:26.283" v="53" actId="255"/>
           <ac:spMkLst>
@@ -462,14 +310,6 @@
             <ac:spMk id="113" creationId="{00000000-0000-0000-0000-000000000000}"/>
           </ac:spMkLst>
         </pc:spChg>
-        <pc:picChg chg="del">
-          <ac:chgData name="crytal shadow" userId="fa2970d5b85510de" providerId="LiveId" clId="{56A05103-1792-4D01-AEC9-5374AA620BF1}" dt="2025-01-18T10:54:38.583" v="45" actId="478"/>
-          <ac:picMkLst>
-            <pc:docMk/>
-            <pc:sldMk cId="0" sldId="263"/>
-            <ac:picMk id="112" creationId="{00000000-0000-0000-0000-000000000000}"/>
-          </ac:picMkLst>
-        </pc:picChg>
       </pc:sldChg>
       <pc:sldChg chg="addSp delSp modSp mod modNotes">
         <pc:chgData name="crytal shadow" userId="fa2970d5b85510de" providerId="LiveId" clId="{56A05103-1792-4D01-AEC9-5374AA620BF1}" dt="2025-01-18T10:56:19.737" v="86" actId="403"/>
@@ -485,30 +325,6 @@
             <ac:spMk id="2" creationId="{3F3EA77B-92B5-C966-FB65-3F0936350B22}"/>
           </ac:spMkLst>
         </pc:spChg>
-        <pc:spChg chg="del mod">
-          <ac:chgData name="crytal shadow" userId="fa2970d5b85510de" providerId="LiveId" clId="{56A05103-1792-4D01-AEC9-5374AA620BF1}" dt="2025-01-18T10:54:08.439" v="36" actId="478"/>
-          <ac:spMkLst>
-            <pc:docMk/>
-            <pc:sldMk cId="0" sldId="266"/>
-            <ac:spMk id="133" creationId="{00000000-0000-0000-0000-000000000000}"/>
-          </ac:spMkLst>
-        </pc:spChg>
-        <pc:spChg chg="del mod">
-          <ac:chgData name="crytal shadow" userId="fa2970d5b85510de" providerId="LiveId" clId="{56A05103-1792-4D01-AEC9-5374AA620BF1}" dt="2025-01-18T10:54:12.250" v="37" actId="478"/>
-          <ac:spMkLst>
-            <pc:docMk/>
-            <pc:sldMk cId="0" sldId="266"/>
-            <ac:spMk id="134" creationId="{00000000-0000-0000-0000-000000000000}"/>
-          </ac:spMkLst>
-        </pc:spChg>
-        <pc:picChg chg="del">
-          <ac:chgData name="crytal shadow" userId="fa2970d5b85510de" providerId="LiveId" clId="{56A05103-1792-4D01-AEC9-5374AA620BF1}" dt="2025-01-18T10:54:04.972" v="35" actId="478"/>
-          <ac:picMkLst>
-            <pc:docMk/>
-            <pc:sldMk cId="0" sldId="266"/>
-            <ac:picMk id="135" creationId="{00000000-0000-0000-0000-000000000000}"/>
-          </ac:picMkLst>
-        </pc:picChg>
       </pc:sldChg>
     </pc:docChg>
   </pc:docChgLst>
@@ -1974,7 +1790,7 @@
           <a:p>
             <a:fld id="{6AD6EE87-EBD5-4F12-A48A-63ACA297AC8F}" type="datetimeFigureOut">
               <a:rPr lang="en-US" smtClean="0"/>
-              <a:t>1/18/2025</a:t>
+              <a:t>1/24/2025</a:t>
             </a:fld>
             <a:endParaRPr lang="en-US" dirty="0"/>
           </a:p>
@@ -2260,7 +2076,7 @@
             <a:fld id="{90298CD5-6C1E-4009-B41F-6DF62E31D3BE}" type="datetimeFigureOut">
               <a:rPr lang="en-US" smtClean="0"/>
               <a:pPr/>
-              <a:t>1/18/2025</a:t>
+              <a:t>1/24/2025</a:t>
             </a:fld>
             <a:endParaRPr lang="en-US" dirty="0"/>
           </a:p>
@@ -2465,7 +2281,7 @@
             <a:fld id="{90298CD5-6C1E-4009-B41F-6DF62E31D3BE}" type="datetimeFigureOut">
               <a:rPr lang="en-US" smtClean="0"/>
               <a:pPr/>
-              <a:t>1/18/2025</a:t>
+              <a:t>1/24/2025</a:t>
             </a:fld>
             <a:endParaRPr lang="en-US" dirty="0"/>
           </a:p>
@@ -2749,7 +2565,7 @@
             <a:fld id="{90298CD5-6C1E-4009-B41F-6DF62E31D3BE}" type="datetimeFigureOut">
               <a:rPr lang="en-US" smtClean="0"/>
               <a:pPr/>
-              <a:t>1/18/2025</a:t>
+              <a:t>1/24/2025</a:t>
             </a:fld>
             <a:endParaRPr lang="en-US" dirty="0"/>
           </a:p>
@@ -3101,7 +2917,7 @@
             <a:fld id="{90298CD5-6C1E-4009-B41F-6DF62E31D3BE}" type="datetimeFigureOut">
               <a:rPr lang="en-US" smtClean="0"/>
               <a:pPr/>
-              <a:t>1/18/2025</a:t>
+              <a:t>1/24/2025</a:t>
             </a:fld>
             <a:endParaRPr lang="en-US" dirty="0"/>
           </a:p>
@@ -3735,7 +3551,7 @@
             <a:fld id="{90298CD5-6C1E-4009-B41F-6DF62E31D3BE}" type="datetimeFigureOut">
               <a:rPr lang="en-US" smtClean="0"/>
               <a:pPr/>
-              <a:t>1/18/2025</a:t>
+              <a:t>1/24/2025</a:t>
             </a:fld>
             <a:endParaRPr lang="en-US" dirty="0"/>
           </a:p>
@@ -4606,7 +4422,7 @@
             <a:fld id="{90298CD5-6C1E-4009-B41F-6DF62E31D3BE}" type="datetimeFigureOut">
               <a:rPr lang="en-US" smtClean="0"/>
               <a:pPr/>
-              <a:t>1/18/2025</a:t>
+              <a:t>1/24/2025</a:t>
             </a:fld>
             <a:endParaRPr lang="en-US" dirty="0"/>
           </a:p>
@@ -4786,7 +4602,7 @@
           <a:p>
             <a:fld id="{4CD73815-2707-4475-8F1A-B873CB631BB4}" type="datetimeFigureOut">
               <a:rPr lang="en-US" smtClean="0"/>
-              <a:t>1/18/2025</a:t>
+              <a:t>1/24/2025</a:t>
             </a:fld>
             <a:endParaRPr lang="en-US" dirty="0"/>
           </a:p>
@@ -4976,7 +4792,7 @@
           <a:p>
             <a:fld id="{2A4AFB99-0EAB-4182-AFF8-E214C82A68F6}" type="datetimeFigureOut">
               <a:rPr lang="en-US" smtClean="0"/>
-              <a:t>1/18/2025</a:t>
+              <a:t>1/24/2025</a:t>
             </a:fld>
             <a:endParaRPr lang="en-US" dirty="0"/>
           </a:p>
@@ -5156,7 +4972,7 @@
           <a:p>
             <a:fld id="{A5D3794B-289A-4A80-97D7-111025398D45}" type="datetimeFigureOut">
               <a:rPr lang="en-US" smtClean="0"/>
-              <a:t>1/18/2025</a:t>
+              <a:t>1/24/2025</a:t>
             </a:fld>
             <a:endParaRPr lang="en-US" dirty="0"/>
           </a:p>
@@ -5413,7 +5229,7 @@
           <a:p>
             <a:fld id="{5A61015F-7CC6-4D0A-9D87-873EA4C304CC}" type="datetimeFigureOut">
               <a:rPr lang="en-US" smtClean="0"/>
-              <a:t>1/18/2025</a:t>
+              <a:t>1/24/2025</a:t>
             </a:fld>
             <a:endParaRPr lang="en-US" dirty="0"/>
           </a:p>
@@ -5715,7 +5531,7 @@
           <a:p>
             <a:fld id="{93C6A301-0538-44EC-B09D-202E1042A48B}" type="datetimeFigureOut">
               <a:rPr lang="en-US" smtClean="0"/>
-              <a:t>1/18/2025</a:t>
+              <a:t>1/24/2025</a:t>
             </a:fld>
             <a:endParaRPr lang="en-US" dirty="0"/>
           </a:p>
@@ -6169,7 +5985,7 @@
           <a:p>
             <a:fld id="{D789574A-8875-45EF-8EA2-3CAA0F7ABC4C}" type="datetimeFigureOut">
               <a:rPr lang="en-US" smtClean="0"/>
-              <a:t>1/18/2025</a:t>
+              <a:t>1/24/2025</a:t>
             </a:fld>
             <a:endParaRPr lang="en-US" dirty="0"/>
           </a:p>
@@ -6297,7 +6113,7 @@
           <a:p>
             <a:fld id="{67EF4D4C-5367-4C26-9E2B-D8088D7FCA81}" type="datetimeFigureOut">
               <a:rPr lang="en-US" smtClean="0"/>
-              <a:t>1/18/2025</a:t>
+              <a:t>1/24/2025</a:t>
             </a:fld>
             <a:endParaRPr lang="en-US" dirty="0"/>
           </a:p>
@@ -6402,7 +6218,7 @@
           <a:p>
             <a:fld id="{56E91E96-98B0-4413-9547-46F3504108EF}" type="datetimeFigureOut">
               <a:rPr lang="en-US" smtClean="0"/>
-              <a:t>1/18/2025</a:t>
+              <a:t>1/24/2025</a:t>
             </a:fld>
             <a:endParaRPr lang="en-US" dirty="0"/>
           </a:p>
@@ -6690,7 +6506,7 @@
           <a:p>
             <a:fld id="{05C68B11-C5A8-448C-8CE9-B1A273C79CFC}" type="datetimeFigureOut">
               <a:rPr lang="en-US" smtClean="0"/>
-              <a:t>1/18/2025</a:t>
+              <a:t>1/24/2025</a:t>
             </a:fld>
             <a:endParaRPr lang="en-US" dirty="0"/>
           </a:p>
@@ -6975,7 +6791,7 @@
           <a:p>
             <a:fld id="{C7616CA0-919D-4A49-9C8A-62FDFB3A5183}" type="datetimeFigureOut">
               <a:rPr lang="en-US" smtClean="0"/>
-              <a:t>1/18/2025</a:t>
+              <a:t>1/24/2025</a:t>
             </a:fld>
             <a:endParaRPr lang="en-US" dirty="0"/>
           </a:p>
@@ -7415,7 +7231,7 @@
             <a:fld id="{90298CD5-6C1E-4009-B41F-6DF62E31D3BE}" type="datetimeFigureOut">
               <a:rPr lang="en-US" smtClean="0"/>
               <a:pPr/>
-              <a:t>1/18/2025</a:t>
+              <a:t>1/24/2025</a:t>
             </a:fld>
             <a:endParaRPr lang="en-US" dirty="0"/>
           </a:p>
@@ -8335,6 +8151,89 @@
           </a:prstGeom>
         </p:spPr>
       </p:pic>
+      <p:sp>
+        <p:nvSpPr>
+          <p:cNvPr id="2" name="Rectangle 1">
+            <a:extLst>
+              <a:ext uri="{FF2B5EF4-FFF2-40B4-BE49-F238E27FC236}">
+                <a16:creationId xmlns:a16="http://schemas.microsoft.com/office/drawing/2014/main" id="{0C6CAD63-C0A9-ECFE-287E-06C9831403E1}"/>
+              </a:ext>
+            </a:extLst>
+          </p:cNvPr>
+          <p:cNvSpPr/>
+          <p:nvPr/>
+        </p:nvSpPr>
+        <p:spPr>
+          <a:xfrm>
+            <a:off x="-920387" y="221575"/>
+            <a:ext cx="4902574" cy="584775"/>
+          </a:xfrm>
+          <a:prstGeom prst="rect">
+            <a:avLst/>
+          </a:prstGeom>
+          <a:noFill/>
+        </p:spPr>
+        <p:txBody>
+          <a:bodyPr wrap="square" lIns="91440" tIns="45720" rIns="91440" bIns="45720">
+            <a:spAutoFit/>
+          </a:bodyPr>
+          <a:lstStyle/>
+          <a:p>
+            <a:pPr algn="ctr"/>
+            <a:r>
+              <a:rPr lang="en-US" sz="3200" b="1" dirty="0">
+                <a:ln w="12700">
+                  <a:solidFill>
+                    <a:schemeClr val="accent1"/>
+                  </a:solidFill>
+                  <a:prstDash val="solid"/>
+                </a:ln>
+                <a:pattFill prst="pct50">
+                  <a:fgClr>
+                    <a:schemeClr val="accent1"/>
+                  </a:fgClr>
+                  <a:bgClr>
+                    <a:schemeClr val="accent1">
+                      <a:lumMod val="20000"/>
+                      <a:lumOff val="80000"/>
+                    </a:schemeClr>
+                  </a:bgClr>
+                </a:pattFill>
+                <a:effectLst>
+                  <a:outerShdw dist="38100" dir="2640000" algn="bl" rotWithShape="0">
+                    <a:schemeClr val="accent1"/>
+                  </a:outerShdw>
+                </a:effectLst>
+              </a:rPr>
+              <a:t>About Project:</a:t>
+            </a:r>
+            <a:endParaRPr lang="en-US" sz="3200" b="1" cap="none" spc="0" dirty="0">
+              <a:ln w="12700">
+                <a:solidFill>
+                  <a:schemeClr val="accent1"/>
+                </a:solidFill>
+                <a:prstDash val="solid"/>
+              </a:ln>
+              <a:pattFill prst="pct50">
+                <a:fgClr>
+                  <a:schemeClr val="accent1"/>
+                </a:fgClr>
+                <a:bgClr>
+                  <a:schemeClr val="accent1">
+                    <a:lumMod val="20000"/>
+                    <a:lumOff val="80000"/>
+                  </a:schemeClr>
+                </a:bgClr>
+              </a:pattFill>
+              <a:effectLst>
+                <a:outerShdw dist="38100" dir="2640000" algn="bl" rotWithShape="0">
+                  <a:schemeClr val="accent1"/>
+                </a:outerShdw>
+              </a:effectLst>
+            </a:endParaRPr>
+          </a:p>
+        </p:txBody>
+      </p:sp>
     </p:spTree>
   </p:cSld>
   <p:clrMapOvr>

--- a/Hackathon(codebharat).pptx
+++ b/Hackathon(codebharat).pptx
@@ -136,7 +136,7 @@
 <file path=ppt/revisionInfo.xml><?xml version="1.0" encoding="utf-8"?>
 <p1510:revInfo xmlns:a="http://schemas.openxmlformats.org/drawingml/2006/main" xmlns:r="http://schemas.openxmlformats.org/officeDocument/2006/relationships" xmlns:p1510="http://schemas.microsoft.com/office/powerpoint/2015/10/main">
   <p1510:revLst>
-    <p1510:client id="{56A05103-1792-4D01-AEC9-5374AA620BF1}" v="182" dt="2025-01-24T03:13:26.574"/>
+    <p1510:client id="{56A05103-1792-4D01-AEC9-5374AA620BF1}" v="183" dt="2025-01-24T03:54:01.246"/>
   </p1510:revLst>
 </p1510:revInfo>
 </file>
@@ -146,7 +146,7 @@
   <pc:docChgLst>
     <pc:chgData name="crytal shadow" userId="fa2970d5b85510de" providerId="LiveId" clId="{56A05103-1792-4D01-AEC9-5374AA620BF1}"/>
     <pc:docChg chg="undo custSel modSld">
-      <pc:chgData name="crytal shadow" userId="fa2970d5b85510de" providerId="LiveId" clId="{56A05103-1792-4D01-AEC9-5374AA620BF1}" dt="2025-01-24T03:15:22.114" v="520" actId="14100"/>
+      <pc:chgData name="crytal shadow" userId="fa2970d5b85510de" providerId="LiveId" clId="{56A05103-1792-4D01-AEC9-5374AA620BF1}" dt="2025-01-24T03:59:36.359" v="549" actId="14100"/>
       <pc:docMkLst>
         <pc:docMk/>
       </pc:docMkLst>
@@ -580,7 +580,7 @@
         </pc:picChg>
       </pc:sldChg>
       <pc:sldChg chg="addSp delSp modSp mod modTransition">
-        <pc:chgData name="crytal shadow" userId="fa2970d5b85510de" providerId="LiveId" clId="{56A05103-1792-4D01-AEC9-5374AA620BF1}" dt="2025-01-24T02:48:47.367" v="486"/>
+        <pc:chgData name="crytal shadow" userId="fa2970d5b85510de" providerId="LiveId" clId="{56A05103-1792-4D01-AEC9-5374AA620BF1}" dt="2025-01-24T03:59:36.359" v="549" actId="14100"/>
         <pc:sldMkLst>
           <pc:docMk/>
           <pc:sldMk cId="0" sldId="259"/>
@@ -601,8 +601,8 @@
             <ac:graphicFrameMk id="83" creationId="{C436AAA9-9E7E-A245-08C2-730AAA8C84B0}"/>
           </ac:graphicFrameMkLst>
         </pc:graphicFrameChg>
-        <pc:graphicFrameChg chg="add">
-          <ac:chgData name="crytal shadow" userId="fa2970d5b85510de" providerId="LiveId" clId="{56A05103-1792-4D01-AEC9-5374AA620BF1}" dt="2025-01-24T02:30:54.308" v="295" actId="26606"/>
+        <pc:graphicFrameChg chg="add mod modGraphic">
+          <ac:chgData name="crytal shadow" userId="fa2970d5b85510de" providerId="LiveId" clId="{56A05103-1792-4D01-AEC9-5374AA620BF1}" dt="2025-01-24T03:59:36.359" v="549" actId="14100"/>
           <ac:graphicFrameMkLst>
             <pc:docMk/>
             <pc:sldMk cId="0" sldId="259"/>
@@ -729,7 +729,7 @@
         </pc:picChg>
       </pc:sldChg>
       <pc:sldChg chg="addSp delSp modSp mod modTransition setBg setClrOvrMap">
-        <pc:chgData name="crytal shadow" userId="fa2970d5b85510de" providerId="LiveId" clId="{56A05103-1792-4D01-AEC9-5374AA620BF1}" dt="2025-01-24T03:15:22.114" v="520" actId="14100"/>
+        <pc:chgData name="crytal shadow" userId="fa2970d5b85510de" providerId="LiveId" clId="{56A05103-1792-4D01-AEC9-5374AA620BF1}" dt="2025-01-24T03:54:04.196" v="541" actId="14100"/>
         <pc:sldMkLst>
           <pc:docMk/>
           <pc:sldMk cId="0" sldId="263"/>
@@ -942,20 +942,172 @@
             <ac:spMk id="176" creationId="{0D187C4E-14B9-4504-B200-5127823FA78C}"/>
           </ac:spMkLst>
         </pc:spChg>
-        <pc:spChg chg="add">
-          <ac:chgData name="crytal shadow" userId="fa2970d5b85510de" providerId="LiveId" clId="{56A05103-1792-4D01-AEC9-5374AA620BF1}" dt="2025-01-24T03:14:53.576" v="517" actId="26606"/>
+        <pc:spChg chg="add del">
+          <ac:chgData name="crytal shadow" userId="fa2970d5b85510de" providerId="LiveId" clId="{56A05103-1792-4D01-AEC9-5374AA620BF1}" dt="2025-01-24T03:50:13.122" v="533" actId="26606"/>
           <ac:spMkLst>
             <pc:docMk/>
             <pc:sldMk cId="0" sldId="263"/>
             <ac:spMk id="180" creationId="{4AC0CD9D-7610-4620-93B4-798CCD9AB581}"/>
           </ac:spMkLst>
         </pc:spChg>
-        <pc:spChg chg="add">
-          <ac:chgData name="crytal shadow" userId="fa2970d5b85510de" providerId="LiveId" clId="{56A05103-1792-4D01-AEC9-5374AA620BF1}" dt="2025-01-24T03:14:53.576" v="517" actId="26606"/>
+        <pc:spChg chg="add del">
+          <ac:chgData name="crytal shadow" userId="fa2970d5b85510de" providerId="LiveId" clId="{56A05103-1792-4D01-AEC9-5374AA620BF1}" dt="2025-01-24T03:50:13.122" v="533" actId="26606"/>
           <ac:spMkLst>
             <pc:docMk/>
             <pc:sldMk cId="0" sldId="263"/>
             <ac:spMk id="183" creationId="{DE4D62F9-188E-4530-84C2-24BDEE4BEB82}"/>
+          </ac:spMkLst>
+        </pc:spChg>
+        <pc:spChg chg="add del">
+          <ac:chgData name="crytal shadow" userId="fa2970d5b85510de" providerId="LiveId" clId="{56A05103-1792-4D01-AEC9-5374AA620BF1}" dt="2025-01-24T03:48:44.173" v="522" actId="26606"/>
+          <ac:spMkLst>
+            <pc:docMk/>
+            <pc:sldMk cId="0" sldId="263"/>
+            <ac:spMk id="192" creationId="{C393B4A7-6ABF-423D-A762-3CDB4897A833}"/>
+          </ac:spMkLst>
+        </pc:spChg>
+        <pc:spChg chg="add del">
+          <ac:chgData name="crytal shadow" userId="fa2970d5b85510de" providerId="LiveId" clId="{56A05103-1792-4D01-AEC9-5374AA620BF1}" dt="2025-01-24T03:48:44.173" v="522" actId="26606"/>
+          <ac:spMkLst>
+            <pc:docMk/>
+            <pc:sldMk cId="0" sldId="263"/>
+            <ac:spMk id="198" creationId="{01AD250C-F2EA-449F-9B14-DF5BB674C500}"/>
+          </ac:spMkLst>
+        </pc:spChg>
+        <pc:spChg chg="add del">
+          <ac:chgData name="crytal shadow" userId="fa2970d5b85510de" providerId="LiveId" clId="{56A05103-1792-4D01-AEC9-5374AA620BF1}" dt="2025-01-24T03:48:47.752" v="524" actId="26606"/>
+          <ac:spMkLst>
+            <pc:docMk/>
+            <pc:sldMk cId="0" sldId="263"/>
+            <ac:spMk id="202" creationId="{C393B4A7-6ABF-423D-A762-3CDB4897A833}"/>
+          </ac:spMkLst>
+        </pc:spChg>
+        <pc:spChg chg="add del">
+          <ac:chgData name="crytal shadow" userId="fa2970d5b85510de" providerId="LiveId" clId="{56A05103-1792-4D01-AEC9-5374AA620BF1}" dt="2025-01-24T03:48:47.752" v="524" actId="26606"/>
+          <ac:spMkLst>
+            <pc:docMk/>
+            <pc:sldMk cId="0" sldId="263"/>
+            <ac:spMk id="205" creationId="{01AD250C-F2EA-449F-9B14-DF5BB674C500}"/>
+          </ac:spMkLst>
+        </pc:spChg>
+        <pc:spChg chg="add del">
+          <ac:chgData name="crytal shadow" userId="fa2970d5b85510de" providerId="LiveId" clId="{56A05103-1792-4D01-AEC9-5374AA620BF1}" dt="2025-01-24T03:48:59.876" v="526" actId="26606"/>
+          <ac:spMkLst>
+            <pc:docMk/>
+            <pc:sldMk cId="0" sldId="263"/>
+            <ac:spMk id="209" creationId="{4AC0CD9D-7610-4620-93B4-798CCD9AB581}"/>
+          </ac:spMkLst>
+        </pc:spChg>
+        <pc:spChg chg="add del">
+          <ac:chgData name="crytal shadow" userId="fa2970d5b85510de" providerId="LiveId" clId="{56A05103-1792-4D01-AEC9-5374AA620BF1}" dt="2025-01-24T03:48:59.876" v="526" actId="26606"/>
+          <ac:spMkLst>
+            <pc:docMk/>
+            <pc:sldMk cId="0" sldId="263"/>
+            <ac:spMk id="212" creationId="{DE4D62F9-188E-4530-84C2-24BDEE4BEB82}"/>
+          </ac:spMkLst>
+        </pc:spChg>
+        <pc:spChg chg="add del">
+          <ac:chgData name="crytal shadow" userId="fa2970d5b85510de" providerId="LiveId" clId="{56A05103-1792-4D01-AEC9-5374AA620BF1}" dt="2025-01-24T03:49:03.096" v="528" actId="26606"/>
+          <ac:spMkLst>
+            <pc:docMk/>
+            <pc:sldMk cId="0" sldId="263"/>
+            <ac:spMk id="216" creationId="{989BE678-777B-482A-A616-FEDC47B162E5}"/>
+          </ac:spMkLst>
+        </pc:spChg>
+        <pc:spChg chg="add del">
+          <ac:chgData name="crytal shadow" userId="fa2970d5b85510de" providerId="LiveId" clId="{56A05103-1792-4D01-AEC9-5374AA620BF1}" dt="2025-01-24T03:49:03.096" v="528" actId="26606"/>
+          <ac:spMkLst>
+            <pc:docMk/>
+            <pc:sldMk cId="0" sldId="263"/>
+            <ac:spMk id="219" creationId="{D28BE0C3-2102-4820-B88B-A448B1840D14}"/>
+          </ac:spMkLst>
+        </pc:spChg>
+        <pc:spChg chg="add del">
+          <ac:chgData name="crytal shadow" userId="fa2970d5b85510de" providerId="LiveId" clId="{56A05103-1792-4D01-AEC9-5374AA620BF1}" dt="2025-01-24T03:49:03.096" v="528" actId="26606"/>
+          <ac:spMkLst>
+            <pc:docMk/>
+            <pc:sldMk cId="0" sldId="263"/>
+            <ac:spMk id="220" creationId="{0D187C4E-14B9-4504-B200-5127823FA78C}"/>
+          </ac:spMkLst>
+        </pc:spChg>
+        <pc:spChg chg="add del">
+          <ac:chgData name="crytal shadow" userId="fa2970d5b85510de" providerId="LiveId" clId="{56A05103-1792-4D01-AEC9-5374AA620BF1}" dt="2025-01-24T03:49:06.256" v="530" actId="26606"/>
+          <ac:spMkLst>
+            <pc:docMk/>
+            <pc:sldMk cId="0" sldId="263"/>
+            <ac:spMk id="224" creationId="{989BE678-777B-482A-A616-FEDC47B162E5}"/>
+          </ac:spMkLst>
+        </pc:spChg>
+        <pc:spChg chg="add del">
+          <ac:chgData name="crytal shadow" userId="fa2970d5b85510de" providerId="LiveId" clId="{56A05103-1792-4D01-AEC9-5374AA620BF1}" dt="2025-01-24T03:49:06.256" v="530" actId="26606"/>
+          <ac:spMkLst>
+            <pc:docMk/>
+            <pc:sldMk cId="0" sldId="263"/>
+            <ac:spMk id="227" creationId="{D28BE0C3-2102-4820-B88B-A448B1840D14}"/>
+          </ac:spMkLst>
+        </pc:spChg>
+        <pc:spChg chg="add del">
+          <ac:chgData name="crytal shadow" userId="fa2970d5b85510de" providerId="LiveId" clId="{56A05103-1792-4D01-AEC9-5374AA620BF1}" dt="2025-01-24T03:49:06.256" v="530" actId="26606"/>
+          <ac:spMkLst>
+            <pc:docMk/>
+            <pc:sldMk cId="0" sldId="263"/>
+            <ac:spMk id="228" creationId="{29787B81-C7DF-412B-A405-EF4454012DEE}"/>
+          </ac:spMkLst>
+        </pc:spChg>
+        <pc:spChg chg="add del">
+          <ac:chgData name="crytal shadow" userId="fa2970d5b85510de" providerId="LiveId" clId="{56A05103-1792-4D01-AEC9-5374AA620BF1}" dt="2025-01-24T03:50:13.005" v="532" actId="26606"/>
+          <ac:spMkLst>
+            <pc:docMk/>
+            <pc:sldMk cId="0" sldId="263"/>
+            <ac:spMk id="232" creationId="{989BE678-777B-482A-A616-FEDC47B162E5}"/>
+          </ac:spMkLst>
+        </pc:spChg>
+        <pc:spChg chg="add del">
+          <ac:chgData name="crytal shadow" userId="fa2970d5b85510de" providerId="LiveId" clId="{56A05103-1792-4D01-AEC9-5374AA620BF1}" dt="2025-01-24T03:50:13.005" v="532" actId="26606"/>
+          <ac:spMkLst>
+            <pc:docMk/>
+            <pc:sldMk cId="0" sldId="263"/>
+            <ac:spMk id="235" creationId="{D28BE0C3-2102-4820-B88B-A448B1840D14}"/>
+          </ac:spMkLst>
+        </pc:spChg>
+        <pc:spChg chg="add del">
+          <ac:chgData name="crytal shadow" userId="fa2970d5b85510de" providerId="LiveId" clId="{56A05103-1792-4D01-AEC9-5374AA620BF1}" dt="2025-01-24T03:50:13.005" v="532" actId="26606"/>
+          <ac:spMkLst>
+            <pc:docMk/>
+            <pc:sldMk cId="0" sldId="263"/>
+            <ac:spMk id="236" creationId="{C8A3C342-1D03-412F-8DD3-BF519E8E0AE9}"/>
+          </ac:spMkLst>
+        </pc:spChg>
+        <pc:spChg chg="add del">
+          <ac:chgData name="crytal shadow" userId="fa2970d5b85510de" providerId="LiveId" clId="{56A05103-1792-4D01-AEC9-5374AA620BF1}" dt="2025-01-24T03:50:13.005" v="532" actId="26606"/>
+          <ac:spMkLst>
+            <pc:docMk/>
+            <pc:sldMk cId="0" sldId="263"/>
+            <ac:spMk id="237" creationId="{81CC9B02-E087-4350-AEBD-2C3CF001AF01}"/>
+          </ac:spMkLst>
+        </pc:spChg>
+        <pc:spChg chg="add">
+          <ac:chgData name="crytal shadow" userId="fa2970d5b85510de" providerId="LiveId" clId="{56A05103-1792-4D01-AEC9-5374AA620BF1}" dt="2025-01-24T03:50:13.122" v="533" actId="26606"/>
+          <ac:spMkLst>
+            <pc:docMk/>
+            <pc:sldMk cId="0" sldId="263"/>
+            <ac:spMk id="241" creationId="{989BE678-777B-482A-A616-FEDC47B162E5}"/>
+          </ac:spMkLst>
+        </pc:spChg>
+        <pc:spChg chg="add">
+          <ac:chgData name="crytal shadow" userId="fa2970d5b85510de" providerId="LiveId" clId="{56A05103-1792-4D01-AEC9-5374AA620BF1}" dt="2025-01-24T03:50:13.122" v="533" actId="26606"/>
+          <ac:spMkLst>
+            <pc:docMk/>
+            <pc:sldMk cId="0" sldId="263"/>
+            <ac:spMk id="244" creationId="{D28BE0C3-2102-4820-B88B-A448B1840D14}"/>
+          </ac:spMkLst>
+        </pc:spChg>
+        <pc:spChg chg="add">
+          <ac:chgData name="crytal shadow" userId="fa2970d5b85510de" providerId="LiveId" clId="{56A05103-1792-4D01-AEC9-5374AA620BF1}" dt="2025-01-24T03:50:13.122" v="533" actId="26606"/>
+          <ac:spMkLst>
+            <pc:docMk/>
+            <pc:sldMk cId="0" sldId="263"/>
+            <ac:spMk id="245" creationId="{0D187C4E-14B9-4504-B200-5127823FA78C}"/>
           </ac:spMkLst>
         </pc:spChg>
         <pc:graphicFrameChg chg="add del">
@@ -983,7 +1135,7 @@
           </ac:graphicFrameMkLst>
         </pc:graphicFrameChg>
         <pc:graphicFrameChg chg="add mod modGraphic">
-          <ac:chgData name="crytal shadow" userId="fa2970d5b85510de" providerId="LiveId" clId="{56A05103-1792-4D01-AEC9-5374AA620BF1}" dt="2025-01-24T03:15:22.114" v="520" actId="14100"/>
+          <ac:chgData name="crytal shadow" userId="fa2970d5b85510de" providerId="LiveId" clId="{56A05103-1792-4D01-AEC9-5374AA620BF1}" dt="2025-01-24T03:54:04.196" v="541" actId="14100"/>
           <ac:graphicFrameMkLst>
             <pc:docMk/>
             <pc:sldMk cId="0" sldId="263"/>
@@ -1214,8 +1366,8 @@
             <ac:picMk id="174" creationId="{94AAE3AA-3759-4D28-B0EF-575F25A5146C}"/>
           </ac:picMkLst>
         </pc:picChg>
-        <pc:picChg chg="add">
-          <ac:chgData name="crytal shadow" userId="fa2970d5b85510de" providerId="LiveId" clId="{56A05103-1792-4D01-AEC9-5374AA620BF1}" dt="2025-01-24T03:14:53.576" v="517" actId="26606"/>
+        <pc:picChg chg="add del">
+          <ac:chgData name="crytal shadow" userId="fa2970d5b85510de" providerId="LiveId" clId="{56A05103-1792-4D01-AEC9-5374AA620BF1}" dt="2025-01-24T03:50:13.122" v="533" actId="26606"/>
           <ac:picMkLst>
             <pc:docMk/>
             <pc:sldMk cId="0" sldId="263"/>
@@ -1230,20 +1382,204 @@
             <ac:picMk id="179" creationId="{7C268552-D473-46ED-B1B8-422042C4DEF1}"/>
           </ac:picMkLst>
         </pc:picChg>
-        <pc:picChg chg="add">
-          <ac:chgData name="crytal shadow" userId="fa2970d5b85510de" providerId="LiveId" clId="{56A05103-1792-4D01-AEC9-5374AA620BF1}" dt="2025-01-24T03:14:53.576" v="517" actId="26606"/>
+        <pc:picChg chg="add del">
+          <ac:chgData name="crytal shadow" userId="fa2970d5b85510de" providerId="LiveId" clId="{56A05103-1792-4D01-AEC9-5374AA620BF1}" dt="2025-01-24T03:50:13.122" v="533" actId="26606"/>
           <ac:picMkLst>
             <pc:docMk/>
             <pc:sldMk cId="0" sldId="263"/>
             <ac:picMk id="181" creationId="{B9238B3E-24AA-439A-B527-6C5DF6D72145}"/>
           </ac:picMkLst>
         </pc:picChg>
-        <pc:picChg chg="add">
-          <ac:chgData name="crytal shadow" userId="fa2970d5b85510de" providerId="LiveId" clId="{56A05103-1792-4D01-AEC9-5374AA620BF1}" dt="2025-01-24T03:14:53.576" v="517" actId="26606"/>
+        <pc:picChg chg="add del">
+          <ac:chgData name="crytal shadow" userId="fa2970d5b85510de" providerId="LiveId" clId="{56A05103-1792-4D01-AEC9-5374AA620BF1}" dt="2025-01-24T03:48:47.859" v="525" actId="26606"/>
           <ac:picMkLst>
             <pc:docMk/>
             <pc:sldMk cId="0" sldId="263"/>
             <ac:picMk id="182" creationId="{69F01145-BEA3-4CBF-AA21-10077B948CA8}"/>
+          </ac:picMkLst>
+        </pc:picChg>
+        <pc:picChg chg="add del">
+          <ac:chgData name="crytal shadow" userId="fa2970d5b85510de" providerId="LiveId" clId="{56A05103-1792-4D01-AEC9-5374AA620BF1}" dt="2025-01-24T03:48:44.173" v="522" actId="26606"/>
+          <ac:picMkLst>
+            <pc:docMk/>
+            <pc:sldMk cId="0" sldId="263"/>
+            <ac:picMk id="188" creationId="{F1B8F9CB-890B-4CB8-B503-188A763E2FC1}"/>
+          </ac:picMkLst>
+        </pc:picChg>
+        <pc:picChg chg="add del">
+          <ac:chgData name="crytal shadow" userId="fa2970d5b85510de" providerId="LiveId" clId="{56A05103-1792-4D01-AEC9-5374AA620BF1}" dt="2025-01-24T03:48:44.173" v="522" actId="26606"/>
+          <ac:picMkLst>
+            <pc:docMk/>
+            <pc:sldMk cId="0" sldId="263"/>
+            <ac:picMk id="190" creationId="{AA632AB4-3837-4FD0-8B62-0A18B573F46D}"/>
+          </ac:picMkLst>
+        </pc:picChg>
+        <pc:picChg chg="add del">
+          <ac:chgData name="crytal shadow" userId="fa2970d5b85510de" providerId="LiveId" clId="{56A05103-1792-4D01-AEC9-5374AA620BF1}" dt="2025-01-24T03:48:44.173" v="522" actId="26606"/>
+          <ac:picMkLst>
+            <pc:docMk/>
+            <pc:sldMk cId="0" sldId="263"/>
+            <ac:picMk id="194" creationId="{9CD2319A-6FA9-4EFB-9EDF-7304467425E8}"/>
+          </ac:picMkLst>
+        </pc:picChg>
+        <pc:picChg chg="del">
+          <ac:chgData name="crytal shadow" userId="fa2970d5b85510de" providerId="LiveId" clId="{56A05103-1792-4D01-AEC9-5374AA620BF1}" dt="2025-01-24T03:48:44.173" v="522" actId="26606"/>
+          <ac:picMkLst>
+            <pc:docMk/>
+            <pc:sldMk cId="0" sldId="263"/>
+            <ac:picMk id="196" creationId="{D1692A93-3514-4486-8B67-CCA4E0259BCB}"/>
+          </ac:picMkLst>
+        </pc:picChg>
+        <pc:picChg chg="del">
+          <ac:chgData name="crytal shadow" userId="fa2970d5b85510de" providerId="LiveId" clId="{56A05103-1792-4D01-AEC9-5374AA620BF1}" dt="2025-01-24T03:48:47.752" v="524" actId="26606"/>
+          <ac:picMkLst>
+            <pc:docMk/>
+            <pc:sldMk cId="0" sldId="263"/>
+            <ac:picMk id="200" creationId="{F1B8F9CB-890B-4CB8-B503-188A763E2FC1}"/>
+          </ac:picMkLst>
+        </pc:picChg>
+        <pc:picChg chg="add del">
+          <ac:chgData name="crytal shadow" userId="fa2970d5b85510de" providerId="LiveId" clId="{56A05103-1792-4D01-AEC9-5374AA620BF1}" dt="2025-01-24T03:48:47.752" v="524" actId="26606"/>
+          <ac:picMkLst>
+            <pc:docMk/>
+            <pc:sldMk cId="0" sldId="263"/>
+            <ac:picMk id="201" creationId="{AA632AB4-3837-4FD0-8B62-0A18B573F46D}"/>
+          </ac:picMkLst>
+        </pc:picChg>
+        <pc:picChg chg="add del">
+          <ac:chgData name="crytal shadow" userId="fa2970d5b85510de" providerId="LiveId" clId="{56A05103-1792-4D01-AEC9-5374AA620BF1}" dt="2025-01-24T03:48:47.752" v="524" actId="26606"/>
+          <ac:picMkLst>
+            <pc:docMk/>
+            <pc:sldMk cId="0" sldId="263"/>
+            <ac:picMk id="203" creationId="{9CD2319A-6FA9-4EFB-9EDF-7304467425E8}"/>
+          </ac:picMkLst>
+        </pc:picChg>
+        <pc:picChg chg="add del">
+          <ac:chgData name="crytal shadow" userId="fa2970d5b85510de" providerId="LiveId" clId="{56A05103-1792-4D01-AEC9-5374AA620BF1}" dt="2025-01-24T03:48:47.752" v="524" actId="26606"/>
+          <ac:picMkLst>
+            <pc:docMk/>
+            <pc:sldMk cId="0" sldId="263"/>
+            <ac:picMk id="204" creationId="{D1692A93-3514-4486-8B67-CCA4E0259BCB}"/>
+          </ac:picMkLst>
+        </pc:picChg>
+        <pc:picChg chg="add del">
+          <ac:chgData name="crytal shadow" userId="fa2970d5b85510de" providerId="LiveId" clId="{56A05103-1792-4D01-AEC9-5374AA620BF1}" dt="2025-01-24T03:48:59.876" v="526" actId="26606"/>
+          <ac:picMkLst>
+            <pc:docMk/>
+            <pc:sldMk cId="0" sldId="263"/>
+            <ac:picMk id="207" creationId="{41B68C77-138E-4BF7-A276-BD0C78A4219F}"/>
+          </ac:picMkLst>
+        </pc:picChg>
+        <pc:picChg chg="add del">
+          <ac:chgData name="crytal shadow" userId="fa2970d5b85510de" providerId="LiveId" clId="{56A05103-1792-4D01-AEC9-5374AA620BF1}" dt="2025-01-24T03:48:59.876" v="526" actId="26606"/>
+          <ac:picMkLst>
+            <pc:docMk/>
+            <pc:sldMk cId="0" sldId="263"/>
+            <ac:picMk id="208" creationId="{7C268552-D473-46ED-B1B8-422042C4DEF1}"/>
+          </ac:picMkLst>
+        </pc:picChg>
+        <pc:picChg chg="del">
+          <ac:chgData name="crytal shadow" userId="fa2970d5b85510de" providerId="LiveId" clId="{56A05103-1792-4D01-AEC9-5374AA620BF1}" dt="2025-01-24T03:48:59.876" v="526" actId="26606"/>
+          <ac:picMkLst>
+            <pc:docMk/>
+            <pc:sldMk cId="0" sldId="263"/>
+            <ac:picMk id="210" creationId="{B9238B3E-24AA-439A-B527-6C5DF6D72145}"/>
+          </ac:picMkLst>
+        </pc:picChg>
+        <pc:picChg chg="add del">
+          <ac:chgData name="crytal shadow" userId="fa2970d5b85510de" providerId="LiveId" clId="{56A05103-1792-4D01-AEC9-5374AA620BF1}" dt="2025-01-24T03:48:59.876" v="526" actId="26606"/>
+          <ac:picMkLst>
+            <pc:docMk/>
+            <pc:sldMk cId="0" sldId="263"/>
+            <ac:picMk id="211" creationId="{69F01145-BEA3-4CBF-AA21-10077B948CA8}"/>
+          </ac:picMkLst>
+        </pc:picChg>
+        <pc:picChg chg="add del">
+          <ac:chgData name="crytal shadow" userId="fa2970d5b85510de" providerId="LiveId" clId="{56A05103-1792-4D01-AEC9-5374AA620BF1}" dt="2025-01-24T03:49:03.096" v="528" actId="26606"/>
+          <ac:picMkLst>
+            <pc:docMk/>
+            <pc:sldMk cId="0" sldId="263"/>
+            <ac:picMk id="214" creationId="{DF19BAF3-7E20-4B9D-B544-BABAEEA1FA75}"/>
+          </ac:picMkLst>
+        </pc:picChg>
+        <pc:picChg chg="add del">
+          <ac:chgData name="crytal shadow" userId="fa2970d5b85510de" providerId="LiveId" clId="{56A05103-1792-4D01-AEC9-5374AA620BF1}" dt="2025-01-24T03:49:03.096" v="528" actId="26606"/>
+          <ac:picMkLst>
+            <pc:docMk/>
+            <pc:sldMk cId="0" sldId="263"/>
+            <ac:picMk id="215" creationId="{950648F4-ABCD-4DF0-8641-76CFB2354721}"/>
+          </ac:picMkLst>
+        </pc:picChg>
+        <pc:picChg chg="add del">
+          <ac:chgData name="crytal shadow" userId="fa2970d5b85510de" providerId="LiveId" clId="{56A05103-1792-4D01-AEC9-5374AA620BF1}" dt="2025-01-24T03:49:03.096" v="528" actId="26606"/>
+          <ac:picMkLst>
+            <pc:docMk/>
+            <pc:sldMk cId="0" sldId="263"/>
+            <ac:picMk id="218" creationId="{94AAE3AA-3759-4D28-B0EF-575F25A5146C}"/>
+          </ac:picMkLst>
+        </pc:picChg>
+        <pc:picChg chg="add del">
+          <ac:chgData name="crytal shadow" userId="fa2970d5b85510de" providerId="LiveId" clId="{56A05103-1792-4D01-AEC9-5374AA620BF1}" dt="2025-01-24T03:49:06.256" v="530" actId="26606"/>
+          <ac:picMkLst>
+            <pc:docMk/>
+            <pc:sldMk cId="0" sldId="263"/>
+            <ac:picMk id="223" creationId="{950648F4-ABCD-4DF0-8641-76CFB2354721}"/>
+          </ac:picMkLst>
+        </pc:picChg>
+        <pc:picChg chg="add del">
+          <ac:chgData name="crytal shadow" userId="fa2970d5b85510de" providerId="LiveId" clId="{56A05103-1792-4D01-AEC9-5374AA620BF1}" dt="2025-01-24T03:49:06.256" v="530" actId="26606"/>
+          <ac:picMkLst>
+            <pc:docMk/>
+            <pc:sldMk cId="0" sldId="263"/>
+            <ac:picMk id="225" creationId="{CF1EB4BD-9C7E-4AA3-9681-C7EB0DA6250B}"/>
+          </ac:picMkLst>
+        </pc:picChg>
+        <pc:picChg chg="add del">
+          <ac:chgData name="crytal shadow" userId="fa2970d5b85510de" providerId="LiveId" clId="{56A05103-1792-4D01-AEC9-5374AA620BF1}" dt="2025-01-24T03:49:06.256" v="530" actId="26606"/>
+          <ac:picMkLst>
+            <pc:docMk/>
+            <pc:sldMk cId="0" sldId="263"/>
+            <ac:picMk id="226" creationId="{94AAE3AA-3759-4D28-B0EF-575F25A5146C}"/>
+          </ac:picMkLst>
+        </pc:picChg>
+        <pc:picChg chg="add del">
+          <ac:chgData name="crytal shadow" userId="fa2970d5b85510de" providerId="LiveId" clId="{56A05103-1792-4D01-AEC9-5374AA620BF1}" dt="2025-01-24T03:50:13.005" v="532" actId="26606"/>
+          <ac:picMkLst>
+            <pc:docMk/>
+            <pc:sldMk cId="0" sldId="263"/>
+            <ac:picMk id="233" creationId="{CF1EB4BD-9C7E-4AA3-9681-C7EB0DA6250B}"/>
+          </ac:picMkLst>
+        </pc:picChg>
+        <pc:picChg chg="add del">
+          <ac:chgData name="crytal shadow" userId="fa2970d5b85510de" providerId="LiveId" clId="{56A05103-1792-4D01-AEC9-5374AA620BF1}" dt="2025-01-24T03:50:13.005" v="532" actId="26606"/>
+          <ac:picMkLst>
+            <pc:docMk/>
+            <pc:sldMk cId="0" sldId="263"/>
+            <ac:picMk id="234" creationId="{94AAE3AA-3759-4D28-B0EF-575F25A5146C}"/>
+          </ac:picMkLst>
+        </pc:picChg>
+        <pc:picChg chg="add">
+          <ac:chgData name="crytal shadow" userId="fa2970d5b85510de" providerId="LiveId" clId="{56A05103-1792-4D01-AEC9-5374AA620BF1}" dt="2025-01-24T03:50:13.122" v="533" actId="26606"/>
+          <ac:picMkLst>
+            <pc:docMk/>
+            <pc:sldMk cId="0" sldId="263"/>
+            <ac:picMk id="239" creationId="{DF19BAF3-7E20-4B9D-B544-BABAEEA1FA75}"/>
+          </ac:picMkLst>
+        </pc:picChg>
+        <pc:picChg chg="add">
+          <ac:chgData name="crytal shadow" userId="fa2970d5b85510de" providerId="LiveId" clId="{56A05103-1792-4D01-AEC9-5374AA620BF1}" dt="2025-01-24T03:50:13.122" v="533" actId="26606"/>
+          <ac:picMkLst>
+            <pc:docMk/>
+            <pc:sldMk cId="0" sldId="263"/>
+            <ac:picMk id="242" creationId="{CF1EB4BD-9C7E-4AA3-9681-C7EB0DA6250B}"/>
+          </ac:picMkLst>
+        </pc:picChg>
+        <pc:picChg chg="add">
+          <ac:chgData name="crytal shadow" userId="fa2970d5b85510de" providerId="LiveId" clId="{56A05103-1792-4D01-AEC9-5374AA620BF1}" dt="2025-01-24T03:50:13.122" v="533" actId="26606"/>
+          <ac:picMkLst>
+            <pc:docMk/>
+            <pc:sldMk cId="0" sldId="263"/>
+            <ac:picMk id="243" creationId="{94AAE3AA-3759-4D28-B0EF-575F25A5146C}"/>
           </ac:picMkLst>
         </pc:picChg>
       </pc:sldChg>
@@ -2063,15 +2399,15 @@
 </file>
 
 <file path=ppt/diagrams/colors2.xml><?xml version="1.0" encoding="utf-8"?>
-<dgm:colorsDef xmlns:dgm="http://schemas.openxmlformats.org/drawingml/2006/diagram" xmlns:a="http://schemas.openxmlformats.org/drawingml/2006/main" uniqueId="urn:microsoft.com/office/officeart/2005/8/colors/accent5_2">
+<dgm:colorsDef xmlns:dgm="http://schemas.openxmlformats.org/drawingml/2006/diagram" xmlns:a="http://schemas.openxmlformats.org/drawingml/2006/main" uniqueId="urn:microsoft.com/office/officeart/2005/8/colors/colorful1">
   <dgm:title val=""/>
   <dgm:desc val=""/>
   <dgm:catLst>
-    <dgm:cat type="accent5" pri="11200"/>
+    <dgm:cat type="colorful" pri="10100"/>
   </dgm:catLst>
   <dgm:styleLbl name="node0">
     <dgm:fillClrLst meth="repeat">
-      <a:schemeClr val="accent5"/>
+      <a:schemeClr val="accent1"/>
     </dgm:fillClrLst>
     <dgm:linClrLst meth="repeat">
       <a:schemeClr val="lt1"/>
@@ -2083,7 +2419,11 @@
   </dgm:styleLbl>
   <dgm:styleLbl name="node1">
     <dgm:fillClrLst meth="repeat">
+      <a:schemeClr val="accent2"/>
+      <a:schemeClr val="accent3"/>
+      <a:schemeClr val="accent4"/>
       <a:schemeClr val="accent5"/>
+      <a:schemeClr val="accent6"/>
     </dgm:fillClrLst>
     <dgm:linClrLst meth="repeat">
       <a:schemeClr val="lt1"/>
@@ -2095,10 +2435,18 @@
   </dgm:styleLbl>
   <dgm:styleLbl name="alignNode1">
     <dgm:fillClrLst meth="repeat">
+      <a:schemeClr val="accent2"/>
+      <a:schemeClr val="accent3"/>
+      <a:schemeClr val="accent4"/>
       <a:schemeClr val="accent5"/>
+      <a:schemeClr val="accent6"/>
     </dgm:fillClrLst>
     <dgm:linClrLst meth="repeat">
+      <a:schemeClr val="accent2"/>
+      <a:schemeClr val="accent3"/>
+      <a:schemeClr val="accent4"/>
       <a:schemeClr val="accent5"/>
+      <a:schemeClr val="accent6"/>
     </dgm:linClrLst>
     <dgm:effectClrLst/>
     <dgm:txLinClrLst/>
@@ -2107,7 +2455,11 @@
   </dgm:styleLbl>
   <dgm:styleLbl name="lnNode1">
     <dgm:fillClrLst meth="repeat">
+      <a:schemeClr val="accent2"/>
+      <a:schemeClr val="accent3"/>
+      <a:schemeClr val="accent4"/>
       <a:schemeClr val="accent5"/>
+      <a:schemeClr val="accent6"/>
     </dgm:fillClrLst>
     <dgm:linClrLst meth="repeat">
       <a:schemeClr val="lt1"/>
@@ -2119,7 +2471,19 @@
   </dgm:styleLbl>
   <dgm:styleLbl name="vennNode1">
     <dgm:fillClrLst meth="repeat">
+      <a:schemeClr val="accent2">
+        <a:alpha val="50000"/>
+      </a:schemeClr>
+      <a:schemeClr val="accent3">
+        <a:alpha val="50000"/>
+      </a:schemeClr>
+      <a:schemeClr val="accent4">
+        <a:alpha val="50000"/>
+      </a:schemeClr>
       <a:schemeClr val="accent5">
+        <a:alpha val="50000"/>
+      </a:schemeClr>
+      <a:schemeClr val="accent6">
         <a:alpha val="50000"/>
       </a:schemeClr>
     </dgm:fillClrLst>
@@ -2132,8 +2496,8 @@
     <dgm:txEffectClrLst/>
   </dgm:styleLbl>
   <dgm:styleLbl name="node2">
-    <dgm:fillClrLst meth="repeat">
-      <a:schemeClr val="accent5"/>
+    <dgm:fillClrLst>
+      <a:schemeClr val="accent2"/>
     </dgm:fillClrLst>
     <dgm:linClrLst meth="repeat">
       <a:schemeClr val="lt1"/>
@@ -2144,8 +2508,8 @@
     <dgm:txEffectClrLst/>
   </dgm:styleLbl>
   <dgm:styleLbl name="node3">
-    <dgm:fillClrLst meth="repeat">
-      <a:schemeClr val="accent5"/>
+    <dgm:fillClrLst>
+      <a:schemeClr val="accent3"/>
     </dgm:fillClrLst>
     <dgm:linClrLst meth="repeat">
       <a:schemeClr val="lt1"/>
@@ -2156,8 +2520,8 @@
     <dgm:txEffectClrLst/>
   </dgm:styleLbl>
   <dgm:styleLbl name="node4">
-    <dgm:fillClrLst meth="repeat">
-      <a:schemeClr val="accent5"/>
+    <dgm:fillClrLst>
+      <a:schemeClr val="accent4"/>
     </dgm:fillClrLst>
     <dgm:linClrLst meth="repeat">
       <a:schemeClr val="lt1"/>
@@ -2169,7 +2533,19 @@
   </dgm:styleLbl>
   <dgm:styleLbl name="fgImgPlace1">
     <dgm:fillClrLst meth="repeat">
+      <a:schemeClr val="accent2">
+        <a:tint val="50000"/>
+      </a:schemeClr>
+      <a:schemeClr val="accent3">
+        <a:tint val="50000"/>
+      </a:schemeClr>
+      <a:schemeClr val="accent4">
+        <a:tint val="50000"/>
+      </a:schemeClr>
       <a:schemeClr val="accent5">
+        <a:tint val="50000"/>
+      </a:schemeClr>
+      <a:schemeClr val="accent6">
         <a:tint val="50000"/>
       </a:schemeClr>
     </dgm:fillClrLst>
@@ -2184,9 +2560,12 @@
     <dgm:txEffectClrLst/>
   </dgm:styleLbl>
   <dgm:styleLbl name="alignImgPlace1">
-    <dgm:fillClrLst meth="repeat">
-      <a:schemeClr val="accent5">
+    <dgm:fillClrLst>
+      <a:schemeClr val="accent1">
         <a:tint val="50000"/>
+      </a:schemeClr>
+      <a:schemeClr val="accent2">
+        <a:tint val="20000"/>
       </a:schemeClr>
     </dgm:fillClrLst>
     <dgm:linClrLst meth="repeat">
@@ -2200,9 +2579,12 @@
     <dgm:txEffectClrLst/>
   </dgm:styleLbl>
   <dgm:styleLbl name="bgImgPlace1">
-    <dgm:fillClrLst meth="repeat">
-      <a:schemeClr val="accent5">
+    <dgm:fillClrLst>
+      <a:schemeClr val="accent1">
         <a:tint val="50000"/>
+      </a:schemeClr>
+      <a:schemeClr val="accent2">
+        <a:tint val="20000"/>
       </a:schemeClr>
     </dgm:fillClrLst>
     <dgm:linClrLst meth="repeat">
@@ -2217,14 +2599,14 @@
   </dgm:styleLbl>
   <dgm:styleLbl name="sibTrans2D1">
     <dgm:fillClrLst meth="repeat">
-      <a:schemeClr val="accent5">
-        <a:tint val="60000"/>
-      </a:schemeClr>
+      <a:schemeClr val="accent2"/>
+      <a:schemeClr val="accent3"/>
+      <a:schemeClr val="accent4"/>
+      <a:schemeClr val="accent5"/>
+      <a:schemeClr val="accent6"/>
     </dgm:fillClrLst>
-    <dgm:linClrLst meth="repeat">
-      <a:schemeClr val="accent5">
-        <a:tint val="60000"/>
-      </a:schemeClr>
+    <dgm:linClrLst meth="cycle">
+      <a:schemeClr val="lt1"/>
     </dgm:linClrLst>
     <dgm:effectClrLst/>
     <dgm:txLinClrLst/>
@@ -2233,42 +2615,54 @@
   </dgm:styleLbl>
   <dgm:styleLbl name="fgSibTrans2D1">
     <dgm:fillClrLst meth="repeat">
-      <a:schemeClr val="accent5">
-        <a:tint val="60000"/>
-      </a:schemeClr>
+      <a:schemeClr val="accent2"/>
+      <a:schemeClr val="accent3"/>
+      <a:schemeClr val="accent4"/>
+      <a:schemeClr val="accent5"/>
+      <a:schemeClr val="accent6"/>
     </dgm:fillClrLst>
-    <dgm:linClrLst meth="repeat">
-      <a:schemeClr val="accent5">
-        <a:tint val="60000"/>
-      </a:schemeClr>
+    <dgm:linClrLst meth="cycle">
+      <a:schemeClr val="lt1"/>
     </dgm:linClrLst>
     <dgm:effectClrLst/>
     <dgm:txLinClrLst/>
-    <dgm:txFillClrLst/>
+    <dgm:txFillClrLst meth="repeat">
+      <a:schemeClr val="lt1"/>
+    </dgm:txFillClrLst>
     <dgm:txEffectClrLst/>
   </dgm:styleLbl>
   <dgm:styleLbl name="bgSibTrans2D1">
     <dgm:fillClrLst meth="repeat">
-      <a:schemeClr val="accent5">
-        <a:tint val="60000"/>
-      </a:schemeClr>
+      <a:schemeClr val="accent2"/>
+      <a:schemeClr val="accent3"/>
+      <a:schemeClr val="accent4"/>
+      <a:schemeClr val="accent5"/>
+      <a:schemeClr val="accent6"/>
     </dgm:fillClrLst>
-    <dgm:linClrLst meth="repeat">
-      <a:schemeClr val="accent5">
-        <a:tint val="60000"/>
-      </a:schemeClr>
+    <dgm:linClrLst meth="cycle">
+      <a:schemeClr val="lt1"/>
     </dgm:linClrLst>
     <dgm:effectClrLst/>
     <dgm:txLinClrLst/>
-    <dgm:txFillClrLst/>
+    <dgm:txFillClrLst meth="repeat">
+      <a:schemeClr val="lt1"/>
+    </dgm:txFillClrLst>
     <dgm:txEffectClrLst/>
   </dgm:styleLbl>
   <dgm:styleLbl name="sibTrans1D1">
     <dgm:fillClrLst meth="repeat">
+      <a:schemeClr val="accent2"/>
+      <a:schemeClr val="accent3"/>
+      <a:schemeClr val="accent4"/>
       <a:schemeClr val="accent5"/>
+      <a:schemeClr val="accent6"/>
     </dgm:fillClrLst>
     <dgm:linClrLst meth="repeat">
+      <a:schemeClr val="accent2"/>
+      <a:schemeClr val="accent3"/>
+      <a:schemeClr val="accent4"/>
       <a:schemeClr val="accent5"/>
+      <a:schemeClr val="accent6"/>
     </dgm:linClrLst>
     <dgm:effectClrLst/>
     <dgm:txLinClrLst/>
@@ -2279,10 +2673,10 @@
   </dgm:styleLbl>
   <dgm:styleLbl name="callout">
     <dgm:fillClrLst meth="repeat">
-      <a:schemeClr val="accent5"/>
+      <a:schemeClr val="accent2"/>
     </dgm:fillClrLst>
     <dgm:linClrLst meth="repeat">
-      <a:schemeClr val="accent5">
+      <a:schemeClr val="accent2">
         <a:tint val="50000"/>
       </a:schemeClr>
     </dgm:linClrLst>
@@ -2295,7 +2689,7 @@
   </dgm:styleLbl>
   <dgm:styleLbl name="asst0">
     <dgm:fillClrLst meth="repeat">
-      <a:schemeClr val="accent5"/>
+      <a:schemeClr val="accent1"/>
     </dgm:fillClrLst>
     <dgm:linClrLst meth="repeat">
       <a:schemeClr val="lt1"/>
@@ -2307,7 +2701,7 @@
   </dgm:styleLbl>
   <dgm:styleLbl name="asst1">
     <dgm:fillClrLst meth="repeat">
-      <a:schemeClr val="accent5"/>
+      <a:schemeClr val="accent2"/>
     </dgm:fillClrLst>
     <dgm:linClrLst meth="repeat">
       <a:schemeClr val="lt1"/>
@@ -2318,8 +2712,8 @@
     <dgm:txEffectClrLst/>
   </dgm:styleLbl>
   <dgm:styleLbl name="asst2">
-    <dgm:fillClrLst meth="repeat">
-      <a:schemeClr val="accent5"/>
+    <dgm:fillClrLst>
+      <a:schemeClr val="accent3"/>
     </dgm:fillClrLst>
     <dgm:linClrLst meth="repeat">
       <a:schemeClr val="lt1"/>
@@ -2330,8 +2724,8 @@
     <dgm:txEffectClrLst/>
   </dgm:styleLbl>
   <dgm:styleLbl name="asst3">
-    <dgm:fillClrLst meth="repeat">
-      <a:schemeClr val="accent5"/>
+    <dgm:fillClrLst>
+      <a:schemeClr val="accent4"/>
     </dgm:fillClrLst>
     <dgm:linClrLst meth="repeat">
       <a:schemeClr val="lt1"/>
@@ -2342,7 +2736,7 @@
     <dgm:txEffectClrLst/>
   </dgm:styleLbl>
   <dgm:styleLbl name="asst4">
-    <dgm:fillClrLst meth="repeat">
+    <dgm:fillClrLst>
       <a:schemeClr val="accent5"/>
     </dgm:fillClrLst>
     <dgm:linClrLst meth="repeat">
@@ -2355,14 +2749,10 @@
   </dgm:styleLbl>
   <dgm:styleLbl name="parChTrans2D1">
     <dgm:fillClrLst meth="repeat">
-      <a:schemeClr val="accent5">
-        <a:tint val="60000"/>
-      </a:schemeClr>
+      <a:schemeClr val="accent2"/>
     </dgm:fillClrLst>
     <dgm:linClrLst meth="repeat">
-      <a:schemeClr val="accent5">
-        <a:tint val="60000"/>
-      </a:schemeClr>
+      <a:schemeClr val="lt1"/>
     </dgm:linClrLst>
     <dgm:effectClrLst/>
     <dgm:txLinClrLst/>
@@ -2373,30 +2763,26 @@
   </dgm:styleLbl>
   <dgm:styleLbl name="parChTrans2D2">
     <dgm:fillClrLst meth="repeat">
-      <a:schemeClr val="accent5"/>
+      <a:schemeClr val="accent3"/>
     </dgm:fillClrLst>
     <dgm:linClrLst meth="repeat">
-      <a:schemeClr val="accent5"/>
+      <a:schemeClr val="lt1"/>
     </dgm:linClrLst>
     <dgm:effectClrLst/>
     <dgm:txLinClrLst/>
-    <dgm:txFillClrLst meth="repeat">
-      <a:schemeClr val="lt1"/>
-    </dgm:txFillClrLst>
+    <dgm:txFillClrLst/>
     <dgm:txEffectClrLst/>
   </dgm:styleLbl>
   <dgm:styleLbl name="parChTrans2D3">
     <dgm:fillClrLst meth="repeat">
-      <a:schemeClr val="accent5"/>
+      <a:schemeClr val="accent4"/>
     </dgm:fillClrLst>
     <dgm:linClrLst meth="repeat">
-      <a:schemeClr val="accent5"/>
+      <a:schemeClr val="lt1"/>
     </dgm:linClrLst>
     <dgm:effectClrLst/>
     <dgm:txLinClrLst/>
-    <dgm:txFillClrLst meth="repeat">
-      <a:schemeClr val="lt1"/>
-    </dgm:txFillClrLst>
+    <dgm:txFillClrLst/>
     <dgm:txEffectClrLst/>
   </dgm:styleLbl>
   <dgm:styleLbl name="parChTrans2D4">
@@ -2404,7 +2790,7 @@
       <a:schemeClr val="accent5"/>
     </dgm:fillClrLst>
     <dgm:linClrLst meth="repeat">
-      <a:schemeClr val="accent5"/>
+      <a:schemeClr val="lt1"/>
     </dgm:linClrLst>
     <dgm:effectClrLst/>
     <dgm:txLinClrLst/>
@@ -2415,12 +2801,10 @@
   </dgm:styleLbl>
   <dgm:styleLbl name="parChTrans1D1">
     <dgm:fillClrLst meth="repeat">
-      <a:schemeClr val="accent5"/>
+      <a:schemeClr val="accent2"/>
     </dgm:fillClrLst>
     <dgm:linClrLst meth="repeat">
-      <a:schemeClr val="accent5">
-        <a:shade val="60000"/>
-      </a:schemeClr>
+      <a:schemeClr val="accent1"/>
     </dgm:linClrLst>
     <dgm:effectClrLst/>
     <dgm:txLinClrLst/>
@@ -2431,12 +2815,12 @@
   </dgm:styleLbl>
   <dgm:styleLbl name="parChTrans1D2">
     <dgm:fillClrLst meth="repeat">
-      <a:schemeClr val="accent5"/>
+      <a:schemeClr val="accent3">
+        <a:tint val="90000"/>
+      </a:schemeClr>
     </dgm:fillClrLst>
     <dgm:linClrLst meth="repeat">
-      <a:schemeClr val="accent5">
-        <a:shade val="60000"/>
-      </a:schemeClr>
+      <a:schemeClr val="accent2"/>
     </dgm:linClrLst>
     <dgm:effectClrLst/>
     <dgm:txLinClrLst/>
@@ -2447,12 +2831,12 @@
   </dgm:styleLbl>
   <dgm:styleLbl name="parChTrans1D3">
     <dgm:fillClrLst meth="repeat">
-      <a:schemeClr val="accent5"/>
+      <a:schemeClr val="accent4">
+        <a:tint val="70000"/>
+      </a:schemeClr>
     </dgm:fillClrLst>
     <dgm:linClrLst meth="repeat">
-      <a:schemeClr val="accent5">
-        <a:shade val="80000"/>
-      </a:schemeClr>
+      <a:schemeClr val="accent3"/>
     </dgm:linClrLst>
     <dgm:effectClrLst/>
     <dgm:txLinClrLst/>
@@ -2463,12 +2847,12 @@
   </dgm:styleLbl>
   <dgm:styleLbl name="parChTrans1D4">
     <dgm:fillClrLst meth="repeat">
-      <a:schemeClr val="accent5"/>
+      <a:schemeClr val="accent5">
+        <a:tint val="50000"/>
+      </a:schemeClr>
     </dgm:fillClrLst>
     <dgm:linClrLst meth="repeat">
-      <a:schemeClr val="accent5">
-        <a:shade val="80000"/>
-      </a:schemeClr>
+      <a:schemeClr val="accent4"/>
     </dgm:linClrLst>
     <dgm:effectClrLst/>
     <dgm:txLinClrLst/>
@@ -2484,7 +2868,11 @@
       </a:schemeClr>
     </dgm:fillClrLst>
     <dgm:linClrLst meth="repeat">
+      <a:schemeClr val="accent2"/>
+      <a:schemeClr val="accent3"/>
+      <a:schemeClr val="accent4"/>
       <a:schemeClr val="accent5"/>
+      <a:schemeClr val="accent6"/>
     </dgm:linClrLst>
     <dgm:effectClrLst/>
     <dgm:txLinClrLst/>
@@ -2500,7 +2888,11 @@
       </a:schemeClr>
     </dgm:fillClrLst>
     <dgm:linClrLst meth="repeat">
+      <a:schemeClr val="accent2"/>
+      <a:schemeClr val="accent3"/>
+      <a:schemeClr val="accent4"/>
       <a:schemeClr val="accent5"/>
+      <a:schemeClr val="accent6"/>
     </dgm:linClrLst>
     <dgm:effectClrLst/>
     <dgm:txLinClrLst/>
@@ -2516,7 +2908,11 @@
       </a:schemeClr>
     </dgm:fillClrLst>
     <dgm:linClrLst meth="repeat">
+      <a:schemeClr val="accent2"/>
+      <a:schemeClr val="accent3"/>
+      <a:schemeClr val="accent4"/>
       <a:schemeClr val="accent5"/>
+      <a:schemeClr val="accent6"/>
     </dgm:linClrLst>
     <dgm:effectClrLst/>
     <dgm:txLinClrLst/>
@@ -2532,7 +2928,7 @@
       </a:schemeClr>
     </dgm:fillClrLst>
     <dgm:linClrLst meth="repeat">
-      <a:schemeClr val="accent5"/>
+      <a:schemeClr val="accent1"/>
     </dgm:linClrLst>
     <dgm:effectClrLst/>
     <dgm:txLinClrLst/>
@@ -2548,7 +2944,11 @@
       </a:schemeClr>
     </dgm:fillClrLst>
     <dgm:linClrLst meth="repeat">
+      <a:schemeClr val="accent2"/>
+      <a:schemeClr val="accent3"/>
+      <a:schemeClr val="accent4"/>
       <a:schemeClr val="accent5"/>
+      <a:schemeClr val="accent6"/>
     </dgm:linClrLst>
     <dgm:effectClrLst/>
     <dgm:txLinClrLst/>
@@ -2562,7 +2962,11 @@
       <a:schemeClr val="lt1"/>
     </dgm:fillClrLst>
     <dgm:linClrLst meth="repeat">
+      <a:schemeClr val="accent2"/>
+      <a:schemeClr val="accent3"/>
+      <a:schemeClr val="accent4"/>
       <a:schemeClr val="accent5"/>
+      <a:schemeClr val="accent6"/>
     </dgm:linClrLst>
     <dgm:effectClrLst/>
     <dgm:txLinClrLst/>
@@ -2576,7 +2980,11 @@
       <a:schemeClr val="lt1"/>
     </dgm:fillClrLst>
     <dgm:linClrLst meth="repeat">
+      <a:schemeClr val="accent2"/>
+      <a:schemeClr val="accent3"/>
+      <a:schemeClr val="accent4"/>
       <a:schemeClr val="accent5"/>
+      <a:schemeClr val="accent6"/>
     </dgm:linClrLst>
     <dgm:effectClrLst/>
     <dgm:txLinClrLst/>
@@ -2590,7 +2998,11 @@
       <a:schemeClr val="lt1"/>
     </dgm:fillClrLst>
     <dgm:linClrLst meth="repeat">
+      <a:schemeClr val="accent2"/>
+      <a:schemeClr val="accent3"/>
+      <a:schemeClr val="accent4"/>
       <a:schemeClr val="accent5"/>
+      <a:schemeClr val="accent6"/>
     </dgm:linClrLst>
     <dgm:effectClrLst/>
     <dgm:txLinClrLst/>
@@ -2601,15 +3013,47 @@
   </dgm:styleLbl>
   <dgm:styleLbl name="fgAccFollowNode1">
     <dgm:fillClrLst meth="repeat">
+      <a:schemeClr val="accent2">
+        <a:tint val="40000"/>
+        <a:alpha val="90000"/>
+      </a:schemeClr>
+      <a:schemeClr val="accent3">
+        <a:tint val="40000"/>
+        <a:alpha val="90000"/>
+      </a:schemeClr>
+      <a:schemeClr val="accent4">
+        <a:tint val="40000"/>
+        <a:alpha val="90000"/>
+      </a:schemeClr>
       <a:schemeClr val="accent5">
+        <a:tint val="40000"/>
         <a:alpha val="90000"/>
+      </a:schemeClr>
+      <a:schemeClr val="accent6">
         <a:tint val="40000"/>
+        <a:alpha val="90000"/>
       </a:schemeClr>
     </dgm:fillClrLst>
     <dgm:linClrLst meth="repeat">
+      <a:schemeClr val="accent2">
+        <a:tint val="40000"/>
+        <a:alpha val="90000"/>
+      </a:schemeClr>
+      <a:schemeClr val="accent3">
+        <a:tint val="40000"/>
+        <a:alpha val="90000"/>
+      </a:schemeClr>
+      <a:schemeClr val="accent4">
+        <a:tint val="40000"/>
+        <a:alpha val="90000"/>
+      </a:schemeClr>
       <a:schemeClr val="accent5">
+        <a:tint val="40000"/>
         <a:alpha val="90000"/>
+      </a:schemeClr>
+      <a:schemeClr val="accent6">
         <a:tint val="40000"/>
+        <a:alpha val="90000"/>
       </a:schemeClr>
     </dgm:linClrLst>
     <dgm:effectClrLst/>
@@ -2621,15 +3065,47 @@
   </dgm:styleLbl>
   <dgm:styleLbl name="alignAccFollowNode1">
     <dgm:fillClrLst meth="repeat">
+      <a:schemeClr val="accent2">
+        <a:tint val="40000"/>
+        <a:alpha val="90000"/>
+      </a:schemeClr>
+      <a:schemeClr val="accent3">
+        <a:tint val="40000"/>
+        <a:alpha val="90000"/>
+      </a:schemeClr>
+      <a:schemeClr val="accent4">
+        <a:tint val="40000"/>
+        <a:alpha val="90000"/>
+      </a:schemeClr>
       <a:schemeClr val="accent5">
+        <a:tint val="40000"/>
         <a:alpha val="90000"/>
+      </a:schemeClr>
+      <a:schemeClr val="accent6">
         <a:tint val="40000"/>
+        <a:alpha val="90000"/>
       </a:schemeClr>
     </dgm:fillClrLst>
     <dgm:linClrLst meth="repeat">
+      <a:schemeClr val="accent2">
+        <a:tint val="40000"/>
+        <a:alpha val="90000"/>
+      </a:schemeClr>
+      <a:schemeClr val="accent3">
+        <a:tint val="40000"/>
+        <a:alpha val="90000"/>
+      </a:schemeClr>
+      <a:schemeClr val="accent4">
+        <a:tint val="40000"/>
+        <a:alpha val="90000"/>
+      </a:schemeClr>
       <a:schemeClr val="accent5">
+        <a:tint val="40000"/>
         <a:alpha val="90000"/>
+      </a:schemeClr>
+      <a:schemeClr val="accent6">
         <a:tint val="40000"/>
+        <a:alpha val="90000"/>
       </a:schemeClr>
     </dgm:linClrLst>
     <dgm:effectClrLst/>
@@ -2641,15 +3117,47 @@
   </dgm:styleLbl>
   <dgm:styleLbl name="bgAccFollowNode1">
     <dgm:fillClrLst meth="repeat">
+      <a:schemeClr val="accent2">
+        <a:tint val="40000"/>
+        <a:alpha val="90000"/>
+      </a:schemeClr>
+      <a:schemeClr val="accent3">
+        <a:tint val="40000"/>
+        <a:alpha val="90000"/>
+      </a:schemeClr>
+      <a:schemeClr val="accent4">
+        <a:tint val="40000"/>
+        <a:alpha val="90000"/>
+      </a:schemeClr>
       <a:schemeClr val="accent5">
+        <a:tint val="40000"/>
         <a:alpha val="90000"/>
+      </a:schemeClr>
+      <a:schemeClr val="accent6">
         <a:tint val="40000"/>
+        <a:alpha val="90000"/>
       </a:schemeClr>
     </dgm:fillClrLst>
     <dgm:linClrLst meth="repeat">
+      <a:schemeClr val="accent2">
+        <a:tint val="40000"/>
+        <a:alpha val="90000"/>
+      </a:schemeClr>
+      <a:schemeClr val="accent3">
+        <a:tint val="40000"/>
+        <a:alpha val="90000"/>
+      </a:schemeClr>
+      <a:schemeClr val="accent4">
+        <a:tint val="40000"/>
+        <a:alpha val="90000"/>
+      </a:schemeClr>
       <a:schemeClr val="accent5">
+        <a:tint val="40000"/>
         <a:alpha val="90000"/>
+      </a:schemeClr>
+      <a:schemeClr val="accent6">
         <a:tint val="40000"/>
+        <a:alpha val="90000"/>
       </a:schemeClr>
     </dgm:linClrLst>
     <dgm:effectClrLst/>
@@ -2665,8 +3173,8 @@
         <a:alpha val="90000"/>
       </a:schemeClr>
     </dgm:fillClrLst>
-    <dgm:linClrLst meth="repeat">
-      <a:schemeClr val="accent5"/>
+    <dgm:linClrLst>
+      <a:schemeClr val="accent1"/>
     </dgm:linClrLst>
     <dgm:effectClrLst/>
     <dgm:txLinClrLst/>
@@ -2681,8 +3189,8 @@
         <a:alpha val="90000"/>
       </a:schemeClr>
     </dgm:fillClrLst>
-    <dgm:linClrLst meth="repeat">
-      <a:schemeClr val="accent5"/>
+    <dgm:linClrLst>
+      <a:schemeClr val="accent2"/>
     </dgm:linClrLst>
     <dgm:effectClrLst/>
     <dgm:txLinClrLst/>
@@ -2697,8 +3205,8 @@
         <a:alpha val="90000"/>
       </a:schemeClr>
     </dgm:fillClrLst>
-    <dgm:linClrLst meth="repeat">
-      <a:schemeClr val="accent5"/>
+    <dgm:linClrLst>
+      <a:schemeClr val="accent3"/>
     </dgm:linClrLst>
     <dgm:effectClrLst/>
     <dgm:txLinClrLst/>
@@ -2713,8 +3221,8 @@
         <a:alpha val="90000"/>
       </a:schemeClr>
     </dgm:fillClrLst>
-    <dgm:linClrLst meth="repeat">
-      <a:schemeClr val="accent5"/>
+    <dgm:linClrLst>
+      <a:schemeClr val="accent4"/>
     </dgm:linClrLst>
     <dgm:effectClrLst/>
     <dgm:txLinClrLst/>
@@ -2725,12 +3233,12 @@
   </dgm:styleLbl>
   <dgm:styleLbl name="bgShp">
     <dgm:fillClrLst meth="repeat">
-      <a:schemeClr val="accent5">
+      <a:schemeClr val="accent2">
         <a:tint val="40000"/>
       </a:schemeClr>
     </dgm:fillClrLst>
     <dgm:linClrLst meth="repeat">
-      <a:schemeClr val="accent5"/>
+      <a:schemeClr val="dk1"/>
     </dgm:linClrLst>
     <dgm:effectClrLst/>
     <dgm:txLinClrLst/>
@@ -2741,12 +3249,12 @@
   </dgm:styleLbl>
   <dgm:styleLbl name="dkBgShp">
     <dgm:fillClrLst meth="repeat">
-      <a:schemeClr val="accent5">
-        <a:shade val="80000"/>
+      <a:schemeClr val="accent2">
+        <a:shade val="90000"/>
       </a:schemeClr>
     </dgm:fillClrLst>
     <dgm:linClrLst meth="repeat">
-      <a:schemeClr val="accent5"/>
+      <a:schemeClr val="dk1"/>
     </dgm:linClrLst>
     <dgm:effectClrLst/>
     <dgm:txLinClrLst/>
@@ -2757,13 +3265,13 @@
   </dgm:styleLbl>
   <dgm:styleLbl name="trBgShp">
     <dgm:fillClrLst meth="repeat">
-      <a:schemeClr val="accent5">
+      <a:schemeClr val="accent1">
         <a:tint val="50000"/>
         <a:alpha val="40000"/>
       </a:schemeClr>
     </dgm:fillClrLst>
     <dgm:linClrLst meth="repeat">
-      <a:schemeClr val="accent5"/>
+      <a:schemeClr val="accent2"/>
     </dgm:linClrLst>
     <dgm:effectClrLst/>
     <dgm:txLinClrLst/>
@@ -2774,8 +3282,8 @@
   </dgm:styleLbl>
   <dgm:styleLbl name="fgShp">
     <dgm:fillClrLst meth="repeat">
-      <a:schemeClr val="accent5">
-        <a:tint val="60000"/>
+      <a:schemeClr val="accent2">
+        <a:tint val="40000"/>
       </a:schemeClr>
     </dgm:fillClrLst>
     <dgm:linClrLst meth="repeat">
@@ -2813,7 +3321,7 @@
 <dgm:dataModel xmlns:dgm="http://schemas.openxmlformats.org/drawingml/2006/diagram" xmlns:a="http://schemas.openxmlformats.org/drawingml/2006/main">
   <dgm:ptLst>
     <dgm:pt modelId="{3D9E9C1F-0E9F-4B5D-BCCF-6B23BFDF8A45}" type="doc">
-      <dgm:prSet loTypeId="urn:microsoft.com/office/officeart/2016/7/layout/VerticalHollowActionList" loCatId="List" qsTypeId="urn:microsoft.com/office/officeart/2005/8/quickstyle/simple1" qsCatId="simple" csTypeId="urn:microsoft.com/office/officeart/2005/8/colors/accent1_2" csCatId="accent1"/>
+      <dgm:prSet loTypeId="urn:microsoft.com/office/officeart/2016/7/layout/VerticalSolidActionList" loCatId="List" qsTypeId="urn:microsoft.com/office/officeart/2005/8/quickstyle/simple1" qsCatId="simple" csTypeId="urn:microsoft.com/office/officeart/2005/8/colors/accent1_2" csCatId="accent1"/>
       <dgm:spPr/>
       <dgm:t>
         <a:bodyPr/>
@@ -3255,7 +3763,7 @@
         </a:p>
       </dgm:t>
     </dgm:pt>
-    <dgm:pt modelId="{B96F7BBB-2FD2-43D4-B80D-D5E11E8775E5}" type="pres">
+    <dgm:pt modelId="{CFE3EBB7-3CB4-4476-97DB-631612A0A680}" type="pres">
       <dgm:prSet presAssocID="{3D9E9C1F-0E9F-4B5D-BCCF-6B23BFDF8A45}" presName="Name0" presStyleCnt="0">
         <dgm:presLayoutVars>
           <dgm:dir/>
@@ -3265,12 +3773,12 @@
       </dgm:prSet>
       <dgm:spPr/>
     </dgm:pt>
-    <dgm:pt modelId="{A09A987B-5D12-4EBB-B204-6DFE6B2EB30B}" type="pres">
+    <dgm:pt modelId="{2470D039-2E2E-4C61-8D6E-114F9E938436}" type="pres">
       <dgm:prSet presAssocID="{0C7BF0C8-3DB9-4BAA-B790-E40BDADC2B4D}" presName="linNode" presStyleCnt="0"/>
       <dgm:spPr/>
     </dgm:pt>
-    <dgm:pt modelId="{A5E67789-9B65-476F-9494-E664C12DC7DB}" type="pres">
-      <dgm:prSet presAssocID="{0C7BF0C8-3DB9-4BAA-B790-E40BDADC2B4D}" presName="parentText" presStyleLbl="solidFgAcc1" presStyleIdx="0" presStyleCnt="6">
+    <dgm:pt modelId="{455D10B3-F060-4EF0-86C9-8EE11A31D11E}" type="pres">
+      <dgm:prSet presAssocID="{0C7BF0C8-3DB9-4BAA-B790-E40BDADC2B4D}" presName="parentText" presStyleLbl="alignNode1" presStyleIdx="0" presStyleCnt="6">
         <dgm:presLayoutVars>
           <dgm:chMax val="1"/>
           <dgm:bulletEnabled/>
@@ -3278,24 +3786,24 @@
       </dgm:prSet>
       <dgm:spPr/>
     </dgm:pt>
-    <dgm:pt modelId="{347CB2D3-3F9D-4C45-80E7-275DACFCA253}" type="pres">
-      <dgm:prSet presAssocID="{0C7BF0C8-3DB9-4BAA-B790-E40BDADC2B4D}" presName="descendantText" presStyleLbl="alignNode1" presStyleIdx="0" presStyleCnt="6">
+    <dgm:pt modelId="{E56BE632-FACB-4914-94FC-CA9F2D61421C}" type="pres">
+      <dgm:prSet presAssocID="{0C7BF0C8-3DB9-4BAA-B790-E40BDADC2B4D}" presName="descendantText" presStyleLbl="alignAccFollowNode1" presStyleIdx="0" presStyleCnt="6">
         <dgm:presLayoutVars>
           <dgm:bulletEnabled/>
         </dgm:presLayoutVars>
       </dgm:prSet>
       <dgm:spPr/>
     </dgm:pt>
-    <dgm:pt modelId="{035FB171-EFCE-4B22-A614-4B8C6EF817E5}" type="pres">
+    <dgm:pt modelId="{A4688F8C-D0E0-4908-B4A7-8CCB51610FE8}" type="pres">
       <dgm:prSet presAssocID="{E5BC3D15-C40A-41F9-B974-23DC0634C48F}" presName="sp" presStyleCnt="0"/>
       <dgm:spPr/>
     </dgm:pt>
-    <dgm:pt modelId="{6621641A-9298-4C36-807C-772A55762FBF}" type="pres">
+    <dgm:pt modelId="{CC077051-8193-4B93-8C15-0161DDB76AAF}" type="pres">
       <dgm:prSet presAssocID="{EA70BC71-115B-4EE6-9FF7-C66358B4BA72}" presName="linNode" presStyleCnt="0"/>
       <dgm:spPr/>
     </dgm:pt>
-    <dgm:pt modelId="{6626D5EC-654B-4FA5-BB0B-C7D2A4A4F9F1}" type="pres">
-      <dgm:prSet presAssocID="{EA70BC71-115B-4EE6-9FF7-C66358B4BA72}" presName="parentText" presStyleLbl="solidFgAcc1" presStyleIdx="1" presStyleCnt="6">
+    <dgm:pt modelId="{C799B528-5F41-4F78-9B26-347737DDFB36}" type="pres">
+      <dgm:prSet presAssocID="{EA70BC71-115B-4EE6-9FF7-C66358B4BA72}" presName="parentText" presStyleLbl="alignNode1" presStyleIdx="1" presStyleCnt="6">
         <dgm:presLayoutVars>
           <dgm:chMax val="1"/>
           <dgm:bulletEnabled/>
@@ -3303,24 +3811,24 @@
       </dgm:prSet>
       <dgm:spPr/>
     </dgm:pt>
-    <dgm:pt modelId="{DFD9BE91-42E0-4728-B6D4-5B20E410AA0A}" type="pres">
-      <dgm:prSet presAssocID="{EA70BC71-115B-4EE6-9FF7-C66358B4BA72}" presName="descendantText" presStyleLbl="alignNode1" presStyleIdx="1" presStyleCnt="6">
+    <dgm:pt modelId="{C6F2EDCB-FDB6-4C2C-BD5C-6D0DF309F609}" type="pres">
+      <dgm:prSet presAssocID="{EA70BC71-115B-4EE6-9FF7-C66358B4BA72}" presName="descendantText" presStyleLbl="alignAccFollowNode1" presStyleIdx="1" presStyleCnt="6">
         <dgm:presLayoutVars>
           <dgm:bulletEnabled/>
         </dgm:presLayoutVars>
       </dgm:prSet>
       <dgm:spPr/>
     </dgm:pt>
-    <dgm:pt modelId="{8F2D6B67-A6B4-4D1E-8393-D46FCC487CC2}" type="pres">
+    <dgm:pt modelId="{8951E578-0B62-4F80-B841-B4DB8AF7FFC8}" type="pres">
       <dgm:prSet presAssocID="{03C41AED-6416-4FDD-9930-F649A2C9AAE6}" presName="sp" presStyleCnt="0"/>
       <dgm:spPr/>
     </dgm:pt>
-    <dgm:pt modelId="{438A868D-21AD-433D-94B4-1A24E83C32C5}" type="pres">
+    <dgm:pt modelId="{D78299A2-DB14-42BE-ABF0-B161DB2630AF}" type="pres">
       <dgm:prSet presAssocID="{54A6A917-4D7D-43D6-90B3-9CBBC3334B2D}" presName="linNode" presStyleCnt="0"/>
       <dgm:spPr/>
     </dgm:pt>
-    <dgm:pt modelId="{A04DF8BE-5A9F-4783-BF64-BC87E2E77501}" type="pres">
-      <dgm:prSet presAssocID="{54A6A917-4D7D-43D6-90B3-9CBBC3334B2D}" presName="parentText" presStyleLbl="solidFgAcc1" presStyleIdx="2" presStyleCnt="6">
+    <dgm:pt modelId="{8EAD2BDF-5C8F-4DEC-983F-F81BECEAA51C}" type="pres">
+      <dgm:prSet presAssocID="{54A6A917-4D7D-43D6-90B3-9CBBC3334B2D}" presName="parentText" presStyleLbl="alignNode1" presStyleIdx="2" presStyleCnt="6">
         <dgm:presLayoutVars>
           <dgm:chMax val="1"/>
           <dgm:bulletEnabled/>
@@ -3328,24 +3836,24 @@
       </dgm:prSet>
       <dgm:spPr/>
     </dgm:pt>
-    <dgm:pt modelId="{550588AA-9056-4432-876F-80DE24C2016F}" type="pres">
-      <dgm:prSet presAssocID="{54A6A917-4D7D-43D6-90B3-9CBBC3334B2D}" presName="descendantText" presStyleLbl="alignNode1" presStyleIdx="2" presStyleCnt="6">
+    <dgm:pt modelId="{F72E9FF0-914C-4FF4-BCCB-CD50F1681F25}" type="pres">
+      <dgm:prSet presAssocID="{54A6A917-4D7D-43D6-90B3-9CBBC3334B2D}" presName="descendantText" presStyleLbl="alignAccFollowNode1" presStyleIdx="2" presStyleCnt="6">
         <dgm:presLayoutVars>
           <dgm:bulletEnabled/>
         </dgm:presLayoutVars>
       </dgm:prSet>
       <dgm:spPr/>
     </dgm:pt>
-    <dgm:pt modelId="{ACDE6683-59AF-4303-BBD0-12A395C1BB39}" type="pres">
+    <dgm:pt modelId="{94874708-DB44-4018-A00F-B3687F1D2832}" type="pres">
       <dgm:prSet presAssocID="{8212C6D8-2FBC-463B-93DF-87F0E5E80CD4}" presName="sp" presStyleCnt="0"/>
       <dgm:spPr/>
     </dgm:pt>
-    <dgm:pt modelId="{107E4DAA-6474-4A36-91CD-BCCB7E1CE3E9}" type="pres">
+    <dgm:pt modelId="{BFDDBACF-1CE4-4D22-81BD-D09288318A78}" type="pres">
       <dgm:prSet presAssocID="{6F78C51D-6CFA-411B-A49E-6238968726E1}" presName="linNode" presStyleCnt="0"/>
       <dgm:spPr/>
     </dgm:pt>
-    <dgm:pt modelId="{70D05D24-F8D5-46B9-A8AD-FE2DEF32790B}" type="pres">
-      <dgm:prSet presAssocID="{6F78C51D-6CFA-411B-A49E-6238968726E1}" presName="parentText" presStyleLbl="solidFgAcc1" presStyleIdx="3" presStyleCnt="6">
+    <dgm:pt modelId="{B381387C-22C0-489D-99F0-7BDFCCE1FAEF}" type="pres">
+      <dgm:prSet presAssocID="{6F78C51D-6CFA-411B-A49E-6238968726E1}" presName="parentText" presStyleLbl="alignNode1" presStyleIdx="3" presStyleCnt="6">
         <dgm:presLayoutVars>
           <dgm:chMax val="1"/>
           <dgm:bulletEnabled/>
@@ -3353,24 +3861,24 @@
       </dgm:prSet>
       <dgm:spPr/>
     </dgm:pt>
-    <dgm:pt modelId="{F166F8F8-AD4B-454E-A4F9-D6FC873E56C5}" type="pres">
-      <dgm:prSet presAssocID="{6F78C51D-6CFA-411B-A49E-6238968726E1}" presName="descendantText" presStyleLbl="alignNode1" presStyleIdx="3" presStyleCnt="6">
+    <dgm:pt modelId="{6F39092E-A901-40D8-932C-9AF8CD05A70E}" type="pres">
+      <dgm:prSet presAssocID="{6F78C51D-6CFA-411B-A49E-6238968726E1}" presName="descendantText" presStyleLbl="alignAccFollowNode1" presStyleIdx="3" presStyleCnt="6">
         <dgm:presLayoutVars>
           <dgm:bulletEnabled/>
         </dgm:presLayoutVars>
       </dgm:prSet>
       <dgm:spPr/>
     </dgm:pt>
-    <dgm:pt modelId="{C196126A-E025-49C3-9301-341218FD033C}" type="pres">
+    <dgm:pt modelId="{1D4972AF-379A-47E9-9006-1E45BD25F699}" type="pres">
       <dgm:prSet presAssocID="{A80C2D96-993F-4ED6-B71A-5F0BCCE197F9}" presName="sp" presStyleCnt="0"/>
       <dgm:spPr/>
     </dgm:pt>
-    <dgm:pt modelId="{BF9DA5AB-9433-4CEE-A556-4F288D523970}" type="pres">
+    <dgm:pt modelId="{BD1B6CB6-A011-4373-A034-5A653581F651}" type="pres">
       <dgm:prSet presAssocID="{D3FDDF06-6434-4D8B-BA42-DDC5210FED58}" presName="linNode" presStyleCnt="0"/>
       <dgm:spPr/>
     </dgm:pt>
-    <dgm:pt modelId="{F4D4707E-A18E-4870-B0B2-B24C5D3A4651}" type="pres">
-      <dgm:prSet presAssocID="{D3FDDF06-6434-4D8B-BA42-DDC5210FED58}" presName="parentText" presStyleLbl="solidFgAcc1" presStyleIdx="4" presStyleCnt="6">
+    <dgm:pt modelId="{60B4AB67-D21D-49CE-B0C2-4672237A6E88}" type="pres">
+      <dgm:prSet presAssocID="{D3FDDF06-6434-4D8B-BA42-DDC5210FED58}" presName="parentText" presStyleLbl="alignNode1" presStyleIdx="4" presStyleCnt="6">
         <dgm:presLayoutVars>
           <dgm:chMax val="1"/>
           <dgm:bulletEnabled/>
@@ -3378,24 +3886,24 @@
       </dgm:prSet>
       <dgm:spPr/>
     </dgm:pt>
-    <dgm:pt modelId="{F3F3C8AE-FAA7-41E3-A552-3C302682CD0E}" type="pres">
-      <dgm:prSet presAssocID="{D3FDDF06-6434-4D8B-BA42-DDC5210FED58}" presName="descendantText" presStyleLbl="alignNode1" presStyleIdx="4" presStyleCnt="6">
+    <dgm:pt modelId="{E578C607-76E1-4976-8A5C-B2AE7461E47D}" type="pres">
+      <dgm:prSet presAssocID="{D3FDDF06-6434-4D8B-BA42-DDC5210FED58}" presName="descendantText" presStyleLbl="alignAccFollowNode1" presStyleIdx="4" presStyleCnt="6">
         <dgm:presLayoutVars>
           <dgm:bulletEnabled/>
         </dgm:presLayoutVars>
       </dgm:prSet>
       <dgm:spPr/>
     </dgm:pt>
-    <dgm:pt modelId="{FE05FDAF-8902-4B58-8F42-61D7FCE09091}" type="pres">
+    <dgm:pt modelId="{2688A994-0D40-458C-85A1-F3DDB672B8E2}" type="pres">
       <dgm:prSet presAssocID="{0BA62DCA-FB31-45A3-8371-86A10424F5BA}" presName="sp" presStyleCnt="0"/>
       <dgm:spPr/>
     </dgm:pt>
-    <dgm:pt modelId="{8668CD9E-FD2D-4DF4-804B-0D545E776BB9}" type="pres">
+    <dgm:pt modelId="{6E2D0131-3354-4D67-A56B-3953E9B07F23}" type="pres">
       <dgm:prSet presAssocID="{A210AEB2-FE9D-4EB6-A8F0-85DC8FF6362F}" presName="linNode" presStyleCnt="0"/>
       <dgm:spPr/>
     </dgm:pt>
-    <dgm:pt modelId="{B34AD71F-4A91-428D-9A20-AF4F9F062372}" type="pres">
-      <dgm:prSet presAssocID="{A210AEB2-FE9D-4EB6-A8F0-85DC8FF6362F}" presName="parentText" presStyleLbl="solidFgAcc1" presStyleIdx="5" presStyleCnt="6">
+    <dgm:pt modelId="{407D839B-B6D0-4151-B502-E1F31EF1101C}" type="pres">
+      <dgm:prSet presAssocID="{A210AEB2-FE9D-4EB6-A8F0-85DC8FF6362F}" presName="parentText" presStyleLbl="alignNode1" presStyleIdx="5" presStyleCnt="6">
         <dgm:presLayoutVars>
           <dgm:chMax val="1"/>
           <dgm:bulletEnabled/>
@@ -3403,8 +3911,8 @@
       </dgm:prSet>
       <dgm:spPr/>
     </dgm:pt>
-    <dgm:pt modelId="{45BBAAEA-658F-4308-BE86-E844E94F061C}" type="pres">
-      <dgm:prSet presAssocID="{A210AEB2-FE9D-4EB6-A8F0-85DC8FF6362F}" presName="descendantText" presStyleLbl="alignNode1" presStyleIdx="5" presStyleCnt="6">
+    <dgm:pt modelId="{195E18B3-0EC2-4A1A-96F6-31001DFCFA3F}" type="pres">
+      <dgm:prSet presAssocID="{A210AEB2-FE9D-4EB6-A8F0-85DC8FF6362F}" presName="descendantText" presStyleLbl="alignAccFollowNode1" presStyleIdx="5" presStyleCnt="6">
         <dgm:presLayoutVars>
           <dgm:bulletEnabled/>
         </dgm:presLayoutVars>
@@ -3413,54 +3921,54 @@
     </dgm:pt>
   </dgm:ptLst>
   <dgm:cxnLst>
+    <dgm:cxn modelId="{95193000-5370-4749-A42E-A01BEBE7BD0E}" type="presOf" srcId="{6F78C51D-6CFA-411B-A49E-6238968726E1}" destId="{B381387C-22C0-489D-99F0-7BDFCCE1FAEF}" srcOrd="0" destOrd="0" presId="urn:microsoft.com/office/officeart/2016/7/layout/VerticalSolidActionList"/>
     <dgm:cxn modelId="{1C463B00-A44D-4D1D-A5FB-C3239C30FE89}" srcId="{54A6A917-4D7D-43D6-90B3-9CBBC3334B2D}" destId="{F02500CA-C234-46DC-9EE8-40E1CCABD2E2}" srcOrd="0" destOrd="0" parTransId="{02FC2957-5C84-4AED-BD45-C185C6C33C0A}" sibTransId="{4CE7071C-F699-4048-A9AA-114145AA38CB}"/>
+    <dgm:cxn modelId="{12AD3B02-4817-479B-A721-1EB35BC138EB}" type="presOf" srcId="{14CB1B86-04D6-4B38-87BC-4D4A6773CE6C}" destId="{C6F2EDCB-FDB6-4C2C-BD5C-6D0DF309F609}" srcOrd="0" destOrd="0" presId="urn:microsoft.com/office/officeart/2016/7/layout/VerticalSolidActionList"/>
     <dgm:cxn modelId="{9B8A2207-022D-494F-A400-5DAB2624B49A}" srcId="{3D9E9C1F-0E9F-4B5D-BCCF-6B23BFDF8A45}" destId="{54A6A917-4D7D-43D6-90B3-9CBBC3334B2D}" srcOrd="2" destOrd="0" parTransId="{300C26F2-B70E-4E93-AFCE-157ECA2075B6}" sibTransId="{8212C6D8-2FBC-463B-93DF-87F0E5E80CD4}"/>
-    <dgm:cxn modelId="{D7AB581B-B46A-4AE4-AD23-A722C2201ABB}" type="presOf" srcId="{3BD87385-EC91-4DAB-9C4B-3EB47E35CAD9}" destId="{F166F8F8-AD4B-454E-A4F9-D6FC873E56C5}" srcOrd="0" destOrd="0" presId="urn:microsoft.com/office/officeart/2016/7/layout/VerticalHollowActionList"/>
-    <dgm:cxn modelId="{8233311C-CA3C-4D5B-8891-4D25E128E4D7}" type="presOf" srcId="{3D9E9C1F-0E9F-4B5D-BCCF-6B23BFDF8A45}" destId="{B96F7BBB-2FD2-43D4-B80D-D5E11E8775E5}" srcOrd="0" destOrd="0" presId="urn:microsoft.com/office/officeart/2016/7/layout/VerticalHollowActionList"/>
-    <dgm:cxn modelId="{560FDE42-6BFC-4DE2-8698-8EC5450E4CC7}" type="presOf" srcId="{A210AEB2-FE9D-4EB6-A8F0-85DC8FF6362F}" destId="{B34AD71F-4A91-428D-9A20-AF4F9F062372}" srcOrd="0" destOrd="0" presId="urn:microsoft.com/office/officeart/2016/7/layout/VerticalHollowActionList"/>
-    <dgm:cxn modelId="{38E3BB44-F362-406D-AFDC-9E28A9A43316}" type="presOf" srcId="{BF16EE29-E0D2-4AF3-ACD7-7CB3160EDE54}" destId="{347CB2D3-3F9D-4C45-80E7-275DACFCA253}" srcOrd="0" destOrd="0" presId="urn:microsoft.com/office/officeart/2016/7/layout/VerticalHollowActionList"/>
-    <dgm:cxn modelId="{F872A266-4B45-4456-B191-92F40030A289}" type="presOf" srcId="{D3FDDF06-6434-4D8B-BA42-DDC5210FED58}" destId="{F4D4707E-A18E-4870-B0B2-B24C5D3A4651}" srcOrd="0" destOrd="0" presId="urn:microsoft.com/office/officeart/2016/7/layout/VerticalHollowActionList"/>
-    <dgm:cxn modelId="{2708066A-5E18-4E06-8BDA-E586FC4D2AE1}" type="presOf" srcId="{14CB1B86-04D6-4B38-87BC-4D4A6773CE6C}" destId="{DFD9BE91-42E0-4728-B6D4-5B20E410AA0A}" srcOrd="0" destOrd="0" presId="urn:microsoft.com/office/officeart/2016/7/layout/VerticalHollowActionList"/>
-    <dgm:cxn modelId="{ABD7314D-D517-486F-BE39-26F108613B90}" type="presOf" srcId="{54A6A917-4D7D-43D6-90B3-9CBBC3334B2D}" destId="{A04DF8BE-5A9F-4783-BF64-BC87E2E77501}" srcOrd="0" destOrd="0" presId="urn:microsoft.com/office/officeart/2016/7/layout/VerticalHollowActionList"/>
+    <dgm:cxn modelId="{BC8FBD25-40E9-4AAA-9950-D07ED48DE9C4}" type="presOf" srcId="{54A6A917-4D7D-43D6-90B3-9CBBC3334B2D}" destId="{8EAD2BDF-5C8F-4DEC-983F-F81BECEAA51C}" srcOrd="0" destOrd="0" presId="urn:microsoft.com/office/officeart/2016/7/layout/VerticalSolidActionList"/>
+    <dgm:cxn modelId="{8639A144-0A30-45F4-9C8F-584BCE4CDD82}" type="presOf" srcId="{BF16EE29-E0D2-4AF3-ACD7-7CB3160EDE54}" destId="{E56BE632-FACB-4914-94FC-CA9F2D61421C}" srcOrd="0" destOrd="0" presId="urn:microsoft.com/office/officeart/2016/7/layout/VerticalSolidActionList"/>
+    <dgm:cxn modelId="{97B3104C-A300-444E-94DA-3326235E30C5}" type="presOf" srcId="{55BE1E1A-AC8B-43A7-832A-9EC7CC98546D}" destId="{195E18B3-0EC2-4A1A-96F6-31001DFCFA3F}" srcOrd="0" destOrd="0" presId="urn:microsoft.com/office/officeart/2016/7/layout/VerticalSolidActionList"/>
     <dgm:cxn modelId="{9B1B8D4F-AB32-4293-85B7-A142D07CA6C6}" srcId="{3D9E9C1F-0E9F-4B5D-BCCF-6B23BFDF8A45}" destId="{A210AEB2-FE9D-4EB6-A8F0-85DC8FF6362F}" srcOrd="5" destOrd="0" parTransId="{36922D7A-8653-4A2A-9155-53B1FCBD2590}" sibTransId="{A01F51EE-54DF-455A-B101-CA76647D9374}"/>
+    <dgm:cxn modelId="{CDBBED74-7FA8-4709-8176-EAD9914162CF}" type="presOf" srcId="{D3FDDF06-6434-4D8B-BA42-DDC5210FED58}" destId="{60B4AB67-D21D-49CE-B0C2-4672237A6E88}" srcOrd="0" destOrd="0" presId="urn:microsoft.com/office/officeart/2016/7/layout/VerticalSolidActionList"/>
     <dgm:cxn modelId="{A8BD2358-A7E0-43FE-B932-664CD078D0FD}" srcId="{6F78C51D-6CFA-411B-A49E-6238968726E1}" destId="{3BD87385-EC91-4DAB-9C4B-3EB47E35CAD9}" srcOrd="0" destOrd="0" parTransId="{811EBB63-5E5C-49AA-9BCE-6F94B3425272}" sibTransId="{3E33355B-AFCD-45C7-86AD-5649AB3F5589}"/>
-    <dgm:cxn modelId="{7732457D-92D4-4E5E-BD31-530FD8DA3058}" type="presOf" srcId="{F02500CA-C234-46DC-9EE8-40E1CCABD2E2}" destId="{550588AA-9056-4432-876F-80DE24C2016F}" srcOrd="0" destOrd="0" presId="urn:microsoft.com/office/officeart/2016/7/layout/VerticalHollowActionList"/>
+    <dgm:cxn modelId="{5999BA7E-DFD7-44E0-B7A5-B7B67A190547}" type="presOf" srcId="{0C7BF0C8-3DB9-4BAA-B790-E40BDADC2B4D}" destId="{455D10B3-F060-4EF0-86C9-8EE11A31D11E}" srcOrd="0" destOrd="0" presId="urn:microsoft.com/office/officeart/2016/7/layout/VerticalSolidActionList"/>
+    <dgm:cxn modelId="{ED16229D-81BA-4088-8B0F-E585F1116CFD}" type="presOf" srcId="{F02500CA-C234-46DC-9EE8-40E1CCABD2E2}" destId="{F72E9FF0-914C-4FF4-BCCB-CD50F1681F25}" srcOrd="0" destOrd="0" presId="urn:microsoft.com/office/officeart/2016/7/layout/VerticalSolidActionList"/>
     <dgm:cxn modelId="{64B0789D-18D9-4D82-97E6-A872E5B5799A}" srcId="{3D9E9C1F-0E9F-4B5D-BCCF-6B23BFDF8A45}" destId="{EA70BC71-115B-4EE6-9FF7-C66358B4BA72}" srcOrd="1" destOrd="0" parTransId="{23ABAC3B-5DBB-47CD-9938-92A98CBB266D}" sibTransId="{03C41AED-6416-4FDD-9930-F649A2C9AAE6}"/>
     <dgm:cxn modelId="{21AC07A0-A46D-46B4-A636-9A0B5DA63CE9}" srcId="{3D9E9C1F-0E9F-4B5D-BCCF-6B23BFDF8A45}" destId="{0C7BF0C8-3DB9-4BAA-B790-E40BDADC2B4D}" srcOrd="0" destOrd="0" parTransId="{CD2E9A81-A867-4D88-B28C-E764061F9C7E}" sibTransId="{E5BC3D15-C40A-41F9-B974-23DC0634C48F}"/>
-    <dgm:cxn modelId="{5B07D2A7-9A49-46BA-B555-54C5C01E7E33}" type="presOf" srcId="{55BE1E1A-AC8B-43A7-832A-9EC7CC98546D}" destId="{45BBAAEA-658F-4308-BE86-E844E94F061C}" srcOrd="0" destOrd="0" presId="urn:microsoft.com/office/officeart/2016/7/layout/VerticalHollowActionList"/>
-    <dgm:cxn modelId="{1CB35FA8-9550-4FC3-B3FE-5F4999183263}" type="presOf" srcId="{FC94D787-7854-461B-A55C-145C36280DE6}" destId="{F3F3C8AE-FAA7-41E3-A552-3C302682CD0E}" srcOrd="0" destOrd="0" presId="urn:microsoft.com/office/officeart/2016/7/layout/VerticalHollowActionList"/>
     <dgm:cxn modelId="{2F9DBCAD-E2C1-4BFB-A8B7-BD6DFF0DAB59}" srcId="{EA70BC71-115B-4EE6-9FF7-C66358B4BA72}" destId="{14CB1B86-04D6-4B38-87BC-4D4A6773CE6C}" srcOrd="0" destOrd="0" parTransId="{ACF5F9B9-20A3-414F-B4DB-81C3BA8CEFDF}" sibTransId="{6B2BD1E5-AC13-41F4-99B8-FC64B18DE8E6}"/>
     <dgm:cxn modelId="{C26DC6AF-6459-4AFA-9F71-911F05C7AABE}" srcId="{3D9E9C1F-0E9F-4B5D-BCCF-6B23BFDF8A45}" destId="{6F78C51D-6CFA-411B-A49E-6238968726E1}" srcOrd="3" destOrd="0" parTransId="{62F5AFC8-6618-4CF9-804C-D80E01E2AE40}" sibTransId="{A80C2D96-993F-4ED6-B71A-5F0BCCE197F9}"/>
-    <dgm:cxn modelId="{D228DCC3-5420-461E-BC27-B08FD0E33F09}" type="presOf" srcId="{6F78C51D-6CFA-411B-A49E-6238968726E1}" destId="{70D05D24-F8D5-46B9-A8AD-FE2DEF32790B}" srcOrd="0" destOrd="0" presId="urn:microsoft.com/office/officeart/2016/7/layout/VerticalHollowActionList"/>
+    <dgm:cxn modelId="{910C3BB7-77E2-43EA-AED0-BDDC23C8CAE6}" type="presOf" srcId="{3BD87385-EC91-4DAB-9C4B-3EB47E35CAD9}" destId="{6F39092E-A901-40D8-932C-9AF8CD05A70E}" srcOrd="0" destOrd="0" presId="urn:microsoft.com/office/officeart/2016/7/layout/VerticalSolidActionList"/>
+    <dgm:cxn modelId="{1A1BDCB8-DB89-42AA-8415-C0656C8709BA}" type="presOf" srcId="{FC94D787-7854-461B-A55C-145C36280DE6}" destId="{E578C607-76E1-4976-8A5C-B2AE7461E47D}" srcOrd="0" destOrd="0" presId="urn:microsoft.com/office/officeart/2016/7/layout/VerticalSolidActionList"/>
     <dgm:cxn modelId="{909D49C6-A47D-4A7C-A9DA-ACAFE0100172}" srcId="{3D9E9C1F-0E9F-4B5D-BCCF-6B23BFDF8A45}" destId="{D3FDDF06-6434-4D8B-BA42-DDC5210FED58}" srcOrd="4" destOrd="0" parTransId="{6F6E6BA4-864A-4A1A-91EA-6B764A2C1D2A}" sibTransId="{0BA62DCA-FB31-45A3-8371-86A10424F5BA}"/>
-    <dgm:cxn modelId="{87FE4ECA-76AD-48A9-9B51-79CBDC39F749}" type="presOf" srcId="{EA70BC71-115B-4EE6-9FF7-C66358B4BA72}" destId="{6626D5EC-654B-4FA5-BB0B-C7D2A4A4F9F1}" srcOrd="0" destOrd="0" presId="urn:microsoft.com/office/officeart/2016/7/layout/VerticalHollowActionList"/>
-    <dgm:cxn modelId="{A3DB36D0-357F-40B8-A78B-4C93F68B8C34}" type="presOf" srcId="{0C7BF0C8-3DB9-4BAA-B790-E40BDADC2B4D}" destId="{A5E67789-9B65-476F-9494-E664C12DC7DB}" srcOrd="0" destOrd="0" presId="urn:microsoft.com/office/officeart/2016/7/layout/VerticalHollowActionList"/>
+    <dgm:cxn modelId="{9D26FBD0-B192-4722-9B78-DE8F02C12E64}" type="presOf" srcId="{3D9E9C1F-0E9F-4B5D-BCCF-6B23BFDF8A45}" destId="{CFE3EBB7-3CB4-4476-97DB-631612A0A680}" srcOrd="0" destOrd="0" presId="urn:microsoft.com/office/officeart/2016/7/layout/VerticalSolidActionList"/>
     <dgm:cxn modelId="{5814C5DB-CE06-42C7-9CFB-BDB89E6A7682}" srcId="{D3FDDF06-6434-4D8B-BA42-DDC5210FED58}" destId="{FC94D787-7854-461B-A55C-145C36280DE6}" srcOrd="0" destOrd="0" parTransId="{03FA44F3-BE8B-4C8B-A613-BA93383B4AAC}" sibTransId="{396F9068-347E-4CA8-A32B-2F8041CBA2A6}"/>
+    <dgm:cxn modelId="{A20174E2-B607-4132-AAFE-B46DED8651ED}" type="presOf" srcId="{EA70BC71-115B-4EE6-9FF7-C66358B4BA72}" destId="{C799B528-5F41-4F78-9B26-347737DDFB36}" srcOrd="0" destOrd="0" presId="urn:microsoft.com/office/officeart/2016/7/layout/VerticalSolidActionList"/>
     <dgm:cxn modelId="{87370EE8-45FA-4F28-A564-F2B2CBFC25A2}" srcId="{A210AEB2-FE9D-4EB6-A8F0-85DC8FF6362F}" destId="{55BE1E1A-AC8B-43A7-832A-9EC7CC98546D}" srcOrd="0" destOrd="0" parTransId="{C1382F35-F1D8-499F-B1DE-150148B938B3}" sibTransId="{20E0F477-2B11-421E-9BC5-1C5019632C34}"/>
+    <dgm:cxn modelId="{1BE086EC-A8DB-4656-AF63-FE52C067BCD8}" type="presOf" srcId="{A210AEB2-FE9D-4EB6-A8F0-85DC8FF6362F}" destId="{407D839B-B6D0-4151-B502-E1F31EF1101C}" srcOrd="0" destOrd="0" presId="urn:microsoft.com/office/officeart/2016/7/layout/VerticalSolidActionList"/>
     <dgm:cxn modelId="{1AA6D5F5-930D-4135-9F39-64FE67CD8595}" srcId="{0C7BF0C8-3DB9-4BAA-B790-E40BDADC2B4D}" destId="{BF16EE29-E0D2-4AF3-ACD7-7CB3160EDE54}" srcOrd="0" destOrd="0" parTransId="{B289720F-4078-4F49-9AB6-90E1CAC08F7E}" sibTransId="{91BA4598-2397-40C9-B01F-334E44B8C256}"/>
-    <dgm:cxn modelId="{3033716F-ACF4-44EF-8D42-CA9FE2F13F82}" type="presParOf" srcId="{B96F7BBB-2FD2-43D4-B80D-D5E11E8775E5}" destId="{A09A987B-5D12-4EBB-B204-6DFE6B2EB30B}" srcOrd="0" destOrd="0" presId="urn:microsoft.com/office/officeart/2016/7/layout/VerticalHollowActionList"/>
-    <dgm:cxn modelId="{52152CCE-5475-4CE3-80BC-3C56614E4A8D}" type="presParOf" srcId="{A09A987B-5D12-4EBB-B204-6DFE6B2EB30B}" destId="{A5E67789-9B65-476F-9494-E664C12DC7DB}" srcOrd="0" destOrd="0" presId="urn:microsoft.com/office/officeart/2016/7/layout/VerticalHollowActionList"/>
-    <dgm:cxn modelId="{EC7D6C92-9542-4AC8-A00E-751492722ECA}" type="presParOf" srcId="{A09A987B-5D12-4EBB-B204-6DFE6B2EB30B}" destId="{347CB2D3-3F9D-4C45-80E7-275DACFCA253}" srcOrd="1" destOrd="0" presId="urn:microsoft.com/office/officeart/2016/7/layout/VerticalHollowActionList"/>
-    <dgm:cxn modelId="{3063E509-F303-4726-B4D4-26BFD3DE4AF5}" type="presParOf" srcId="{B96F7BBB-2FD2-43D4-B80D-D5E11E8775E5}" destId="{035FB171-EFCE-4B22-A614-4B8C6EF817E5}" srcOrd="1" destOrd="0" presId="urn:microsoft.com/office/officeart/2016/7/layout/VerticalHollowActionList"/>
-    <dgm:cxn modelId="{77526B4E-7498-44F2-8765-FAE25F872FF7}" type="presParOf" srcId="{B96F7BBB-2FD2-43D4-B80D-D5E11E8775E5}" destId="{6621641A-9298-4C36-807C-772A55762FBF}" srcOrd="2" destOrd="0" presId="urn:microsoft.com/office/officeart/2016/7/layout/VerticalHollowActionList"/>
-    <dgm:cxn modelId="{FA5F77EC-FA0F-47E8-BB7E-353C9223C9DC}" type="presParOf" srcId="{6621641A-9298-4C36-807C-772A55762FBF}" destId="{6626D5EC-654B-4FA5-BB0B-C7D2A4A4F9F1}" srcOrd="0" destOrd="0" presId="urn:microsoft.com/office/officeart/2016/7/layout/VerticalHollowActionList"/>
-    <dgm:cxn modelId="{F4064E9A-E964-4F25-A2B4-232C1FEE7713}" type="presParOf" srcId="{6621641A-9298-4C36-807C-772A55762FBF}" destId="{DFD9BE91-42E0-4728-B6D4-5B20E410AA0A}" srcOrd="1" destOrd="0" presId="urn:microsoft.com/office/officeart/2016/7/layout/VerticalHollowActionList"/>
-    <dgm:cxn modelId="{B1D77985-D036-4E26-8B9B-F1DCE63B03BC}" type="presParOf" srcId="{B96F7BBB-2FD2-43D4-B80D-D5E11E8775E5}" destId="{8F2D6B67-A6B4-4D1E-8393-D46FCC487CC2}" srcOrd="3" destOrd="0" presId="urn:microsoft.com/office/officeart/2016/7/layout/VerticalHollowActionList"/>
-    <dgm:cxn modelId="{68E4C127-3E18-4B6D-8A9B-6B0AE560EACC}" type="presParOf" srcId="{B96F7BBB-2FD2-43D4-B80D-D5E11E8775E5}" destId="{438A868D-21AD-433D-94B4-1A24E83C32C5}" srcOrd="4" destOrd="0" presId="urn:microsoft.com/office/officeart/2016/7/layout/VerticalHollowActionList"/>
-    <dgm:cxn modelId="{F957D941-AC9E-4B50-BAEE-5A23505D008B}" type="presParOf" srcId="{438A868D-21AD-433D-94B4-1A24E83C32C5}" destId="{A04DF8BE-5A9F-4783-BF64-BC87E2E77501}" srcOrd="0" destOrd="0" presId="urn:microsoft.com/office/officeart/2016/7/layout/VerticalHollowActionList"/>
-    <dgm:cxn modelId="{FD51C855-AB3E-437D-AAA2-0614EEF22173}" type="presParOf" srcId="{438A868D-21AD-433D-94B4-1A24E83C32C5}" destId="{550588AA-9056-4432-876F-80DE24C2016F}" srcOrd="1" destOrd="0" presId="urn:microsoft.com/office/officeart/2016/7/layout/VerticalHollowActionList"/>
-    <dgm:cxn modelId="{EBA20AAE-A0C1-4FC2-8FF9-BC215EFEC2EF}" type="presParOf" srcId="{B96F7BBB-2FD2-43D4-B80D-D5E11E8775E5}" destId="{ACDE6683-59AF-4303-BBD0-12A395C1BB39}" srcOrd="5" destOrd="0" presId="urn:microsoft.com/office/officeart/2016/7/layout/VerticalHollowActionList"/>
-    <dgm:cxn modelId="{1B602ABF-15E7-4E23-958D-88A7CBAB63E5}" type="presParOf" srcId="{B96F7BBB-2FD2-43D4-B80D-D5E11E8775E5}" destId="{107E4DAA-6474-4A36-91CD-BCCB7E1CE3E9}" srcOrd="6" destOrd="0" presId="urn:microsoft.com/office/officeart/2016/7/layout/VerticalHollowActionList"/>
-    <dgm:cxn modelId="{9FFE2E19-1AF2-4E28-9914-7AC8D43EF2B3}" type="presParOf" srcId="{107E4DAA-6474-4A36-91CD-BCCB7E1CE3E9}" destId="{70D05D24-F8D5-46B9-A8AD-FE2DEF32790B}" srcOrd="0" destOrd="0" presId="urn:microsoft.com/office/officeart/2016/7/layout/VerticalHollowActionList"/>
-    <dgm:cxn modelId="{C07231FB-8CB3-4BCC-992B-B4A1C9E87DFA}" type="presParOf" srcId="{107E4DAA-6474-4A36-91CD-BCCB7E1CE3E9}" destId="{F166F8F8-AD4B-454E-A4F9-D6FC873E56C5}" srcOrd="1" destOrd="0" presId="urn:microsoft.com/office/officeart/2016/7/layout/VerticalHollowActionList"/>
-    <dgm:cxn modelId="{89453956-C892-4F32-B2FC-311AF722E677}" type="presParOf" srcId="{B96F7BBB-2FD2-43D4-B80D-D5E11E8775E5}" destId="{C196126A-E025-49C3-9301-341218FD033C}" srcOrd="7" destOrd="0" presId="urn:microsoft.com/office/officeart/2016/7/layout/VerticalHollowActionList"/>
-    <dgm:cxn modelId="{4202A203-5752-4BDC-B284-31378232BFEB}" type="presParOf" srcId="{B96F7BBB-2FD2-43D4-B80D-D5E11E8775E5}" destId="{BF9DA5AB-9433-4CEE-A556-4F288D523970}" srcOrd="8" destOrd="0" presId="urn:microsoft.com/office/officeart/2016/7/layout/VerticalHollowActionList"/>
-    <dgm:cxn modelId="{7FE161CD-1260-4450-96F6-2AD1687CF942}" type="presParOf" srcId="{BF9DA5AB-9433-4CEE-A556-4F288D523970}" destId="{F4D4707E-A18E-4870-B0B2-B24C5D3A4651}" srcOrd="0" destOrd="0" presId="urn:microsoft.com/office/officeart/2016/7/layout/VerticalHollowActionList"/>
-    <dgm:cxn modelId="{2A978085-4972-4B5C-9D7A-04DD3B56708C}" type="presParOf" srcId="{BF9DA5AB-9433-4CEE-A556-4F288D523970}" destId="{F3F3C8AE-FAA7-41E3-A552-3C302682CD0E}" srcOrd="1" destOrd="0" presId="urn:microsoft.com/office/officeart/2016/7/layout/VerticalHollowActionList"/>
-    <dgm:cxn modelId="{0B0F3D82-D9D1-4EFB-827E-FE204DB0EF77}" type="presParOf" srcId="{B96F7BBB-2FD2-43D4-B80D-D5E11E8775E5}" destId="{FE05FDAF-8902-4B58-8F42-61D7FCE09091}" srcOrd="9" destOrd="0" presId="urn:microsoft.com/office/officeart/2016/7/layout/VerticalHollowActionList"/>
-    <dgm:cxn modelId="{FBC89FA7-6C38-4C64-AD2A-C9C2EC6DBA01}" type="presParOf" srcId="{B96F7BBB-2FD2-43D4-B80D-D5E11E8775E5}" destId="{8668CD9E-FD2D-4DF4-804B-0D545E776BB9}" srcOrd="10" destOrd="0" presId="urn:microsoft.com/office/officeart/2016/7/layout/VerticalHollowActionList"/>
-    <dgm:cxn modelId="{44EA1B9B-9482-48C6-A598-85CC97A6D22D}" type="presParOf" srcId="{8668CD9E-FD2D-4DF4-804B-0D545E776BB9}" destId="{B34AD71F-4A91-428D-9A20-AF4F9F062372}" srcOrd="0" destOrd="0" presId="urn:microsoft.com/office/officeart/2016/7/layout/VerticalHollowActionList"/>
-    <dgm:cxn modelId="{03110D94-0483-47D8-8958-1A2A164F9655}" type="presParOf" srcId="{8668CD9E-FD2D-4DF4-804B-0D545E776BB9}" destId="{45BBAAEA-658F-4308-BE86-E844E94F061C}" srcOrd="1" destOrd="0" presId="urn:microsoft.com/office/officeart/2016/7/layout/VerticalHollowActionList"/>
+    <dgm:cxn modelId="{C565C4FF-AA23-4E4B-9932-5D2684BEB24E}" type="presParOf" srcId="{CFE3EBB7-3CB4-4476-97DB-631612A0A680}" destId="{2470D039-2E2E-4C61-8D6E-114F9E938436}" srcOrd="0" destOrd="0" presId="urn:microsoft.com/office/officeart/2016/7/layout/VerticalSolidActionList"/>
+    <dgm:cxn modelId="{9D82C14F-DD26-4C57-A0F5-18D6A2D0AB88}" type="presParOf" srcId="{2470D039-2E2E-4C61-8D6E-114F9E938436}" destId="{455D10B3-F060-4EF0-86C9-8EE11A31D11E}" srcOrd="0" destOrd="0" presId="urn:microsoft.com/office/officeart/2016/7/layout/VerticalSolidActionList"/>
+    <dgm:cxn modelId="{CFBA2BDB-54FF-49F9-8B8B-B2E765A2896B}" type="presParOf" srcId="{2470D039-2E2E-4C61-8D6E-114F9E938436}" destId="{E56BE632-FACB-4914-94FC-CA9F2D61421C}" srcOrd="1" destOrd="0" presId="urn:microsoft.com/office/officeart/2016/7/layout/VerticalSolidActionList"/>
+    <dgm:cxn modelId="{A4AF72B8-177A-43EF-9850-EE07235BA42F}" type="presParOf" srcId="{CFE3EBB7-3CB4-4476-97DB-631612A0A680}" destId="{A4688F8C-D0E0-4908-B4A7-8CCB51610FE8}" srcOrd="1" destOrd="0" presId="urn:microsoft.com/office/officeart/2016/7/layout/VerticalSolidActionList"/>
+    <dgm:cxn modelId="{33306A41-2213-4077-9FA6-24CEBD803854}" type="presParOf" srcId="{CFE3EBB7-3CB4-4476-97DB-631612A0A680}" destId="{CC077051-8193-4B93-8C15-0161DDB76AAF}" srcOrd="2" destOrd="0" presId="urn:microsoft.com/office/officeart/2016/7/layout/VerticalSolidActionList"/>
+    <dgm:cxn modelId="{1F5DCF87-B834-457C-B3B5-8DC249D225D0}" type="presParOf" srcId="{CC077051-8193-4B93-8C15-0161DDB76AAF}" destId="{C799B528-5F41-4F78-9B26-347737DDFB36}" srcOrd="0" destOrd="0" presId="urn:microsoft.com/office/officeart/2016/7/layout/VerticalSolidActionList"/>
+    <dgm:cxn modelId="{ABC95D3F-BD4D-4196-9CF3-5A0CA3E84A37}" type="presParOf" srcId="{CC077051-8193-4B93-8C15-0161DDB76AAF}" destId="{C6F2EDCB-FDB6-4C2C-BD5C-6D0DF309F609}" srcOrd="1" destOrd="0" presId="urn:microsoft.com/office/officeart/2016/7/layout/VerticalSolidActionList"/>
+    <dgm:cxn modelId="{5F345B8C-3A8A-45A6-B928-32A21AD76D2A}" type="presParOf" srcId="{CFE3EBB7-3CB4-4476-97DB-631612A0A680}" destId="{8951E578-0B62-4F80-B841-B4DB8AF7FFC8}" srcOrd="3" destOrd="0" presId="urn:microsoft.com/office/officeart/2016/7/layout/VerticalSolidActionList"/>
+    <dgm:cxn modelId="{D513F749-2E91-40F5-84FF-33FB9C565A47}" type="presParOf" srcId="{CFE3EBB7-3CB4-4476-97DB-631612A0A680}" destId="{D78299A2-DB14-42BE-ABF0-B161DB2630AF}" srcOrd="4" destOrd="0" presId="urn:microsoft.com/office/officeart/2016/7/layout/VerticalSolidActionList"/>
+    <dgm:cxn modelId="{CF21F090-D291-4B43-877A-CE3486CBA56D}" type="presParOf" srcId="{D78299A2-DB14-42BE-ABF0-B161DB2630AF}" destId="{8EAD2BDF-5C8F-4DEC-983F-F81BECEAA51C}" srcOrd="0" destOrd="0" presId="urn:microsoft.com/office/officeart/2016/7/layout/VerticalSolidActionList"/>
+    <dgm:cxn modelId="{107878DE-9053-4A42-8793-8C4EEA03F731}" type="presParOf" srcId="{D78299A2-DB14-42BE-ABF0-B161DB2630AF}" destId="{F72E9FF0-914C-4FF4-BCCB-CD50F1681F25}" srcOrd="1" destOrd="0" presId="urn:microsoft.com/office/officeart/2016/7/layout/VerticalSolidActionList"/>
+    <dgm:cxn modelId="{32F98419-467F-42DF-84CB-E213C2FD6BBE}" type="presParOf" srcId="{CFE3EBB7-3CB4-4476-97DB-631612A0A680}" destId="{94874708-DB44-4018-A00F-B3687F1D2832}" srcOrd="5" destOrd="0" presId="urn:microsoft.com/office/officeart/2016/7/layout/VerticalSolidActionList"/>
+    <dgm:cxn modelId="{1B39FA83-AE98-4D1B-91D0-DB89491826FF}" type="presParOf" srcId="{CFE3EBB7-3CB4-4476-97DB-631612A0A680}" destId="{BFDDBACF-1CE4-4D22-81BD-D09288318A78}" srcOrd="6" destOrd="0" presId="urn:microsoft.com/office/officeart/2016/7/layout/VerticalSolidActionList"/>
+    <dgm:cxn modelId="{7B3F02CA-1408-41AD-B8D9-D720EA34BB1D}" type="presParOf" srcId="{BFDDBACF-1CE4-4D22-81BD-D09288318A78}" destId="{B381387C-22C0-489D-99F0-7BDFCCE1FAEF}" srcOrd="0" destOrd="0" presId="urn:microsoft.com/office/officeart/2016/7/layout/VerticalSolidActionList"/>
+    <dgm:cxn modelId="{890064D8-9ED6-4304-8044-8F37ADEB3ABD}" type="presParOf" srcId="{BFDDBACF-1CE4-4D22-81BD-D09288318A78}" destId="{6F39092E-A901-40D8-932C-9AF8CD05A70E}" srcOrd="1" destOrd="0" presId="urn:microsoft.com/office/officeart/2016/7/layout/VerticalSolidActionList"/>
+    <dgm:cxn modelId="{FEA329A2-D4BD-4B23-9E8E-7182C55993A6}" type="presParOf" srcId="{CFE3EBB7-3CB4-4476-97DB-631612A0A680}" destId="{1D4972AF-379A-47E9-9006-1E45BD25F699}" srcOrd="7" destOrd="0" presId="urn:microsoft.com/office/officeart/2016/7/layout/VerticalSolidActionList"/>
+    <dgm:cxn modelId="{7EF10A28-3949-4AFD-9928-62D725C36400}" type="presParOf" srcId="{CFE3EBB7-3CB4-4476-97DB-631612A0A680}" destId="{BD1B6CB6-A011-4373-A034-5A653581F651}" srcOrd="8" destOrd="0" presId="urn:microsoft.com/office/officeart/2016/7/layout/VerticalSolidActionList"/>
+    <dgm:cxn modelId="{1FC4DF03-E95C-4165-A7EB-397AEB95C86D}" type="presParOf" srcId="{BD1B6CB6-A011-4373-A034-5A653581F651}" destId="{60B4AB67-D21D-49CE-B0C2-4672237A6E88}" srcOrd="0" destOrd="0" presId="urn:microsoft.com/office/officeart/2016/7/layout/VerticalSolidActionList"/>
+    <dgm:cxn modelId="{7C3C6AE8-D751-4CA7-A63F-EEC0F7EBF7E9}" type="presParOf" srcId="{BD1B6CB6-A011-4373-A034-5A653581F651}" destId="{E578C607-76E1-4976-8A5C-B2AE7461E47D}" srcOrd="1" destOrd="0" presId="urn:microsoft.com/office/officeart/2016/7/layout/VerticalSolidActionList"/>
+    <dgm:cxn modelId="{7CF04BA3-0EF2-40CF-9562-2E5683EB7F30}" type="presParOf" srcId="{CFE3EBB7-3CB4-4476-97DB-631612A0A680}" destId="{2688A994-0D40-458C-85A1-F3DDB672B8E2}" srcOrd="9" destOrd="0" presId="urn:microsoft.com/office/officeart/2016/7/layout/VerticalSolidActionList"/>
+    <dgm:cxn modelId="{0FE72751-BB90-467A-9200-536B17F46C44}" type="presParOf" srcId="{CFE3EBB7-3CB4-4476-97DB-631612A0A680}" destId="{6E2D0131-3354-4D67-A56B-3953E9B07F23}" srcOrd="10" destOrd="0" presId="urn:microsoft.com/office/officeart/2016/7/layout/VerticalSolidActionList"/>
+    <dgm:cxn modelId="{26A3B4E6-0E49-4FC5-8B75-199B3362DC90}" type="presParOf" srcId="{6E2D0131-3354-4D67-A56B-3953E9B07F23}" destId="{407D839B-B6D0-4151-B502-E1F31EF1101C}" srcOrd="0" destOrd="0" presId="urn:microsoft.com/office/officeart/2016/7/layout/VerticalSolidActionList"/>
+    <dgm:cxn modelId="{C71BCDBB-7844-4032-84C0-3ACAA7201C71}" type="presParOf" srcId="{6E2D0131-3354-4D67-A56B-3953E9B07F23}" destId="{195E18B3-0EC2-4A1A-96F6-31001DFCFA3F}" srcOrd="1" destOrd="0" presId="urn:microsoft.com/office/officeart/2016/7/layout/VerticalSolidActionList"/>
   </dgm:cxnLst>
   <dgm:bg/>
   <dgm:whole/>
@@ -3476,7 +3984,7 @@
 <dgm:dataModel xmlns:dgm="http://schemas.openxmlformats.org/drawingml/2006/diagram" xmlns:a="http://schemas.openxmlformats.org/drawingml/2006/main">
   <dgm:ptLst>
     <dgm:pt modelId="{768D568F-4B93-4B4D-8F02-099288096EBE}" type="doc">
-      <dgm:prSet loTypeId="urn:microsoft.com/office/officeart/2005/8/layout/default" loCatId="list" qsTypeId="urn:microsoft.com/office/officeart/2005/8/quickstyle/simple2" qsCatId="simple" csTypeId="urn:microsoft.com/office/officeart/2005/8/colors/accent5_2" csCatId="accent5"/>
+      <dgm:prSet loTypeId="urn:microsoft.com/office/officeart/2005/8/layout/vList5" loCatId="list" qsTypeId="urn:microsoft.com/office/officeart/2005/8/quickstyle/simple5" qsCatId="simple" csTypeId="urn:microsoft.com/office/officeart/2005/8/colors/colorful1" csCatId="colorful" phldr="1"/>
       <dgm:spPr/>
       <dgm:t>
         <a:bodyPr/>
@@ -4088,114 +4596,184 @@
         </a:p>
       </dgm:t>
     </dgm:pt>
-    <dgm:pt modelId="{57487188-7927-45C0-BCA3-1CDCFB10FE3F}" type="pres">
-      <dgm:prSet presAssocID="{768D568F-4B93-4B4D-8F02-099288096EBE}" presName="diagram" presStyleCnt="0">
+    <dgm:pt modelId="{CAF2E2DC-97C4-4082-8A75-A423D7004EED}" type="pres">
+      <dgm:prSet presAssocID="{768D568F-4B93-4B4D-8F02-099288096EBE}" presName="Name0" presStyleCnt="0">
         <dgm:presLayoutVars>
           <dgm:dir/>
+          <dgm:animLvl val="lvl"/>
           <dgm:resizeHandles val="exact"/>
         </dgm:presLayoutVars>
       </dgm:prSet>
       <dgm:spPr/>
     </dgm:pt>
-    <dgm:pt modelId="{8CB62999-28E3-4290-AEC3-5A1C00A5499B}" type="pres">
-      <dgm:prSet presAssocID="{2723B95A-212B-4F52-A03C-9039C6F9C8FC}" presName="node" presStyleLbl="node1" presStyleIdx="0" presStyleCnt="9">
+    <dgm:pt modelId="{DAF82F9C-F53F-4060-93B7-75706621C479}" type="pres">
+      <dgm:prSet presAssocID="{2723B95A-212B-4F52-A03C-9039C6F9C8FC}" presName="linNode" presStyleCnt="0"/>
+      <dgm:spPr/>
+    </dgm:pt>
+    <dgm:pt modelId="{15D01A8A-7C87-43F8-B992-F83F32D26091}" type="pres">
+      <dgm:prSet presAssocID="{2723B95A-212B-4F52-A03C-9039C6F9C8FC}" presName="parentText" presStyleLbl="node1" presStyleIdx="0" presStyleCnt="9">
+        <dgm:presLayoutVars>
+          <dgm:chMax val="1"/>
+          <dgm:bulletEnabled val="1"/>
+        </dgm:presLayoutVars>
+      </dgm:prSet>
+      <dgm:spPr/>
+    </dgm:pt>
+    <dgm:pt modelId="{80692AB9-1841-4C46-A5EF-3C89DC952259}" type="pres">
+      <dgm:prSet presAssocID="{A122A31F-D07C-4084-A387-7C9DC92EF516}" presName="sp" presStyleCnt="0"/>
+      <dgm:spPr/>
+    </dgm:pt>
+    <dgm:pt modelId="{42D4EA4C-F975-46CD-BB77-A3D359BEF5B8}" type="pres">
+      <dgm:prSet presAssocID="{785042E9-5B51-4ABE-A799-CB95A00E9534}" presName="linNode" presStyleCnt="0"/>
+      <dgm:spPr/>
+    </dgm:pt>
+    <dgm:pt modelId="{3EC1604E-C080-4F84-97D9-CE8437B4D85F}" type="pres">
+      <dgm:prSet presAssocID="{785042E9-5B51-4ABE-A799-CB95A00E9534}" presName="parentText" presStyleLbl="node1" presStyleIdx="1" presStyleCnt="9">
+        <dgm:presLayoutVars>
+          <dgm:chMax val="1"/>
+          <dgm:bulletEnabled val="1"/>
+        </dgm:presLayoutVars>
+      </dgm:prSet>
+      <dgm:spPr/>
+    </dgm:pt>
+    <dgm:pt modelId="{95DE0000-0CEF-4C20-8951-27F19D481E5A}" type="pres">
+      <dgm:prSet presAssocID="{61870157-F43D-4065-8A83-1AA2C92DFFB9}" presName="sp" presStyleCnt="0"/>
+      <dgm:spPr/>
+    </dgm:pt>
+    <dgm:pt modelId="{4ADA11E2-F7C1-42CA-9D41-431148E2154B}" type="pres">
+      <dgm:prSet presAssocID="{C512546C-B75A-4AAF-87A8-789EECE3E2F8}" presName="linNode" presStyleCnt="0"/>
+      <dgm:spPr/>
+    </dgm:pt>
+    <dgm:pt modelId="{B7284F7D-7298-4C57-AAAC-A9277392B6B6}" type="pres">
+      <dgm:prSet presAssocID="{C512546C-B75A-4AAF-87A8-789EECE3E2F8}" presName="parentText" presStyleLbl="node1" presStyleIdx="2" presStyleCnt="9">
+        <dgm:presLayoutVars>
+          <dgm:chMax val="1"/>
+          <dgm:bulletEnabled val="1"/>
+        </dgm:presLayoutVars>
+      </dgm:prSet>
+      <dgm:spPr/>
+    </dgm:pt>
+    <dgm:pt modelId="{86C5CAFC-0A7E-4E16-8359-D90F3448A5F8}" type="pres">
+      <dgm:prSet presAssocID="{C512546C-B75A-4AAF-87A8-789EECE3E2F8}" presName="descendantText" presStyleLbl="alignAccFollowNode1" presStyleIdx="0" presStyleCnt="3">
         <dgm:presLayoutVars>
           <dgm:bulletEnabled val="1"/>
         </dgm:presLayoutVars>
       </dgm:prSet>
       <dgm:spPr/>
     </dgm:pt>
-    <dgm:pt modelId="{621E8227-D572-4CDE-9BE0-D0CEED242E23}" type="pres">
-      <dgm:prSet presAssocID="{A122A31F-D07C-4084-A387-7C9DC92EF516}" presName="sibTrans" presStyleCnt="0"/>
+    <dgm:pt modelId="{7B791669-D081-4914-A158-D492FD88CDB8}" type="pres">
+      <dgm:prSet presAssocID="{6A26F339-C120-4050-96B3-55F971A12387}" presName="sp" presStyleCnt="0"/>
       <dgm:spPr/>
     </dgm:pt>
-    <dgm:pt modelId="{652F1893-D56F-46F8-9232-55B98A363DB2}" type="pres">
-      <dgm:prSet presAssocID="{785042E9-5B51-4ABE-A799-CB95A00E9534}" presName="node" presStyleLbl="node1" presStyleIdx="1" presStyleCnt="9">
+    <dgm:pt modelId="{8252E090-99E5-468C-AE93-346566B4C397}" type="pres">
+      <dgm:prSet presAssocID="{B5CD3625-E9F4-4B0B-969A-9B09EFE05078}" presName="linNode" presStyleCnt="0"/>
+      <dgm:spPr/>
+    </dgm:pt>
+    <dgm:pt modelId="{1AB1E94E-F42C-4D60-8170-6E9E035DC841}" type="pres">
+      <dgm:prSet presAssocID="{B5CD3625-E9F4-4B0B-969A-9B09EFE05078}" presName="parentText" presStyleLbl="node1" presStyleIdx="3" presStyleCnt="9">
+        <dgm:presLayoutVars>
+          <dgm:chMax val="1"/>
+          <dgm:bulletEnabled val="1"/>
+        </dgm:presLayoutVars>
+      </dgm:prSet>
+      <dgm:spPr/>
+    </dgm:pt>
+    <dgm:pt modelId="{CAE79F2E-0750-443A-B43E-8328EF908498}" type="pres">
+      <dgm:prSet presAssocID="{B5CD3625-E9F4-4B0B-969A-9B09EFE05078}" presName="descendantText" presStyleLbl="alignAccFollowNode1" presStyleIdx="1" presStyleCnt="3" custScaleX="102752">
         <dgm:presLayoutVars>
           <dgm:bulletEnabled val="1"/>
         </dgm:presLayoutVars>
       </dgm:prSet>
       <dgm:spPr/>
     </dgm:pt>
-    <dgm:pt modelId="{B8C48A4A-7EB6-4345-9A01-AA43AD065FA8}" type="pres">
-      <dgm:prSet presAssocID="{61870157-F43D-4065-8A83-1AA2C92DFFB9}" presName="sibTrans" presStyleCnt="0"/>
+    <dgm:pt modelId="{6970C7BF-A1B7-4F46-B7C7-D6D023E13E8D}" type="pres">
+      <dgm:prSet presAssocID="{3B7D52D8-1C23-4F54-A03B-C4255944AA49}" presName="sp" presStyleCnt="0"/>
       <dgm:spPr/>
     </dgm:pt>
-    <dgm:pt modelId="{E18D4AF9-381C-459F-8830-FED28684D735}" type="pres">
-      <dgm:prSet presAssocID="{C512546C-B75A-4AAF-87A8-789EECE3E2F8}" presName="node" presStyleLbl="node1" presStyleIdx="2" presStyleCnt="9">
+    <dgm:pt modelId="{A21AA26A-C03E-40C6-8987-4B6CD33ED67C}" type="pres">
+      <dgm:prSet presAssocID="{8AD603A9-103D-43CD-95B4-65DCB85D1069}" presName="linNode" presStyleCnt="0"/>
+      <dgm:spPr/>
+    </dgm:pt>
+    <dgm:pt modelId="{5E41274E-C9A4-4473-B322-6843835D2F74}" type="pres">
+      <dgm:prSet presAssocID="{8AD603A9-103D-43CD-95B4-65DCB85D1069}" presName="parentText" presStyleLbl="node1" presStyleIdx="4" presStyleCnt="9">
+        <dgm:presLayoutVars>
+          <dgm:chMax val="1"/>
+          <dgm:bulletEnabled val="1"/>
+        </dgm:presLayoutVars>
+      </dgm:prSet>
+      <dgm:spPr/>
+    </dgm:pt>
+    <dgm:pt modelId="{1B5C82DC-56BB-4F08-8056-2005611DB7FF}" type="pres">
+      <dgm:prSet presAssocID="{8AD603A9-103D-43CD-95B4-65DCB85D1069}" presName="descendantText" presStyleLbl="alignAccFollowNode1" presStyleIdx="2" presStyleCnt="3">
         <dgm:presLayoutVars>
           <dgm:bulletEnabled val="1"/>
         </dgm:presLayoutVars>
       </dgm:prSet>
       <dgm:spPr/>
     </dgm:pt>
-    <dgm:pt modelId="{C0D28CDE-593F-4060-B986-6CC1D15BD95B}" type="pres">
-      <dgm:prSet presAssocID="{6A26F339-C120-4050-96B3-55F971A12387}" presName="sibTrans" presStyleCnt="0"/>
+    <dgm:pt modelId="{6727C106-2F21-4E24-98A2-E8C64CA576EB}" type="pres">
+      <dgm:prSet presAssocID="{6C560F0E-09C0-45B2-9830-E752EDB08564}" presName="sp" presStyleCnt="0"/>
       <dgm:spPr/>
     </dgm:pt>
-    <dgm:pt modelId="{11E928EC-B234-480A-B8D4-8F00F6691720}" type="pres">
-      <dgm:prSet presAssocID="{B5CD3625-E9F4-4B0B-969A-9B09EFE05078}" presName="node" presStyleLbl="node1" presStyleIdx="3" presStyleCnt="9">
+    <dgm:pt modelId="{CC5C8B04-373C-43B2-937C-A1DBC37F0D39}" type="pres">
+      <dgm:prSet presAssocID="{48728107-25CD-4472-9547-7E366531DAF5}" presName="linNode" presStyleCnt="0"/>
+      <dgm:spPr/>
+    </dgm:pt>
+    <dgm:pt modelId="{568365F3-D18D-408F-9812-7A0C8BB2A697}" type="pres">
+      <dgm:prSet presAssocID="{48728107-25CD-4472-9547-7E366531DAF5}" presName="parentText" presStyleLbl="node1" presStyleIdx="5" presStyleCnt="9">
         <dgm:presLayoutVars>
+          <dgm:chMax val="1"/>
           <dgm:bulletEnabled val="1"/>
         </dgm:presLayoutVars>
       </dgm:prSet>
       <dgm:spPr/>
     </dgm:pt>
-    <dgm:pt modelId="{56899C12-3F42-4FB4-9A00-B2F692FDAFF4}" type="pres">
-      <dgm:prSet presAssocID="{3B7D52D8-1C23-4F54-A03B-C4255944AA49}" presName="sibTrans" presStyleCnt="0"/>
+    <dgm:pt modelId="{3378433C-5F0F-4BB6-8429-539F5DE59A46}" type="pres">
+      <dgm:prSet presAssocID="{FF663FB7-4E70-4289-BDFB-FB8EB1669168}" presName="sp" presStyleCnt="0"/>
       <dgm:spPr/>
     </dgm:pt>
-    <dgm:pt modelId="{9ED06121-3890-4C30-92E4-05E8801CE8EC}" type="pres">
-      <dgm:prSet presAssocID="{8AD603A9-103D-43CD-95B4-65DCB85D1069}" presName="node" presStyleLbl="node1" presStyleIdx="4" presStyleCnt="9">
+    <dgm:pt modelId="{0F576E11-D0CC-4038-B868-28DFA564E280}" type="pres">
+      <dgm:prSet presAssocID="{C9D16356-B745-4BE4-A69A-090BFFB8EE0C}" presName="linNode" presStyleCnt="0"/>
+      <dgm:spPr/>
+    </dgm:pt>
+    <dgm:pt modelId="{97DC52EE-45B8-4BF3-8029-FF2AB02E915E}" type="pres">
+      <dgm:prSet presAssocID="{C9D16356-B745-4BE4-A69A-090BFFB8EE0C}" presName="parentText" presStyleLbl="node1" presStyleIdx="6" presStyleCnt="9">
         <dgm:presLayoutVars>
+          <dgm:chMax val="1"/>
           <dgm:bulletEnabled val="1"/>
         </dgm:presLayoutVars>
       </dgm:prSet>
       <dgm:spPr/>
     </dgm:pt>
-    <dgm:pt modelId="{DB2D89A2-5922-45A7-B441-BA0326DDACC5}" type="pres">
-      <dgm:prSet presAssocID="{6C560F0E-09C0-45B2-9830-E752EDB08564}" presName="sibTrans" presStyleCnt="0"/>
+    <dgm:pt modelId="{CDB941CC-8B73-4F87-AAD7-5FFD50A0350F}" type="pres">
+      <dgm:prSet presAssocID="{FF2C159C-351E-4233-ACAB-A8B6956C2476}" presName="sp" presStyleCnt="0"/>
       <dgm:spPr/>
     </dgm:pt>
-    <dgm:pt modelId="{628E8933-273D-456D-B479-837136817E38}" type="pres">
-      <dgm:prSet presAssocID="{48728107-25CD-4472-9547-7E366531DAF5}" presName="node" presStyleLbl="node1" presStyleIdx="5" presStyleCnt="9">
+    <dgm:pt modelId="{D4825F53-0969-4421-9D6B-59027E9F7C62}" type="pres">
+      <dgm:prSet presAssocID="{9FC580B6-9F95-47DA-9560-15F962B9E331}" presName="linNode" presStyleCnt="0"/>
+      <dgm:spPr/>
+    </dgm:pt>
+    <dgm:pt modelId="{A888EC9B-F0FF-4046-A998-C746C35AE8E3}" type="pres">
+      <dgm:prSet presAssocID="{9FC580B6-9F95-47DA-9560-15F962B9E331}" presName="parentText" presStyleLbl="node1" presStyleIdx="7" presStyleCnt="9">
         <dgm:presLayoutVars>
+          <dgm:chMax val="1"/>
           <dgm:bulletEnabled val="1"/>
         </dgm:presLayoutVars>
       </dgm:prSet>
       <dgm:spPr/>
     </dgm:pt>
-    <dgm:pt modelId="{BF5D9C2F-EBB0-4002-8BA4-9001D7A3F087}" type="pres">
-      <dgm:prSet presAssocID="{FF663FB7-4E70-4289-BDFB-FB8EB1669168}" presName="sibTrans" presStyleCnt="0"/>
+    <dgm:pt modelId="{03EC7C39-3703-47BC-ACBE-57ABED3362EF}" type="pres">
+      <dgm:prSet presAssocID="{8980DD1A-E1A0-4D29-9E0B-5924D47710CC}" presName="sp" presStyleCnt="0"/>
       <dgm:spPr/>
     </dgm:pt>
-    <dgm:pt modelId="{02833BD8-4D0D-4A3B-AA3B-8A87A8A85DDA}" type="pres">
-      <dgm:prSet presAssocID="{C9D16356-B745-4BE4-A69A-090BFFB8EE0C}" presName="node" presStyleLbl="node1" presStyleIdx="6" presStyleCnt="9">
-        <dgm:presLayoutVars>
-          <dgm:bulletEnabled val="1"/>
-        </dgm:presLayoutVars>
-      </dgm:prSet>
+    <dgm:pt modelId="{9F69DB5D-EFB4-42D4-AD22-D922F2D72D3F}" type="pres">
+      <dgm:prSet presAssocID="{4E228385-722C-438E-AC3E-E2EBECF17054}" presName="linNode" presStyleCnt="0"/>
       <dgm:spPr/>
     </dgm:pt>
-    <dgm:pt modelId="{955E1ED2-0C16-44CC-AFBB-A6B8AA6650DC}" type="pres">
-      <dgm:prSet presAssocID="{FF2C159C-351E-4233-ACAB-A8B6956C2476}" presName="sibTrans" presStyleCnt="0"/>
-      <dgm:spPr/>
-    </dgm:pt>
-    <dgm:pt modelId="{37CE10EA-0F23-42E0-BAB0-304F7127D1B9}" type="pres">
-      <dgm:prSet presAssocID="{9FC580B6-9F95-47DA-9560-15F962B9E331}" presName="node" presStyleLbl="node1" presStyleIdx="7" presStyleCnt="9">
+    <dgm:pt modelId="{2F688F1D-755B-4318-955B-30124BFCA08D}" type="pres">
+      <dgm:prSet presAssocID="{4E228385-722C-438E-AC3E-E2EBECF17054}" presName="parentText" presStyleLbl="node1" presStyleIdx="8" presStyleCnt="9">
         <dgm:presLayoutVars>
-          <dgm:bulletEnabled val="1"/>
-        </dgm:presLayoutVars>
-      </dgm:prSet>
-      <dgm:spPr/>
-    </dgm:pt>
-    <dgm:pt modelId="{1BA8D250-7C93-4486-98DB-B4B79EC6BA4F}" type="pres">
-      <dgm:prSet presAssocID="{8980DD1A-E1A0-4D29-9E0B-5924D47710CC}" presName="sibTrans" presStyleCnt="0"/>
-      <dgm:spPr/>
-    </dgm:pt>
-    <dgm:pt modelId="{054509D6-27B5-4A88-AFB2-C16DA3DD9EC4}" type="pres">
-      <dgm:prSet presAssocID="{4E228385-722C-438E-AC3E-E2EBECF17054}" presName="node" presStyleLbl="node1" presStyleIdx="8" presStyleCnt="9">
-        <dgm:presLayoutVars>
+          <dgm:chMax val="1"/>
           <dgm:bulletEnabled val="1"/>
         </dgm:presLayoutVars>
       </dgm:prSet>
@@ -4203,60 +4781,72 @@
     </dgm:pt>
   </dgm:ptLst>
   <dgm:cxnLst>
-    <dgm:cxn modelId="{C2945C00-DECE-4AA7-8056-A2519C5B312F}" type="presOf" srcId="{4E228385-722C-438E-AC3E-E2EBECF17054}" destId="{054509D6-27B5-4A88-AFB2-C16DA3DD9EC4}" srcOrd="0" destOrd="0" presId="urn:microsoft.com/office/officeart/2005/8/layout/default"/>
     <dgm:cxn modelId="{E1E95403-8D24-45C3-9D82-82FF3D7B512B}" srcId="{768D568F-4B93-4B4D-8F02-099288096EBE}" destId="{8AD603A9-103D-43CD-95B4-65DCB85D1069}" srcOrd="4" destOrd="0" parTransId="{B54D2F53-2C23-4B88-B0C0-7139FC54994E}" sibTransId="{6C560F0E-09C0-45B2-9830-E752EDB08564}"/>
     <dgm:cxn modelId="{EC9EBC0D-B53E-4E9D-A15B-C29EE86474DA}" srcId="{8AD603A9-103D-43CD-95B4-65DCB85D1069}" destId="{B409CA7E-4CF6-4CD7-94D9-C76872CE059C}" srcOrd="1" destOrd="0" parTransId="{099047C6-CEB0-4379-A503-F736E505723E}" sibTransId="{A60DC2BA-F9BF-41B0-9E73-45A012508959}"/>
-    <dgm:cxn modelId="{FDCAFD26-ED3F-4EE8-A699-5BAADB986E7D}" type="presOf" srcId="{785042E9-5B51-4ABE-A799-CB95A00E9534}" destId="{652F1893-D56F-46F8-9232-55B98A363DB2}" srcOrd="0" destOrd="0" presId="urn:microsoft.com/office/officeart/2005/8/layout/default"/>
-    <dgm:cxn modelId="{D9CE7227-19BE-4D06-BCC7-0E2E291C2482}" type="presOf" srcId="{AE889CF3-358C-4E5F-9390-AFCFBDEF6ABC}" destId="{9ED06121-3890-4C30-92E4-05E8801CE8EC}" srcOrd="0" destOrd="1" presId="urn:microsoft.com/office/officeart/2005/8/layout/default"/>
-    <dgm:cxn modelId="{45FB7A2C-3C42-4F2C-95DA-3FE6CD18C01A}" type="presOf" srcId="{3C185ECB-5790-411A-A353-59D4A13EAACC}" destId="{E18D4AF9-381C-459F-8830-FED28684D735}" srcOrd="0" destOrd="2" presId="urn:microsoft.com/office/officeart/2005/8/layout/default"/>
     <dgm:cxn modelId="{008E052D-3AEA-463E-A179-A9823DF09D9B}" srcId="{768D568F-4B93-4B4D-8F02-099288096EBE}" destId="{48728107-25CD-4472-9547-7E366531DAF5}" srcOrd="5" destOrd="0" parTransId="{0FB8ED06-B1D9-4570-ABEA-978B9126687E}" sibTransId="{FF663FB7-4E70-4289-BDFB-FB8EB1669168}"/>
-    <dgm:cxn modelId="{9D4D9D36-5E15-4475-9BF4-3C260E78DB2A}" type="presOf" srcId="{2723B95A-212B-4F52-A03C-9039C6F9C8FC}" destId="{8CB62999-28E3-4290-AEC3-5A1C00A5499B}" srcOrd="0" destOrd="0" presId="urn:microsoft.com/office/officeart/2005/8/layout/default"/>
-    <dgm:cxn modelId="{C2F18D61-BF5F-4A4C-8322-61BE8128D81D}" type="presOf" srcId="{48728107-25CD-4472-9547-7E366531DAF5}" destId="{628E8933-273D-456D-B479-837136817E38}" srcOrd="0" destOrd="0" presId="urn:microsoft.com/office/officeart/2005/8/layout/default"/>
+    <dgm:cxn modelId="{602FB75C-0968-4920-864C-D7AAED232FA0}" type="presOf" srcId="{3C185ECB-5790-411A-A353-59D4A13EAACC}" destId="{86C5CAFC-0A7E-4E16-8359-D90F3448A5F8}" srcOrd="0" destOrd="1" presId="urn:microsoft.com/office/officeart/2005/8/layout/vList5"/>
+    <dgm:cxn modelId="{DAEEE044-4B34-4594-8283-FC67EB1E6E4F}" type="presOf" srcId="{2B7BC979-B9BB-4198-A132-367CACADC31E}" destId="{CAE79F2E-0750-443A-B43E-8328EF908498}" srcOrd="0" destOrd="0" presId="urn:microsoft.com/office/officeart/2005/8/layout/vList5"/>
     <dgm:cxn modelId="{48339645-E135-4B71-93DF-EE3599E58D89}" srcId="{768D568F-4B93-4B4D-8F02-099288096EBE}" destId="{9FC580B6-9F95-47DA-9560-15F962B9E331}" srcOrd="7" destOrd="0" parTransId="{3D569CB0-7E84-4E94-B981-28BA2A5F60A9}" sibTransId="{8980DD1A-E1A0-4D29-9E0B-5924D47710CC}"/>
-    <dgm:cxn modelId="{A6EC9550-9ABB-4C5E-8BF8-12C013F8DCC1}" type="presOf" srcId="{B409CA7E-4CF6-4CD7-94D9-C76872CE059C}" destId="{9ED06121-3890-4C30-92E4-05E8801CE8EC}" srcOrd="0" destOrd="2" presId="urn:microsoft.com/office/officeart/2005/8/layout/default"/>
-    <dgm:cxn modelId="{E3491972-0A2F-4076-8CFB-16D2DA6A689B}" type="presOf" srcId="{4A57AE59-5B8B-48F7-A233-F13F8C850E5E}" destId="{E18D4AF9-381C-459F-8830-FED28684D735}" srcOrd="0" destOrd="1" presId="urn:microsoft.com/office/officeart/2005/8/layout/default"/>
-    <dgm:cxn modelId="{09A99D7C-D293-4E92-AEC2-44552BC05563}" type="presOf" srcId="{768D568F-4B93-4B4D-8F02-099288096EBE}" destId="{57487188-7927-45C0-BCA3-1CDCFB10FE3F}" srcOrd="0" destOrd="0" presId="urn:microsoft.com/office/officeart/2005/8/layout/default"/>
-    <dgm:cxn modelId="{E038127E-5D92-42F6-B3AD-B2B5A701F724}" type="presOf" srcId="{9FC580B6-9F95-47DA-9560-15F962B9E331}" destId="{37CE10EA-0F23-42E0-BAB0-304F7127D1B9}" srcOrd="0" destOrd="0" presId="urn:microsoft.com/office/officeart/2005/8/layout/default"/>
-    <dgm:cxn modelId="{5FB69A86-D1CF-40C2-A8D5-C33A88D6414D}" type="presOf" srcId="{C512546C-B75A-4AAF-87A8-789EECE3E2F8}" destId="{E18D4AF9-381C-459F-8830-FED28684D735}" srcOrd="0" destOrd="0" presId="urn:microsoft.com/office/officeart/2005/8/layout/default"/>
-    <dgm:cxn modelId="{44E23289-5B01-4C88-8048-17DE9777CF61}" type="presOf" srcId="{7950C478-6F0B-40E7-A980-FA8B27D04B91}" destId="{11E928EC-B234-480A-B8D4-8F00F6691720}" srcOrd="0" destOrd="2" presId="urn:microsoft.com/office/officeart/2005/8/layout/default"/>
+    <dgm:cxn modelId="{171FF246-2CF4-4E2B-8BC4-D41338BCD9C2}" type="presOf" srcId="{AE889CF3-358C-4E5F-9390-AFCFBDEF6ABC}" destId="{1B5C82DC-56BB-4F08-8056-2005611DB7FF}" srcOrd="0" destOrd="0" presId="urn:microsoft.com/office/officeart/2005/8/layout/vList5"/>
+    <dgm:cxn modelId="{32E2447C-6B45-4BC4-B7D1-FDEC2636393C}" type="presOf" srcId="{4E228385-722C-438E-AC3E-E2EBECF17054}" destId="{2F688F1D-755B-4318-955B-30124BFCA08D}" srcOrd="0" destOrd="0" presId="urn:microsoft.com/office/officeart/2005/8/layout/vList5"/>
+    <dgm:cxn modelId="{69647C88-9B30-4F6A-A9D4-04AC0FC940FF}" type="presOf" srcId="{B409CA7E-4CF6-4CD7-94D9-C76872CE059C}" destId="{1B5C82DC-56BB-4F08-8056-2005611DB7FF}" srcOrd="0" destOrd="1" presId="urn:microsoft.com/office/officeart/2005/8/layout/vList5"/>
+    <dgm:cxn modelId="{7060718B-C2AF-410C-804A-3EF098B42445}" type="presOf" srcId="{C512546C-B75A-4AAF-87A8-789EECE3E2F8}" destId="{B7284F7D-7298-4C57-AAAC-A9277392B6B6}" srcOrd="0" destOrd="0" presId="urn:microsoft.com/office/officeart/2005/8/layout/vList5"/>
+    <dgm:cxn modelId="{0629838C-C068-4EF1-B104-B8E87ABC3B0E}" type="presOf" srcId="{8AD603A9-103D-43CD-95B4-65DCB85D1069}" destId="{5E41274E-C9A4-4473-B322-6843835D2F74}" srcOrd="0" destOrd="0" presId="urn:microsoft.com/office/officeart/2005/8/layout/vList5"/>
+    <dgm:cxn modelId="{28548990-C473-4952-96B7-8BB7DBCF327D}" type="presOf" srcId="{4A57AE59-5B8B-48F7-A233-F13F8C850E5E}" destId="{86C5CAFC-0A7E-4E16-8359-D90F3448A5F8}" srcOrd="0" destOrd="0" presId="urn:microsoft.com/office/officeart/2005/8/layout/vList5"/>
     <dgm:cxn modelId="{8A82DB91-20EF-4B82-A1DC-D0D38B6898FA}" srcId="{768D568F-4B93-4B4D-8F02-099288096EBE}" destId="{785042E9-5B51-4ABE-A799-CB95A00E9534}" srcOrd="1" destOrd="0" parTransId="{62EB190B-2738-4A5E-88DB-1A6A497E02D8}" sibTransId="{61870157-F43D-4065-8A83-1AA2C92DFFB9}"/>
     <dgm:cxn modelId="{67073694-A0B7-4538-B691-EF28E296F7DA}" srcId="{768D568F-4B93-4B4D-8F02-099288096EBE}" destId="{B5CD3625-E9F4-4B0B-969A-9B09EFE05078}" srcOrd="3" destOrd="0" parTransId="{1FA2E265-40CB-4C70-9DDB-A8390EEA858A}" sibTransId="{3B7D52D8-1C23-4F54-A03B-C4255944AA49}"/>
     <dgm:cxn modelId="{C3478998-8EA5-479E-A82E-0D1396777131}" srcId="{C512546C-B75A-4AAF-87A8-789EECE3E2F8}" destId="{3C185ECB-5790-411A-A353-59D4A13EAACC}" srcOrd="1" destOrd="0" parTransId="{1820AFBB-3C09-4F2B-A430-3E281C86B9A6}" sibTransId="{679D0DFC-5499-4C9D-A423-6797CA559BF3}"/>
-    <dgm:cxn modelId="{34BC5DA9-8445-4EAC-BA2C-23A0B4608487}" type="presOf" srcId="{2B7BC979-B9BB-4198-A132-367CACADC31E}" destId="{11E928EC-B234-480A-B8D4-8F00F6691720}" srcOrd="0" destOrd="1" presId="urn:microsoft.com/office/officeart/2005/8/layout/default"/>
+    <dgm:cxn modelId="{BB50A59B-40EA-4D82-9ECF-5189D161C718}" type="presOf" srcId="{7950C478-6F0B-40E7-A980-FA8B27D04B91}" destId="{CAE79F2E-0750-443A-B43E-8328EF908498}" srcOrd="0" destOrd="1" presId="urn:microsoft.com/office/officeart/2005/8/layout/vList5"/>
+    <dgm:cxn modelId="{4360799D-8DED-4BE8-BE1E-18EBBC8A6000}" type="presOf" srcId="{785042E9-5B51-4ABE-A799-CB95A00E9534}" destId="{3EC1604E-C080-4F84-97D9-CE8437B4D85F}" srcOrd="0" destOrd="0" presId="urn:microsoft.com/office/officeart/2005/8/layout/vList5"/>
+    <dgm:cxn modelId="{C5C7EF9F-80BB-4DEE-BEA5-A5281A321741}" type="presOf" srcId="{2723B95A-212B-4F52-A03C-9039C6F9C8FC}" destId="{15D01A8A-7C87-43F8-B992-F83F32D26091}" srcOrd="0" destOrd="0" presId="urn:microsoft.com/office/officeart/2005/8/layout/vList5"/>
+    <dgm:cxn modelId="{E70D48A3-1D88-4164-8893-A975AFC94C60}" type="presOf" srcId="{B5CD3625-E9F4-4B0B-969A-9B09EFE05078}" destId="{1AB1E94E-F42C-4D60-8170-6E9E035DC841}" srcOrd="0" destOrd="0" presId="urn:microsoft.com/office/officeart/2005/8/layout/vList5"/>
+    <dgm:cxn modelId="{353B65A9-60DD-4240-950C-1E7AEDFB0FB6}" type="presOf" srcId="{768D568F-4B93-4B4D-8F02-099288096EBE}" destId="{CAF2E2DC-97C4-4082-8A75-A423D7004EED}" srcOrd="0" destOrd="0" presId="urn:microsoft.com/office/officeart/2005/8/layout/vList5"/>
     <dgm:cxn modelId="{AD9965A9-F2A4-4DFF-896B-80501ED67A2E}" srcId="{768D568F-4B93-4B4D-8F02-099288096EBE}" destId="{C9D16356-B745-4BE4-A69A-090BFFB8EE0C}" srcOrd="6" destOrd="0" parTransId="{759B0E45-1E7A-4F0F-AE0B-70A5A6649567}" sibTransId="{FF2C159C-351E-4233-ACAB-A8B6956C2476}"/>
-    <dgm:cxn modelId="{4E15D6AA-FA04-411D-A0BD-F87F9B328543}" type="presOf" srcId="{C9D16356-B745-4BE4-A69A-090BFFB8EE0C}" destId="{02833BD8-4D0D-4A3B-AA3B-8A87A8A85DDA}" srcOrd="0" destOrd="0" presId="urn:microsoft.com/office/officeart/2005/8/layout/default"/>
     <dgm:cxn modelId="{5DA7CFB6-CFE6-4E1F-993C-8E4088198349}" srcId="{B5CD3625-E9F4-4B0B-969A-9B09EFE05078}" destId="{2B7BC979-B9BB-4198-A132-367CACADC31E}" srcOrd="0" destOrd="0" parTransId="{E1AFFE99-F13A-4D45-BA33-73D5D647F368}" sibTransId="{83C19E8D-574A-4E7E-B19E-0AF9D2336E8B}"/>
     <dgm:cxn modelId="{DC8CFAC1-9892-416E-BF0C-F99869616BF7}" srcId="{B5CD3625-E9F4-4B0B-969A-9B09EFE05078}" destId="{7950C478-6F0B-40E7-A980-FA8B27D04B91}" srcOrd="1" destOrd="0" parTransId="{1E2D052B-C5A6-4774-8665-2D2E462AA4EA}" sibTransId="{029A9CDD-90EA-4CFC-9615-58463CDA77FB}"/>
+    <dgm:cxn modelId="{C9F3B8C4-9071-4CF2-87C0-3903290F0DC8}" type="presOf" srcId="{9FC580B6-9F95-47DA-9560-15F962B9E331}" destId="{A888EC9B-F0FF-4046-A998-C746C35AE8E3}" srcOrd="0" destOrd="0" presId="urn:microsoft.com/office/officeart/2005/8/layout/vList5"/>
+    <dgm:cxn modelId="{CB9440D3-3688-4BFA-9B55-8004576BA125}" type="presOf" srcId="{C9D16356-B745-4BE4-A69A-090BFFB8EE0C}" destId="{97DC52EE-45B8-4BF3-8029-FF2AB02E915E}" srcOrd="0" destOrd="0" presId="urn:microsoft.com/office/officeart/2005/8/layout/vList5"/>
     <dgm:cxn modelId="{2871E0D9-9D26-4F69-BD86-1DB4A16A4B27}" srcId="{8AD603A9-103D-43CD-95B4-65DCB85D1069}" destId="{AE889CF3-358C-4E5F-9390-AFCFBDEF6ABC}" srcOrd="0" destOrd="0" parTransId="{3AC984F8-B37F-4D3A-97FB-379BCF2D92C1}" sibTransId="{E6B7ECF2-8CDE-49E7-AA0F-E0A332F4C355}"/>
-    <dgm:cxn modelId="{D7E8FFDB-7E0C-46D5-89B5-DAE257CF2B65}" type="presOf" srcId="{8AD603A9-103D-43CD-95B4-65DCB85D1069}" destId="{9ED06121-3890-4C30-92E4-05E8801CE8EC}" srcOrd="0" destOrd="0" presId="urn:microsoft.com/office/officeart/2005/8/layout/default"/>
     <dgm:cxn modelId="{B370F8DE-3A65-40F4-A19B-07B27FEEE8E1}" srcId="{768D568F-4B93-4B4D-8F02-099288096EBE}" destId="{C512546C-B75A-4AAF-87A8-789EECE3E2F8}" srcOrd="2" destOrd="0" parTransId="{3B3A3266-2A72-40AA-AA7F-62394653C61B}" sibTransId="{6A26F339-C120-4050-96B3-55F971A12387}"/>
     <dgm:cxn modelId="{86F434E8-EA14-4790-A7AD-B4A89322BE9D}" srcId="{768D568F-4B93-4B4D-8F02-099288096EBE}" destId="{2723B95A-212B-4F52-A03C-9039C6F9C8FC}" srcOrd="0" destOrd="0" parTransId="{797E9FEA-FA0E-4C99-A1B3-440AFC2689E8}" sibTransId="{A122A31F-D07C-4084-A387-7C9DC92EF516}"/>
+    <dgm:cxn modelId="{2D6523EB-BF18-4BFF-A305-FBA1CF9E07E4}" type="presOf" srcId="{48728107-25CD-4472-9547-7E366531DAF5}" destId="{568365F3-D18D-408F-9812-7A0C8BB2A697}" srcOrd="0" destOrd="0" presId="urn:microsoft.com/office/officeart/2005/8/layout/vList5"/>
     <dgm:cxn modelId="{33E12EEC-1C80-455B-B8EA-107912E0E5FC}" srcId="{C512546C-B75A-4AAF-87A8-789EECE3E2F8}" destId="{4A57AE59-5B8B-48F7-A233-F13F8C850E5E}" srcOrd="0" destOrd="0" parTransId="{6F043119-71E9-4D9B-B032-3F45056356ED}" sibTransId="{53A1F11B-7348-4EAF-BDE3-9D37C1C31821}"/>
-    <dgm:cxn modelId="{ECD295F8-2E02-4B90-8E9C-05E314121165}" type="presOf" srcId="{B5CD3625-E9F4-4B0B-969A-9B09EFE05078}" destId="{11E928EC-B234-480A-B8D4-8F00F6691720}" srcOrd="0" destOrd="0" presId="urn:microsoft.com/office/officeart/2005/8/layout/default"/>
     <dgm:cxn modelId="{39B200FD-7395-4D36-B496-FF122C144C83}" srcId="{768D568F-4B93-4B4D-8F02-099288096EBE}" destId="{4E228385-722C-438E-AC3E-E2EBECF17054}" srcOrd="8" destOrd="0" parTransId="{E3DFC7E5-601C-4652-AE07-C38DC7F5A969}" sibTransId="{E5AC2F96-89E6-453A-8E12-CD9F6BC082FF}"/>
-    <dgm:cxn modelId="{C678927C-2D24-4F0E-8DDD-CB4A75B26640}" type="presParOf" srcId="{57487188-7927-45C0-BCA3-1CDCFB10FE3F}" destId="{8CB62999-28E3-4290-AEC3-5A1C00A5499B}" srcOrd="0" destOrd="0" presId="urn:microsoft.com/office/officeart/2005/8/layout/default"/>
-    <dgm:cxn modelId="{AEB7F5CA-EE08-422B-8D7B-94EB7513F4BA}" type="presParOf" srcId="{57487188-7927-45C0-BCA3-1CDCFB10FE3F}" destId="{621E8227-D572-4CDE-9BE0-D0CEED242E23}" srcOrd="1" destOrd="0" presId="urn:microsoft.com/office/officeart/2005/8/layout/default"/>
-    <dgm:cxn modelId="{34BFB7D3-0F1E-4EA2-885B-1AAD555E8029}" type="presParOf" srcId="{57487188-7927-45C0-BCA3-1CDCFB10FE3F}" destId="{652F1893-D56F-46F8-9232-55B98A363DB2}" srcOrd="2" destOrd="0" presId="urn:microsoft.com/office/officeart/2005/8/layout/default"/>
-    <dgm:cxn modelId="{5BCDE910-CB90-4896-938E-A0EB26D59CC5}" type="presParOf" srcId="{57487188-7927-45C0-BCA3-1CDCFB10FE3F}" destId="{B8C48A4A-7EB6-4345-9A01-AA43AD065FA8}" srcOrd="3" destOrd="0" presId="urn:microsoft.com/office/officeart/2005/8/layout/default"/>
-    <dgm:cxn modelId="{85F3E1FA-414E-4377-89E2-2E5EA3BCE99B}" type="presParOf" srcId="{57487188-7927-45C0-BCA3-1CDCFB10FE3F}" destId="{E18D4AF9-381C-459F-8830-FED28684D735}" srcOrd="4" destOrd="0" presId="urn:microsoft.com/office/officeart/2005/8/layout/default"/>
-    <dgm:cxn modelId="{0E8EFE47-A2A1-4362-BBFB-62B14D0F7267}" type="presParOf" srcId="{57487188-7927-45C0-BCA3-1CDCFB10FE3F}" destId="{C0D28CDE-593F-4060-B986-6CC1D15BD95B}" srcOrd="5" destOrd="0" presId="urn:microsoft.com/office/officeart/2005/8/layout/default"/>
-    <dgm:cxn modelId="{88B82FD3-1882-4493-9FA6-2C77F5F6E6AA}" type="presParOf" srcId="{57487188-7927-45C0-BCA3-1CDCFB10FE3F}" destId="{11E928EC-B234-480A-B8D4-8F00F6691720}" srcOrd="6" destOrd="0" presId="urn:microsoft.com/office/officeart/2005/8/layout/default"/>
-    <dgm:cxn modelId="{AFA563A4-E4F2-4D8C-B81D-923BFD9FE587}" type="presParOf" srcId="{57487188-7927-45C0-BCA3-1CDCFB10FE3F}" destId="{56899C12-3F42-4FB4-9A00-B2F692FDAFF4}" srcOrd="7" destOrd="0" presId="urn:microsoft.com/office/officeart/2005/8/layout/default"/>
-    <dgm:cxn modelId="{2AA70033-68E5-4011-95D4-5C869C2DEA47}" type="presParOf" srcId="{57487188-7927-45C0-BCA3-1CDCFB10FE3F}" destId="{9ED06121-3890-4C30-92E4-05E8801CE8EC}" srcOrd="8" destOrd="0" presId="urn:microsoft.com/office/officeart/2005/8/layout/default"/>
-    <dgm:cxn modelId="{21042A18-0983-4A37-B267-6B83C9A249EB}" type="presParOf" srcId="{57487188-7927-45C0-BCA3-1CDCFB10FE3F}" destId="{DB2D89A2-5922-45A7-B441-BA0326DDACC5}" srcOrd="9" destOrd="0" presId="urn:microsoft.com/office/officeart/2005/8/layout/default"/>
-    <dgm:cxn modelId="{390ECE63-150A-427B-AC8D-025D1CEFDA18}" type="presParOf" srcId="{57487188-7927-45C0-BCA3-1CDCFB10FE3F}" destId="{628E8933-273D-456D-B479-837136817E38}" srcOrd="10" destOrd="0" presId="urn:microsoft.com/office/officeart/2005/8/layout/default"/>
-    <dgm:cxn modelId="{3A2962C4-C020-4B5A-8C98-04BC2E65652E}" type="presParOf" srcId="{57487188-7927-45C0-BCA3-1CDCFB10FE3F}" destId="{BF5D9C2F-EBB0-4002-8BA4-9001D7A3F087}" srcOrd="11" destOrd="0" presId="urn:microsoft.com/office/officeart/2005/8/layout/default"/>
-    <dgm:cxn modelId="{1B4B3CED-820D-46D4-85EA-A57AB27D26FF}" type="presParOf" srcId="{57487188-7927-45C0-BCA3-1CDCFB10FE3F}" destId="{02833BD8-4D0D-4A3B-AA3B-8A87A8A85DDA}" srcOrd="12" destOrd="0" presId="urn:microsoft.com/office/officeart/2005/8/layout/default"/>
-    <dgm:cxn modelId="{FBF0DFFF-75A4-4C56-B3D5-6096460EF5DE}" type="presParOf" srcId="{57487188-7927-45C0-BCA3-1CDCFB10FE3F}" destId="{955E1ED2-0C16-44CC-AFBB-A6B8AA6650DC}" srcOrd="13" destOrd="0" presId="urn:microsoft.com/office/officeart/2005/8/layout/default"/>
-    <dgm:cxn modelId="{785FF686-0B25-48AF-AC06-D90EA5281734}" type="presParOf" srcId="{57487188-7927-45C0-BCA3-1CDCFB10FE3F}" destId="{37CE10EA-0F23-42E0-BAB0-304F7127D1B9}" srcOrd="14" destOrd="0" presId="urn:microsoft.com/office/officeart/2005/8/layout/default"/>
-    <dgm:cxn modelId="{58849FF7-1EBF-4144-A628-BB777F2C2C91}" type="presParOf" srcId="{57487188-7927-45C0-BCA3-1CDCFB10FE3F}" destId="{1BA8D250-7C93-4486-98DB-B4B79EC6BA4F}" srcOrd="15" destOrd="0" presId="urn:microsoft.com/office/officeart/2005/8/layout/default"/>
-    <dgm:cxn modelId="{56BBA77C-BF43-4C1D-B2A7-AF001EA44DCF}" type="presParOf" srcId="{57487188-7927-45C0-BCA3-1CDCFB10FE3F}" destId="{054509D6-27B5-4A88-AFB2-C16DA3DD9EC4}" srcOrd="16" destOrd="0" presId="urn:microsoft.com/office/officeart/2005/8/layout/default"/>
+    <dgm:cxn modelId="{BD0E6ECF-0756-4E43-B39B-D70CF2FD41F7}" type="presParOf" srcId="{CAF2E2DC-97C4-4082-8A75-A423D7004EED}" destId="{DAF82F9C-F53F-4060-93B7-75706621C479}" srcOrd="0" destOrd="0" presId="urn:microsoft.com/office/officeart/2005/8/layout/vList5"/>
+    <dgm:cxn modelId="{27C95545-7BFF-4F57-9A56-B99F2A6DD66E}" type="presParOf" srcId="{DAF82F9C-F53F-4060-93B7-75706621C479}" destId="{15D01A8A-7C87-43F8-B992-F83F32D26091}" srcOrd="0" destOrd="0" presId="urn:microsoft.com/office/officeart/2005/8/layout/vList5"/>
+    <dgm:cxn modelId="{36C9F693-E7AD-42BC-BD90-0EB3BD92789E}" type="presParOf" srcId="{CAF2E2DC-97C4-4082-8A75-A423D7004EED}" destId="{80692AB9-1841-4C46-A5EF-3C89DC952259}" srcOrd="1" destOrd="0" presId="urn:microsoft.com/office/officeart/2005/8/layout/vList5"/>
+    <dgm:cxn modelId="{494D70D1-F4F9-4978-B2EE-B20C473BF654}" type="presParOf" srcId="{CAF2E2DC-97C4-4082-8A75-A423D7004EED}" destId="{42D4EA4C-F975-46CD-BB77-A3D359BEF5B8}" srcOrd="2" destOrd="0" presId="urn:microsoft.com/office/officeart/2005/8/layout/vList5"/>
+    <dgm:cxn modelId="{CE93C3F7-CF58-4CB3-B433-8BB4EC19892C}" type="presParOf" srcId="{42D4EA4C-F975-46CD-BB77-A3D359BEF5B8}" destId="{3EC1604E-C080-4F84-97D9-CE8437B4D85F}" srcOrd="0" destOrd="0" presId="urn:microsoft.com/office/officeart/2005/8/layout/vList5"/>
+    <dgm:cxn modelId="{62605A1C-4953-45F1-AC29-C549D349721A}" type="presParOf" srcId="{CAF2E2DC-97C4-4082-8A75-A423D7004EED}" destId="{95DE0000-0CEF-4C20-8951-27F19D481E5A}" srcOrd="3" destOrd="0" presId="urn:microsoft.com/office/officeart/2005/8/layout/vList5"/>
+    <dgm:cxn modelId="{D3A23BF6-E30C-4E85-A0F1-1A1A0CA23512}" type="presParOf" srcId="{CAF2E2DC-97C4-4082-8A75-A423D7004EED}" destId="{4ADA11E2-F7C1-42CA-9D41-431148E2154B}" srcOrd="4" destOrd="0" presId="urn:microsoft.com/office/officeart/2005/8/layout/vList5"/>
+    <dgm:cxn modelId="{F23E23E8-2F93-4230-9638-A9F1C9E73DF9}" type="presParOf" srcId="{4ADA11E2-F7C1-42CA-9D41-431148E2154B}" destId="{B7284F7D-7298-4C57-AAAC-A9277392B6B6}" srcOrd="0" destOrd="0" presId="urn:microsoft.com/office/officeart/2005/8/layout/vList5"/>
+    <dgm:cxn modelId="{E3BD898B-44FB-452D-BE61-6F5490DFE372}" type="presParOf" srcId="{4ADA11E2-F7C1-42CA-9D41-431148E2154B}" destId="{86C5CAFC-0A7E-4E16-8359-D90F3448A5F8}" srcOrd="1" destOrd="0" presId="urn:microsoft.com/office/officeart/2005/8/layout/vList5"/>
+    <dgm:cxn modelId="{DBCD33DF-9670-4F58-9C83-85E3093404FC}" type="presParOf" srcId="{CAF2E2DC-97C4-4082-8A75-A423D7004EED}" destId="{7B791669-D081-4914-A158-D492FD88CDB8}" srcOrd="5" destOrd="0" presId="urn:microsoft.com/office/officeart/2005/8/layout/vList5"/>
+    <dgm:cxn modelId="{C580C016-8DE2-4283-B3F8-2A258A07B210}" type="presParOf" srcId="{CAF2E2DC-97C4-4082-8A75-A423D7004EED}" destId="{8252E090-99E5-468C-AE93-346566B4C397}" srcOrd="6" destOrd="0" presId="urn:microsoft.com/office/officeart/2005/8/layout/vList5"/>
+    <dgm:cxn modelId="{D6DD0263-66A0-4C77-9B18-92A6B8DA258E}" type="presParOf" srcId="{8252E090-99E5-468C-AE93-346566B4C397}" destId="{1AB1E94E-F42C-4D60-8170-6E9E035DC841}" srcOrd="0" destOrd="0" presId="urn:microsoft.com/office/officeart/2005/8/layout/vList5"/>
+    <dgm:cxn modelId="{16E1E85A-4EB1-41DC-B714-90FA3E602B4A}" type="presParOf" srcId="{8252E090-99E5-468C-AE93-346566B4C397}" destId="{CAE79F2E-0750-443A-B43E-8328EF908498}" srcOrd="1" destOrd="0" presId="urn:microsoft.com/office/officeart/2005/8/layout/vList5"/>
+    <dgm:cxn modelId="{02CEFDDC-0DD6-4917-8F2C-B7232CB8ED07}" type="presParOf" srcId="{CAF2E2DC-97C4-4082-8A75-A423D7004EED}" destId="{6970C7BF-A1B7-4F46-B7C7-D6D023E13E8D}" srcOrd="7" destOrd="0" presId="urn:microsoft.com/office/officeart/2005/8/layout/vList5"/>
+    <dgm:cxn modelId="{C6F1B64E-97AE-43C4-9703-DE2611099B87}" type="presParOf" srcId="{CAF2E2DC-97C4-4082-8A75-A423D7004EED}" destId="{A21AA26A-C03E-40C6-8987-4B6CD33ED67C}" srcOrd="8" destOrd="0" presId="urn:microsoft.com/office/officeart/2005/8/layout/vList5"/>
+    <dgm:cxn modelId="{44DFD47F-D79C-41EC-B941-B4E25F78D69E}" type="presParOf" srcId="{A21AA26A-C03E-40C6-8987-4B6CD33ED67C}" destId="{5E41274E-C9A4-4473-B322-6843835D2F74}" srcOrd="0" destOrd="0" presId="urn:microsoft.com/office/officeart/2005/8/layout/vList5"/>
+    <dgm:cxn modelId="{EB34D6D1-6552-4182-AA13-FADB49372510}" type="presParOf" srcId="{A21AA26A-C03E-40C6-8987-4B6CD33ED67C}" destId="{1B5C82DC-56BB-4F08-8056-2005611DB7FF}" srcOrd="1" destOrd="0" presId="urn:microsoft.com/office/officeart/2005/8/layout/vList5"/>
+    <dgm:cxn modelId="{EA4E1870-0AE4-41E5-A368-7D311428BBFF}" type="presParOf" srcId="{CAF2E2DC-97C4-4082-8A75-A423D7004EED}" destId="{6727C106-2F21-4E24-98A2-E8C64CA576EB}" srcOrd="9" destOrd="0" presId="urn:microsoft.com/office/officeart/2005/8/layout/vList5"/>
+    <dgm:cxn modelId="{E88A78BD-F6A8-4D4E-8D42-03D96542FEF2}" type="presParOf" srcId="{CAF2E2DC-97C4-4082-8A75-A423D7004EED}" destId="{CC5C8B04-373C-43B2-937C-A1DBC37F0D39}" srcOrd="10" destOrd="0" presId="urn:microsoft.com/office/officeart/2005/8/layout/vList5"/>
+    <dgm:cxn modelId="{FBAD6CBC-3330-4686-948B-4013DEAAA70F}" type="presParOf" srcId="{CC5C8B04-373C-43B2-937C-A1DBC37F0D39}" destId="{568365F3-D18D-408F-9812-7A0C8BB2A697}" srcOrd="0" destOrd="0" presId="urn:microsoft.com/office/officeart/2005/8/layout/vList5"/>
+    <dgm:cxn modelId="{5775D79F-2FC8-4283-A2DA-1F508E8FBBFF}" type="presParOf" srcId="{CAF2E2DC-97C4-4082-8A75-A423D7004EED}" destId="{3378433C-5F0F-4BB6-8429-539F5DE59A46}" srcOrd="11" destOrd="0" presId="urn:microsoft.com/office/officeart/2005/8/layout/vList5"/>
+    <dgm:cxn modelId="{20DB6B1B-525D-4ED4-AE5A-0C580941E86C}" type="presParOf" srcId="{CAF2E2DC-97C4-4082-8A75-A423D7004EED}" destId="{0F576E11-D0CC-4038-B868-28DFA564E280}" srcOrd="12" destOrd="0" presId="urn:microsoft.com/office/officeart/2005/8/layout/vList5"/>
+    <dgm:cxn modelId="{2ACE2924-4F19-4E3F-B2A7-76F2B586F178}" type="presParOf" srcId="{0F576E11-D0CC-4038-B868-28DFA564E280}" destId="{97DC52EE-45B8-4BF3-8029-FF2AB02E915E}" srcOrd="0" destOrd="0" presId="urn:microsoft.com/office/officeart/2005/8/layout/vList5"/>
+    <dgm:cxn modelId="{BFF284C7-6249-4273-964E-C9675773D8CC}" type="presParOf" srcId="{CAF2E2DC-97C4-4082-8A75-A423D7004EED}" destId="{CDB941CC-8B73-4F87-AAD7-5FFD50A0350F}" srcOrd="13" destOrd="0" presId="urn:microsoft.com/office/officeart/2005/8/layout/vList5"/>
+    <dgm:cxn modelId="{87E354C8-CE51-49FE-B4DC-F22D7042BB31}" type="presParOf" srcId="{CAF2E2DC-97C4-4082-8A75-A423D7004EED}" destId="{D4825F53-0969-4421-9D6B-59027E9F7C62}" srcOrd="14" destOrd="0" presId="urn:microsoft.com/office/officeart/2005/8/layout/vList5"/>
+    <dgm:cxn modelId="{DCC7AE16-0334-4DBA-8DC0-83C043966ABA}" type="presParOf" srcId="{D4825F53-0969-4421-9D6B-59027E9F7C62}" destId="{A888EC9B-F0FF-4046-A998-C746C35AE8E3}" srcOrd="0" destOrd="0" presId="urn:microsoft.com/office/officeart/2005/8/layout/vList5"/>
+    <dgm:cxn modelId="{FC8435BB-E7EC-4125-A5CE-651FA82A44E8}" type="presParOf" srcId="{CAF2E2DC-97C4-4082-8A75-A423D7004EED}" destId="{03EC7C39-3703-47BC-ACBE-57ABED3362EF}" srcOrd="15" destOrd="0" presId="urn:microsoft.com/office/officeart/2005/8/layout/vList5"/>
+    <dgm:cxn modelId="{5A9CE3D6-1EDA-47FA-B65B-D75A11211521}" type="presParOf" srcId="{CAF2E2DC-97C4-4082-8A75-A423D7004EED}" destId="{9F69DB5D-EFB4-42D4-AD22-D922F2D72D3F}" srcOrd="16" destOrd="0" presId="urn:microsoft.com/office/officeart/2005/8/layout/vList5"/>
+    <dgm:cxn modelId="{99113065-FE5C-4A9F-8BB3-FCBB3AE0C134}" type="presParOf" srcId="{9F69DB5D-EFB4-42D4-AD22-D922F2D72D3F}" destId="{2F688F1D-755B-4318-955B-30124BFCA08D}" srcOrd="0" destOrd="0" presId="urn:microsoft.com/office/officeart/2005/8/layout/vList5"/>
   </dgm:cxnLst>
   <dgm:bg/>
   <dgm:whole/>
   <dgm:extLst>
     <a:ext uri="http://schemas.microsoft.com/office/drawing/2008/diagram">
-      <dsp:dataModelExt xmlns:dsp="http://schemas.microsoft.com/office/drawing/2008/diagram" relId="rId12" minVer="http://schemas.openxmlformats.org/drawingml/2006/diagram"/>
+      <dsp:dataModelExt xmlns:dsp="http://schemas.microsoft.com/office/drawing/2008/diagram" relId="rId11" minVer="http://schemas.openxmlformats.org/drawingml/2006/diagram"/>
     </a:ext>
   </dgm:extLst>
 </dgm:dataModel>
@@ -4270,15 +4860,94 @@
       <dsp:cNvGrpSpPr/>
     </dsp:nvGrpSpPr>
     <dsp:grpSpPr/>
-    <dsp:sp modelId="{347CB2D3-3F9D-4C45-80E7-275DACFCA253}">
+    <dsp:sp modelId="{E56BE632-FACB-4914-94FC-CA9F2D61421C}">
       <dsp:nvSpPr>
         <dsp:cNvPr id="0" name=""/>
         <dsp:cNvSpPr/>
       </dsp:nvSpPr>
       <dsp:spPr>
         <a:xfrm>
-          <a:off x="1739760" y="422"/>
-          <a:ext cx="6959040" cy="549709"/>
+          <a:off x="1739760" y="415"/>
+          <a:ext cx="6959040" cy="540318"/>
+        </a:xfrm>
+        <a:prstGeom prst="rect">
+          <a:avLst/>
+        </a:prstGeom>
+        <a:solidFill>
+          <a:schemeClr val="accent1">
+            <a:alpha val="90000"/>
+            <a:tint val="40000"/>
+            <a:hueOff val="0"/>
+            <a:satOff val="0"/>
+            <a:lumOff val="0"/>
+            <a:alphaOff val="0"/>
+          </a:schemeClr>
+        </a:solidFill>
+        <a:ln w="19050" cap="rnd" cmpd="sng" algn="ctr">
+          <a:solidFill>
+            <a:schemeClr val="accent1">
+              <a:alpha val="90000"/>
+              <a:tint val="40000"/>
+              <a:hueOff val="0"/>
+              <a:satOff val="0"/>
+              <a:lumOff val="0"/>
+              <a:alphaOff val="0"/>
+            </a:schemeClr>
+          </a:solidFill>
+          <a:prstDash val="solid"/>
+        </a:ln>
+        <a:effectLst/>
+      </dsp:spPr>
+      <dsp:style>
+        <a:lnRef idx="2">
+          <a:scrgbClr r="0" g="0" b="0"/>
+        </a:lnRef>
+        <a:fillRef idx="1">
+          <a:scrgbClr r="0" g="0" b="0"/>
+        </a:fillRef>
+        <a:effectRef idx="0">
+          <a:scrgbClr r="0" g="0" b="0"/>
+        </a:effectRef>
+        <a:fontRef idx="minor"/>
+      </dsp:style>
+      <dsp:txBody>
+        <a:bodyPr spcFirstLastPara="0" vert="horz" wrap="square" lIns="135025" tIns="137241" rIns="135025" bIns="137241" numCol="1" spcCol="1270" anchor="ctr" anchorCtr="0">
+          <a:noAutofit/>
+        </a:bodyPr>
+        <a:lstStyle/>
+        <a:p>
+          <a:pPr marL="0" lvl="0" indent="0" algn="l" defTabSz="488950">
+            <a:lnSpc>
+              <a:spcPct val="90000"/>
+            </a:lnSpc>
+            <a:spcBef>
+              <a:spcPct val="0"/>
+            </a:spcBef>
+            <a:spcAft>
+              <a:spcPct val="35000"/>
+            </a:spcAft>
+            <a:buNone/>
+          </a:pPr>
+          <a:r>
+            <a:rPr lang="en-US" sz="1100" kern="1200"/>
+            <a:t>List of features offered by the solution are:</a:t>
+          </a:r>
+        </a:p>
+      </dsp:txBody>
+      <dsp:txXfrm>
+        <a:off x="1739760" y="415"/>
+        <a:ext cx="6959040" cy="540318"/>
+      </dsp:txXfrm>
+    </dsp:sp>
+    <dsp:sp modelId="{455D10B3-F060-4EF0-86C9-8EE11A31D11E}">
+      <dsp:nvSpPr>
+        <dsp:cNvPr id="0" name=""/>
+        <dsp:cNvSpPr/>
+      </dsp:nvSpPr>
+      <dsp:spPr>
+        <a:xfrm>
+          <a:off x="0" y="415"/>
+          <a:ext cx="1739760" cy="540318"/>
         </a:xfrm>
         <a:prstGeom prst="rect">
           <a:avLst/>
@@ -4319,12 +4988,12 @@
         </a:fontRef>
       </dsp:style>
       <dsp:txBody>
-        <a:bodyPr spcFirstLastPara="0" vert="horz" wrap="square" lIns="135025" tIns="139626" rIns="135025" bIns="139626" numCol="1" spcCol="1270" anchor="ctr" anchorCtr="0">
+        <a:bodyPr spcFirstLastPara="0" vert="horz" wrap="square" lIns="92062" tIns="53371" rIns="92062" bIns="53371" numCol="1" spcCol="1270" anchor="ctr" anchorCtr="0">
           <a:noAutofit/>
         </a:bodyPr>
         <a:lstStyle/>
         <a:p>
-          <a:pPr marL="0" lvl="0" indent="0" algn="l" defTabSz="488950">
+          <a:pPr marL="0" lvl="0" indent="0" algn="ctr" defTabSz="622300">
             <a:lnSpc>
               <a:spcPct val="90000"/>
             </a:lnSpc>
@@ -4337,31 +5006,33 @@
             <a:buNone/>
           </a:pPr>
           <a:r>
-            <a:rPr lang="en-US" sz="1100" kern="1200"/>
-            <a:t>List of features offered by the solution are:</a:t>
+            <a:rPr lang="en-US" sz="1400" kern="1200"/>
+            <a:t>List</a:t>
           </a:r>
         </a:p>
       </dsp:txBody>
       <dsp:txXfrm>
-        <a:off x="1739760" y="422"/>
-        <a:ext cx="6959040" cy="549709"/>
+        <a:off x="0" y="415"/>
+        <a:ext cx="1739760" cy="540318"/>
       </dsp:txXfrm>
     </dsp:sp>
-    <dsp:sp modelId="{A5E67789-9B65-476F-9494-E664C12DC7DB}">
+    <dsp:sp modelId="{C6F2EDCB-FDB6-4C2C-BD5C-6D0DF309F609}">
       <dsp:nvSpPr>
         <dsp:cNvPr id="0" name=""/>
         <dsp:cNvSpPr/>
       </dsp:nvSpPr>
       <dsp:spPr>
         <a:xfrm>
-          <a:off x="0" y="422"/>
-          <a:ext cx="1739760" cy="549709"/>
+          <a:off x="1739760" y="573153"/>
+          <a:ext cx="6959040" cy="540318"/>
         </a:xfrm>
         <a:prstGeom prst="rect">
           <a:avLst/>
         </a:prstGeom>
         <a:solidFill>
-          <a:schemeClr val="lt1">
+          <a:schemeClr val="accent1">
+            <a:alpha val="90000"/>
+            <a:tint val="40000"/>
             <a:hueOff val="0"/>
             <a:satOff val="0"/>
             <a:lumOff val="0"/>
@@ -4371,6 +5042,8 @@
         <a:ln w="19050" cap="rnd" cmpd="sng" algn="ctr">
           <a:solidFill>
             <a:schemeClr val="accent1">
+              <a:alpha val="90000"/>
+              <a:tint val="40000"/>
               <a:hueOff val="0"/>
               <a:satOff val="0"/>
               <a:lumOff val="0"/>
@@ -4394,12 +5067,12 @@
         <a:fontRef idx="minor"/>
       </dsp:style>
       <dsp:txBody>
-        <a:bodyPr spcFirstLastPara="0" vert="horz" wrap="square" lIns="92062" tIns="54299" rIns="92062" bIns="54299" numCol="1" spcCol="1270" anchor="ctr" anchorCtr="0">
+        <a:bodyPr spcFirstLastPara="0" vert="horz" wrap="square" lIns="135025" tIns="137241" rIns="135025" bIns="137241" numCol="1" spcCol="1270" anchor="ctr" anchorCtr="0">
           <a:noAutofit/>
         </a:bodyPr>
         <a:lstStyle/>
         <a:p>
-          <a:pPr marL="0" lvl="0" indent="0" algn="ctr" defTabSz="622300">
+          <a:pPr marL="0" lvl="0" indent="0" algn="l" defTabSz="488950">
             <a:lnSpc>
               <a:spcPct val="90000"/>
             </a:lnSpc>
@@ -4412,25 +5085,25 @@
             <a:buNone/>
           </a:pPr>
           <a:r>
-            <a:rPr lang="en-US" sz="1400" kern="1200"/>
-            <a:t>List</a:t>
+            <a:rPr lang="en-US" sz="1100" kern="1200"/>
+            <a:t>Network Scanning: Scan networks for open ports, services, and vulnerabilities like weak passwords and misconfigurations. </a:t>
           </a:r>
         </a:p>
       </dsp:txBody>
       <dsp:txXfrm>
-        <a:off x="0" y="422"/>
-        <a:ext cx="1739760" cy="549709"/>
+        <a:off x="1739760" y="573153"/>
+        <a:ext cx="6959040" cy="540318"/>
       </dsp:txXfrm>
     </dsp:sp>
-    <dsp:sp modelId="{DFD9BE91-42E0-4728-B6D4-5B20E410AA0A}">
+    <dsp:sp modelId="{C799B528-5F41-4F78-9B26-347737DDFB36}">
       <dsp:nvSpPr>
         <dsp:cNvPr id="0" name=""/>
         <dsp:cNvSpPr/>
       </dsp:nvSpPr>
       <dsp:spPr>
         <a:xfrm>
-          <a:off x="1739760" y="583114"/>
-          <a:ext cx="6959040" cy="549709"/>
+          <a:off x="0" y="573153"/>
+          <a:ext cx="1739760" cy="540318"/>
         </a:xfrm>
         <a:prstGeom prst="rect">
           <a:avLst/>
@@ -4471,12 +5144,12 @@
         </a:fontRef>
       </dsp:style>
       <dsp:txBody>
-        <a:bodyPr spcFirstLastPara="0" vert="horz" wrap="square" lIns="135025" tIns="139626" rIns="135025" bIns="139626" numCol="1" spcCol="1270" anchor="ctr" anchorCtr="0">
+        <a:bodyPr spcFirstLastPara="0" vert="horz" wrap="square" lIns="92062" tIns="53371" rIns="92062" bIns="53371" numCol="1" spcCol="1270" anchor="ctr" anchorCtr="0">
           <a:noAutofit/>
         </a:bodyPr>
         <a:lstStyle/>
         <a:p>
-          <a:pPr marL="0" lvl="0" indent="0" algn="l" defTabSz="488950">
+          <a:pPr marL="0" lvl="0" indent="0" algn="ctr" defTabSz="622300">
             <a:lnSpc>
               <a:spcPct val="90000"/>
             </a:lnSpc>
@@ -4489,31 +5162,33 @@
             <a:buNone/>
           </a:pPr>
           <a:r>
-            <a:rPr lang="en-US" sz="1100" kern="1200"/>
-            <a:t>Network Scanning: Scan networks for open ports, services, and vulnerabilities like weak passwords and misconfigurations. </a:t>
+            <a:rPr lang="en-US" sz="1400" kern="1200"/>
+            <a:t>Scanning</a:t>
           </a:r>
         </a:p>
       </dsp:txBody>
       <dsp:txXfrm>
-        <a:off x="1739760" y="583114"/>
-        <a:ext cx="6959040" cy="549709"/>
+        <a:off x="0" y="573153"/>
+        <a:ext cx="1739760" cy="540318"/>
       </dsp:txXfrm>
     </dsp:sp>
-    <dsp:sp modelId="{6626D5EC-654B-4FA5-BB0B-C7D2A4A4F9F1}">
+    <dsp:sp modelId="{F72E9FF0-914C-4FF4-BCCB-CD50F1681F25}">
       <dsp:nvSpPr>
         <dsp:cNvPr id="0" name=""/>
         <dsp:cNvSpPr/>
       </dsp:nvSpPr>
       <dsp:spPr>
         <a:xfrm>
-          <a:off x="0" y="583114"/>
-          <a:ext cx="1739760" cy="549709"/>
+          <a:off x="1739760" y="1145891"/>
+          <a:ext cx="6959040" cy="540318"/>
         </a:xfrm>
         <a:prstGeom prst="rect">
           <a:avLst/>
         </a:prstGeom>
         <a:solidFill>
-          <a:schemeClr val="lt1">
+          <a:schemeClr val="accent1">
+            <a:alpha val="90000"/>
+            <a:tint val="40000"/>
             <a:hueOff val="0"/>
             <a:satOff val="0"/>
             <a:lumOff val="0"/>
@@ -4523,6 +5198,8 @@
         <a:ln w="19050" cap="rnd" cmpd="sng" algn="ctr">
           <a:solidFill>
             <a:schemeClr val="accent1">
+              <a:alpha val="90000"/>
+              <a:tint val="40000"/>
               <a:hueOff val="0"/>
               <a:satOff val="0"/>
               <a:lumOff val="0"/>
@@ -4546,12 +5223,12 @@
         <a:fontRef idx="minor"/>
       </dsp:style>
       <dsp:txBody>
-        <a:bodyPr spcFirstLastPara="0" vert="horz" wrap="square" lIns="92062" tIns="54299" rIns="92062" bIns="54299" numCol="1" spcCol="1270" anchor="ctr" anchorCtr="0">
+        <a:bodyPr spcFirstLastPara="0" vert="horz" wrap="square" lIns="135025" tIns="137241" rIns="135025" bIns="137241" numCol="1" spcCol="1270" anchor="ctr" anchorCtr="0">
           <a:noAutofit/>
         </a:bodyPr>
         <a:lstStyle/>
         <a:p>
-          <a:pPr marL="0" lvl="0" indent="0" algn="ctr" defTabSz="622300">
+          <a:pPr marL="0" lvl="0" indent="0" algn="l" defTabSz="488950">
             <a:lnSpc>
               <a:spcPct val="90000"/>
             </a:lnSpc>
@@ -4564,25 +5241,25 @@
             <a:buNone/>
           </a:pPr>
           <a:r>
-            <a:rPr lang="en-US" sz="1400" kern="1200"/>
-            <a:t>Scanning</a:t>
+            <a:rPr lang="en-US" sz="1100" kern="1200"/>
+            <a:t>Web Application Scanning: Identify vulnerabilities in web applications, such as SQL injection, cross-site scripting (XSS), and insecure authentication. </a:t>
           </a:r>
         </a:p>
       </dsp:txBody>
       <dsp:txXfrm>
-        <a:off x="0" y="583114"/>
-        <a:ext cx="1739760" cy="549709"/>
+        <a:off x="1739760" y="1145891"/>
+        <a:ext cx="6959040" cy="540318"/>
       </dsp:txXfrm>
     </dsp:sp>
-    <dsp:sp modelId="{550588AA-9056-4432-876F-80DE24C2016F}">
+    <dsp:sp modelId="{8EAD2BDF-5C8F-4DEC-983F-F81BECEAA51C}">
       <dsp:nvSpPr>
         <dsp:cNvPr id="0" name=""/>
         <dsp:cNvSpPr/>
       </dsp:nvSpPr>
       <dsp:spPr>
         <a:xfrm>
-          <a:off x="1739760" y="1165806"/>
-          <a:ext cx="6959040" cy="549709"/>
+          <a:off x="0" y="1145891"/>
+          <a:ext cx="1739760" cy="540318"/>
         </a:xfrm>
         <a:prstGeom prst="rect">
           <a:avLst/>
@@ -4623,12 +5300,12 @@
         </a:fontRef>
       </dsp:style>
       <dsp:txBody>
-        <a:bodyPr spcFirstLastPara="0" vert="horz" wrap="square" lIns="135025" tIns="139626" rIns="135025" bIns="139626" numCol="1" spcCol="1270" anchor="ctr" anchorCtr="0">
+        <a:bodyPr spcFirstLastPara="0" vert="horz" wrap="square" lIns="92062" tIns="53371" rIns="92062" bIns="53371" numCol="1" spcCol="1270" anchor="ctr" anchorCtr="0">
           <a:noAutofit/>
         </a:bodyPr>
         <a:lstStyle/>
         <a:p>
-          <a:pPr marL="0" lvl="0" indent="0" algn="l" defTabSz="488950">
+          <a:pPr marL="0" lvl="0" indent="0" algn="ctr" defTabSz="622300">
             <a:lnSpc>
               <a:spcPct val="90000"/>
             </a:lnSpc>
@@ -4641,31 +5318,33 @@
             <a:buNone/>
           </a:pPr>
           <a:r>
-            <a:rPr lang="en-US" sz="1100" kern="1200"/>
-            <a:t>Web Application Scanning: Identify vulnerabilities in web applications, such as SQL injection, cross-site scripting (XSS), and insecure authentication. </a:t>
+            <a:rPr lang="en-US" sz="1400" kern="1200"/>
+            <a:t>Web</a:t>
           </a:r>
         </a:p>
       </dsp:txBody>
       <dsp:txXfrm>
-        <a:off x="1739760" y="1165806"/>
-        <a:ext cx="6959040" cy="549709"/>
+        <a:off x="0" y="1145891"/>
+        <a:ext cx="1739760" cy="540318"/>
       </dsp:txXfrm>
     </dsp:sp>
-    <dsp:sp modelId="{A04DF8BE-5A9F-4783-BF64-BC87E2E77501}">
+    <dsp:sp modelId="{6F39092E-A901-40D8-932C-9AF8CD05A70E}">
       <dsp:nvSpPr>
         <dsp:cNvPr id="0" name=""/>
         <dsp:cNvSpPr/>
       </dsp:nvSpPr>
       <dsp:spPr>
         <a:xfrm>
-          <a:off x="0" y="1165806"/>
-          <a:ext cx="1739760" cy="549709"/>
+          <a:off x="1739760" y="1718629"/>
+          <a:ext cx="6959040" cy="540318"/>
         </a:xfrm>
         <a:prstGeom prst="rect">
           <a:avLst/>
         </a:prstGeom>
         <a:solidFill>
-          <a:schemeClr val="lt1">
+          <a:schemeClr val="accent1">
+            <a:alpha val="90000"/>
+            <a:tint val="40000"/>
             <a:hueOff val="0"/>
             <a:satOff val="0"/>
             <a:lumOff val="0"/>
@@ -4675,6 +5354,8 @@
         <a:ln w="19050" cap="rnd" cmpd="sng" algn="ctr">
           <a:solidFill>
             <a:schemeClr val="accent1">
+              <a:alpha val="90000"/>
+              <a:tint val="40000"/>
               <a:hueOff val="0"/>
               <a:satOff val="0"/>
               <a:lumOff val="0"/>
@@ -4698,12 +5379,12 @@
         <a:fontRef idx="minor"/>
       </dsp:style>
       <dsp:txBody>
-        <a:bodyPr spcFirstLastPara="0" vert="horz" wrap="square" lIns="92062" tIns="54299" rIns="92062" bIns="54299" numCol="1" spcCol="1270" anchor="ctr" anchorCtr="0">
+        <a:bodyPr spcFirstLastPara="0" vert="horz" wrap="square" lIns="135025" tIns="137241" rIns="135025" bIns="137241" numCol="1" spcCol="1270" anchor="ctr" anchorCtr="0">
           <a:noAutofit/>
         </a:bodyPr>
         <a:lstStyle/>
         <a:p>
-          <a:pPr marL="0" lvl="0" indent="0" algn="ctr" defTabSz="622300">
+          <a:pPr marL="0" lvl="0" indent="0" algn="l" defTabSz="488950">
             <a:lnSpc>
               <a:spcPct val="90000"/>
             </a:lnSpc>
@@ -4716,25 +5397,25 @@
             <a:buNone/>
           </a:pPr>
           <a:r>
-            <a:rPr lang="en-US" sz="1400" kern="1200"/>
-            <a:t>Web</a:t>
+            <a:rPr lang="en-US" sz="1100" kern="1200"/>
+            <a:t>System and Software Scanning: Detect outdated software, missing patches, and other system-level vulnerabilities. </a:t>
           </a:r>
         </a:p>
       </dsp:txBody>
       <dsp:txXfrm>
-        <a:off x="0" y="1165806"/>
-        <a:ext cx="1739760" cy="549709"/>
+        <a:off x="1739760" y="1718629"/>
+        <a:ext cx="6959040" cy="540318"/>
       </dsp:txXfrm>
     </dsp:sp>
-    <dsp:sp modelId="{F166F8F8-AD4B-454E-A4F9-D6FC873E56C5}">
+    <dsp:sp modelId="{B381387C-22C0-489D-99F0-7BDFCCE1FAEF}">
       <dsp:nvSpPr>
         <dsp:cNvPr id="0" name=""/>
         <dsp:cNvSpPr/>
       </dsp:nvSpPr>
       <dsp:spPr>
         <a:xfrm>
-          <a:off x="1739760" y="1748498"/>
-          <a:ext cx="6959040" cy="549709"/>
+          <a:off x="0" y="1718629"/>
+          <a:ext cx="1739760" cy="540318"/>
         </a:xfrm>
         <a:prstGeom prst="rect">
           <a:avLst/>
@@ -4775,12 +5456,12 @@
         </a:fontRef>
       </dsp:style>
       <dsp:txBody>
-        <a:bodyPr spcFirstLastPara="0" vert="horz" wrap="square" lIns="135025" tIns="139626" rIns="135025" bIns="139626" numCol="1" spcCol="1270" anchor="ctr" anchorCtr="0">
+        <a:bodyPr spcFirstLastPara="0" vert="horz" wrap="square" lIns="92062" tIns="53371" rIns="92062" bIns="53371" numCol="1" spcCol="1270" anchor="ctr" anchorCtr="0">
           <a:noAutofit/>
         </a:bodyPr>
         <a:lstStyle/>
         <a:p>
-          <a:pPr marL="0" lvl="0" indent="0" algn="l" defTabSz="488950">
+          <a:pPr marL="0" lvl="0" indent="0" algn="ctr" defTabSz="622300">
             <a:lnSpc>
               <a:spcPct val="90000"/>
             </a:lnSpc>
@@ -4793,31 +5474,33 @@
             <a:buNone/>
           </a:pPr>
           <a:r>
-            <a:rPr lang="en-US" sz="1100" kern="1200"/>
-            <a:t>System and Software Scanning: Detect outdated software, missing patches, and other system-level vulnerabilities. </a:t>
+            <a:rPr lang="en-US" sz="1400" kern="1200"/>
+            <a:t>Detect</a:t>
           </a:r>
         </a:p>
       </dsp:txBody>
       <dsp:txXfrm>
-        <a:off x="1739760" y="1748498"/>
-        <a:ext cx="6959040" cy="549709"/>
+        <a:off x="0" y="1718629"/>
+        <a:ext cx="1739760" cy="540318"/>
       </dsp:txXfrm>
     </dsp:sp>
-    <dsp:sp modelId="{70D05D24-F8D5-46B9-A8AD-FE2DEF32790B}">
+    <dsp:sp modelId="{E578C607-76E1-4976-8A5C-B2AE7461E47D}">
       <dsp:nvSpPr>
         <dsp:cNvPr id="0" name=""/>
         <dsp:cNvSpPr/>
       </dsp:nvSpPr>
       <dsp:spPr>
         <a:xfrm>
-          <a:off x="0" y="1748498"/>
-          <a:ext cx="1739760" cy="549709"/>
+          <a:off x="1739760" y="2291366"/>
+          <a:ext cx="6959040" cy="540318"/>
         </a:xfrm>
         <a:prstGeom prst="rect">
           <a:avLst/>
         </a:prstGeom>
         <a:solidFill>
-          <a:schemeClr val="lt1">
+          <a:schemeClr val="accent1">
+            <a:alpha val="90000"/>
+            <a:tint val="40000"/>
             <a:hueOff val="0"/>
             <a:satOff val="0"/>
             <a:lumOff val="0"/>
@@ -4827,6 +5510,8 @@
         <a:ln w="19050" cap="rnd" cmpd="sng" algn="ctr">
           <a:solidFill>
             <a:schemeClr val="accent1">
+              <a:alpha val="90000"/>
+              <a:tint val="40000"/>
               <a:hueOff val="0"/>
               <a:satOff val="0"/>
               <a:lumOff val="0"/>
@@ -4850,12 +5535,12 @@
         <a:fontRef idx="minor"/>
       </dsp:style>
       <dsp:txBody>
-        <a:bodyPr spcFirstLastPara="0" vert="horz" wrap="square" lIns="92062" tIns="54299" rIns="92062" bIns="54299" numCol="1" spcCol="1270" anchor="ctr" anchorCtr="0">
+        <a:bodyPr spcFirstLastPara="0" vert="horz" wrap="square" lIns="135025" tIns="137241" rIns="135025" bIns="137241" numCol="1" spcCol="1270" anchor="ctr" anchorCtr="0">
           <a:noAutofit/>
         </a:bodyPr>
         <a:lstStyle/>
         <a:p>
-          <a:pPr marL="0" lvl="0" indent="0" algn="ctr" defTabSz="622300">
+          <a:pPr marL="0" lvl="0" indent="0" algn="l" defTabSz="488950">
             <a:lnSpc>
               <a:spcPct val="90000"/>
             </a:lnSpc>
@@ -4868,25 +5553,25 @@
             <a:buNone/>
           </a:pPr>
           <a:r>
-            <a:rPr lang="en-US" sz="1400" kern="1200"/>
-            <a:t>Detect</a:t>
+            <a:rPr lang="en-US" sz="1100" kern="1200"/>
+            <a:t>Vulnerability Database: Maintain a comprehensive and up-to-date vulnerability database to ensure accurate detection. </a:t>
           </a:r>
         </a:p>
       </dsp:txBody>
       <dsp:txXfrm>
-        <a:off x="0" y="1748498"/>
-        <a:ext cx="1739760" cy="549709"/>
+        <a:off x="1739760" y="2291366"/>
+        <a:ext cx="6959040" cy="540318"/>
       </dsp:txXfrm>
     </dsp:sp>
-    <dsp:sp modelId="{F3F3C8AE-FAA7-41E3-A552-3C302682CD0E}">
+    <dsp:sp modelId="{60B4AB67-D21D-49CE-B0C2-4672237A6E88}">
       <dsp:nvSpPr>
         <dsp:cNvPr id="0" name=""/>
         <dsp:cNvSpPr/>
       </dsp:nvSpPr>
       <dsp:spPr>
         <a:xfrm>
-          <a:off x="1739760" y="2331190"/>
-          <a:ext cx="6959040" cy="549709"/>
+          <a:off x="0" y="2291366"/>
+          <a:ext cx="1739760" cy="540318"/>
         </a:xfrm>
         <a:prstGeom prst="rect">
           <a:avLst/>
@@ -4927,12 +5612,12 @@
         </a:fontRef>
       </dsp:style>
       <dsp:txBody>
-        <a:bodyPr spcFirstLastPara="0" vert="horz" wrap="square" lIns="135025" tIns="139626" rIns="135025" bIns="139626" numCol="1" spcCol="1270" anchor="ctr" anchorCtr="0">
+        <a:bodyPr spcFirstLastPara="0" vert="horz" wrap="square" lIns="92062" tIns="53371" rIns="92062" bIns="53371" numCol="1" spcCol="1270" anchor="ctr" anchorCtr="0">
           <a:noAutofit/>
         </a:bodyPr>
         <a:lstStyle/>
         <a:p>
-          <a:pPr marL="0" lvl="0" indent="0" algn="l" defTabSz="488950">
+          <a:pPr marL="0" lvl="0" indent="0" algn="ctr" defTabSz="622300">
             <a:lnSpc>
               <a:spcPct val="90000"/>
             </a:lnSpc>
@@ -4945,31 +5630,33 @@
             <a:buNone/>
           </a:pPr>
           <a:r>
-            <a:rPr lang="en-US" sz="1100" kern="1200"/>
-            <a:t>Vulnerability Database: Maintain a comprehensive and up-to-date vulnerability database to ensure accurate detection. </a:t>
+            <a:rPr lang="en-US" sz="1400" kern="1200"/>
+            <a:t>Maintain</a:t>
           </a:r>
         </a:p>
       </dsp:txBody>
       <dsp:txXfrm>
-        <a:off x="1739760" y="2331190"/>
-        <a:ext cx="6959040" cy="549709"/>
+        <a:off x="0" y="2291366"/>
+        <a:ext cx="1739760" cy="540318"/>
       </dsp:txXfrm>
     </dsp:sp>
-    <dsp:sp modelId="{F4D4707E-A18E-4870-B0B2-B24C5D3A4651}">
+    <dsp:sp modelId="{195E18B3-0EC2-4A1A-96F6-31001DFCFA3F}">
       <dsp:nvSpPr>
         <dsp:cNvPr id="0" name=""/>
         <dsp:cNvSpPr/>
       </dsp:nvSpPr>
       <dsp:spPr>
         <a:xfrm>
-          <a:off x="0" y="2331190"/>
-          <a:ext cx="1739760" cy="549709"/>
+          <a:off x="1739760" y="2864104"/>
+          <a:ext cx="6959040" cy="540318"/>
         </a:xfrm>
         <a:prstGeom prst="rect">
           <a:avLst/>
         </a:prstGeom>
         <a:solidFill>
-          <a:schemeClr val="lt1">
+          <a:schemeClr val="accent1">
+            <a:alpha val="90000"/>
+            <a:tint val="40000"/>
             <a:hueOff val="0"/>
             <a:satOff val="0"/>
             <a:lumOff val="0"/>
@@ -4979,6 +5666,8 @@
         <a:ln w="19050" cap="rnd" cmpd="sng" algn="ctr">
           <a:solidFill>
             <a:schemeClr val="accent1">
+              <a:alpha val="90000"/>
+              <a:tint val="40000"/>
               <a:hueOff val="0"/>
               <a:satOff val="0"/>
               <a:lumOff val="0"/>
@@ -5002,12 +5691,12 @@
         <a:fontRef idx="minor"/>
       </dsp:style>
       <dsp:txBody>
-        <a:bodyPr spcFirstLastPara="0" vert="horz" wrap="square" lIns="92062" tIns="54299" rIns="92062" bIns="54299" numCol="1" spcCol="1270" anchor="ctr" anchorCtr="0">
+        <a:bodyPr spcFirstLastPara="0" vert="horz" wrap="square" lIns="135025" tIns="137241" rIns="135025" bIns="137241" numCol="1" spcCol="1270" anchor="ctr" anchorCtr="0">
           <a:noAutofit/>
         </a:bodyPr>
         <a:lstStyle/>
         <a:p>
-          <a:pPr marL="0" lvl="0" indent="0" algn="ctr" defTabSz="622300">
+          <a:pPr marL="0" lvl="0" indent="0" algn="l" defTabSz="488950">
             <a:lnSpc>
               <a:spcPct val="90000"/>
             </a:lnSpc>
@@ -5020,25 +5709,25 @@
             <a:buNone/>
           </a:pPr>
           <a:r>
-            <a:rPr lang="en-US" sz="1400" kern="1200"/>
-            <a:t>Maintain</a:t>
+            <a:rPr lang="en-US" sz="1100" kern="1200"/>
+            <a:t>Reporting and Alerting: Generate detailed reports on identified vulnerabilities, including severity, potential impact, and remediation recommendation.</a:t>
           </a:r>
         </a:p>
       </dsp:txBody>
       <dsp:txXfrm>
-        <a:off x="0" y="2331190"/>
-        <a:ext cx="1739760" cy="549709"/>
+        <a:off x="1739760" y="2864104"/>
+        <a:ext cx="6959040" cy="540318"/>
       </dsp:txXfrm>
     </dsp:sp>
-    <dsp:sp modelId="{45BBAAEA-658F-4308-BE86-E844E94F061C}">
+    <dsp:sp modelId="{407D839B-B6D0-4151-B502-E1F31EF1101C}">
       <dsp:nvSpPr>
         <dsp:cNvPr id="0" name=""/>
         <dsp:cNvSpPr/>
       </dsp:nvSpPr>
       <dsp:spPr>
         <a:xfrm>
-          <a:off x="1739760" y="2913882"/>
-          <a:ext cx="6959040" cy="549709"/>
+          <a:off x="0" y="2864104"/>
+          <a:ext cx="1739760" cy="540318"/>
         </a:xfrm>
         <a:prstGeom prst="rect">
           <a:avLst/>
@@ -5079,82 +5768,7 @@
         </a:fontRef>
       </dsp:style>
       <dsp:txBody>
-        <a:bodyPr spcFirstLastPara="0" vert="horz" wrap="square" lIns="135025" tIns="139626" rIns="135025" bIns="139626" numCol="1" spcCol="1270" anchor="ctr" anchorCtr="0">
-          <a:noAutofit/>
-        </a:bodyPr>
-        <a:lstStyle/>
-        <a:p>
-          <a:pPr marL="0" lvl="0" indent="0" algn="l" defTabSz="488950">
-            <a:lnSpc>
-              <a:spcPct val="90000"/>
-            </a:lnSpc>
-            <a:spcBef>
-              <a:spcPct val="0"/>
-            </a:spcBef>
-            <a:spcAft>
-              <a:spcPct val="35000"/>
-            </a:spcAft>
-            <a:buNone/>
-          </a:pPr>
-          <a:r>
-            <a:rPr lang="en-US" sz="1100" kern="1200"/>
-            <a:t>Reporting and Alerting: Generate detailed reports on identified vulnerabilities, including severity, potential impact, and remediation recommendation.</a:t>
-          </a:r>
-        </a:p>
-      </dsp:txBody>
-      <dsp:txXfrm>
-        <a:off x="1739760" y="2913882"/>
-        <a:ext cx="6959040" cy="549709"/>
-      </dsp:txXfrm>
-    </dsp:sp>
-    <dsp:sp modelId="{B34AD71F-4A91-428D-9A20-AF4F9F062372}">
-      <dsp:nvSpPr>
-        <dsp:cNvPr id="0" name=""/>
-        <dsp:cNvSpPr/>
-      </dsp:nvSpPr>
-      <dsp:spPr>
-        <a:xfrm>
-          <a:off x="0" y="2913882"/>
-          <a:ext cx="1739760" cy="549709"/>
-        </a:xfrm>
-        <a:prstGeom prst="rect">
-          <a:avLst/>
-        </a:prstGeom>
-        <a:solidFill>
-          <a:schemeClr val="lt1">
-            <a:hueOff val="0"/>
-            <a:satOff val="0"/>
-            <a:lumOff val="0"/>
-            <a:alphaOff val="0"/>
-          </a:schemeClr>
-        </a:solidFill>
-        <a:ln w="19050" cap="rnd" cmpd="sng" algn="ctr">
-          <a:solidFill>
-            <a:schemeClr val="accent1">
-              <a:hueOff val="0"/>
-              <a:satOff val="0"/>
-              <a:lumOff val="0"/>
-              <a:alphaOff val="0"/>
-            </a:schemeClr>
-          </a:solidFill>
-          <a:prstDash val="solid"/>
-        </a:ln>
-        <a:effectLst/>
-      </dsp:spPr>
-      <dsp:style>
-        <a:lnRef idx="2">
-          <a:scrgbClr r="0" g="0" b="0"/>
-        </a:lnRef>
-        <a:fillRef idx="1">
-          <a:scrgbClr r="0" g="0" b="0"/>
-        </a:fillRef>
-        <a:effectRef idx="0">
-          <a:scrgbClr r="0" g="0" b="0"/>
-        </a:effectRef>
-        <a:fontRef idx="minor"/>
-      </dsp:style>
-      <dsp:txBody>
-        <a:bodyPr spcFirstLastPara="0" vert="horz" wrap="square" lIns="92062" tIns="54299" rIns="92062" bIns="54299" numCol="1" spcCol="1270" anchor="ctr" anchorCtr="0">
+        <a:bodyPr spcFirstLastPara="0" vert="horz" wrap="square" lIns="92062" tIns="53371" rIns="92062" bIns="53371" numCol="1" spcCol="1270" anchor="ctr" anchorCtr="0">
           <a:noAutofit/>
         </a:bodyPr>
         <a:lstStyle/>
@@ -5178,8 +5792,8 @@
         </a:p>
       </dsp:txBody>
       <dsp:txXfrm>
-        <a:off x="0" y="2913882"/>
-        <a:ext cx="1739760" cy="549709"/>
+        <a:off x="0" y="2864104"/>
+        <a:ext cx="1739760" cy="540318"/>
       </dsp:txXfrm>
     </dsp:sp>
   </dsp:spTree>
@@ -5194,48 +5808,72 @@
       <dsp:cNvGrpSpPr/>
     </dsp:nvGrpSpPr>
     <dsp:grpSpPr/>
-    <dsp:sp modelId="{8CB62999-28E3-4290-AEC3-5A1C00A5499B}">
+    <dsp:sp modelId="{15D01A8A-7C87-43F8-B992-F83F32D26091}">
       <dsp:nvSpPr>
         <dsp:cNvPr id="0" name=""/>
         <dsp:cNvSpPr/>
       </dsp:nvSpPr>
       <dsp:spPr>
         <a:xfrm>
-          <a:off x="0" y="87258"/>
-          <a:ext cx="2262768" cy="1357661"/>
+          <a:off x="0" y="1397"/>
+          <a:ext cx="3089756" cy="529188"/>
         </a:xfrm>
-        <a:prstGeom prst="rect">
+        <a:prstGeom prst="roundRect">
           <a:avLst/>
         </a:prstGeom>
-        <a:solidFill>
-          <a:schemeClr val="accent5">
-            <a:hueOff val="0"/>
-            <a:satOff val="0"/>
-            <a:lumOff val="0"/>
-            <a:alphaOff val="0"/>
-          </a:schemeClr>
-        </a:solidFill>
-        <a:ln w="28575" cap="rnd" cmpd="sng" algn="ctr">
-          <a:solidFill>
-            <a:schemeClr val="lt1">
-              <a:hueOff val="0"/>
-              <a:satOff val="0"/>
-              <a:lumOff val="0"/>
-              <a:alphaOff val="0"/>
-            </a:schemeClr>
-          </a:solidFill>
-          <a:prstDash val="solid"/>
+        <a:gradFill rotWithShape="0">
+          <a:gsLst>
+            <a:gs pos="0">
+              <a:schemeClr val="accent2">
+                <a:hueOff val="0"/>
+                <a:satOff val="0"/>
+                <a:lumOff val="0"/>
+                <a:alphaOff val="0"/>
+                <a:tint val="98000"/>
+                <a:lumMod val="114000"/>
+              </a:schemeClr>
+            </a:gs>
+            <a:gs pos="100000">
+              <a:schemeClr val="accent2">
+                <a:hueOff val="0"/>
+                <a:satOff val="0"/>
+                <a:lumOff val="0"/>
+                <a:alphaOff val="0"/>
+                <a:shade val="90000"/>
+                <a:lumMod val="84000"/>
+              </a:schemeClr>
+            </a:gs>
+          </a:gsLst>
+          <a:lin ang="5400000" scaled="0"/>
+        </a:gradFill>
+        <a:ln>
+          <a:noFill/>
         </a:ln>
-        <a:effectLst/>
+        <a:effectLst>
+          <a:outerShdw blurRad="63500" dist="38100" dir="5400000" rotWithShape="0">
+            <a:srgbClr val="000000">
+              <a:alpha val="60000"/>
+            </a:srgbClr>
+          </a:outerShdw>
+        </a:effectLst>
+        <a:scene3d>
+          <a:camera prst="orthographicFront">
+            <a:rot lat="0" lon="0" rev="0"/>
+          </a:camera>
+          <a:lightRig rig="threePt" dir="tl"/>
+        </a:scene3d>
+        <a:sp3d prstMaterial="plastic">
+          <a:bevelT w="0" h="0"/>
+        </a:sp3d>
       </dsp:spPr>
       <dsp:style>
-        <a:lnRef idx="3">
+        <a:lnRef idx="0">
           <a:scrgbClr r="0" g="0" b="0"/>
         </a:lnRef>
-        <a:fillRef idx="1">
+        <a:fillRef idx="3">
           <a:scrgbClr r="0" g="0" b="0"/>
         </a:fillRef>
-        <a:effectRef idx="1">
+        <a:effectRef idx="3">
           <a:scrgbClr r="0" g="0" b="0"/>
         </a:effectRef>
         <a:fontRef idx="minor">
@@ -5243,12 +5881,12 @@
         </a:fontRef>
       </dsp:style>
       <dsp:txBody>
-        <a:bodyPr spcFirstLastPara="0" vert="horz" wrap="square" lIns="41910" tIns="41910" rIns="41910" bIns="41910" numCol="1" spcCol="1270" anchor="ctr" anchorCtr="0">
+        <a:bodyPr spcFirstLastPara="0" vert="horz" wrap="square" lIns="38100" tIns="19050" rIns="38100" bIns="19050" numCol="1" spcCol="1270" anchor="ctr" anchorCtr="0">
           <a:noAutofit/>
         </a:bodyPr>
         <a:lstStyle/>
         <a:p>
-          <a:pPr marL="0" lvl="0" indent="0" algn="ctr" defTabSz="488950">
+          <a:pPr marL="0" lvl="0" indent="0" algn="ctr" defTabSz="444500">
             <a:lnSpc>
               <a:spcPct val="90000"/>
             </a:lnSpc>
@@ -5261,59 +5899,83 @@
             <a:buNone/>
           </a:pPr>
           <a:r>
-            <a:rPr lang="en-GB" sz="1100" b="1" kern="1200"/>
+            <a:rPr lang="en-GB" sz="1000" b="1" kern="1200"/>
             <a:t>Technologies to be used in the solution:</a:t>
           </a:r>
-          <a:endParaRPr lang="en-US" sz="1100" kern="1200"/>
+          <a:endParaRPr lang="en-US" sz="1000" kern="1200"/>
         </a:p>
       </dsp:txBody>
       <dsp:txXfrm>
-        <a:off x="0" y="87258"/>
-        <a:ext cx="2262768" cy="1357661"/>
+        <a:off x="25833" y="27230"/>
+        <a:ext cx="3038090" cy="477522"/>
       </dsp:txXfrm>
     </dsp:sp>
-    <dsp:sp modelId="{652F1893-D56F-46F8-9232-55B98A363DB2}">
+    <dsp:sp modelId="{3EC1604E-C080-4F84-97D9-CE8437B4D85F}">
       <dsp:nvSpPr>
         <dsp:cNvPr id="0" name=""/>
         <dsp:cNvSpPr/>
       </dsp:nvSpPr>
       <dsp:spPr>
         <a:xfrm>
-          <a:off x="2489045" y="87258"/>
-          <a:ext cx="2262768" cy="1357661"/>
+          <a:off x="0" y="557045"/>
+          <a:ext cx="3089756" cy="529188"/>
         </a:xfrm>
-        <a:prstGeom prst="rect">
+        <a:prstGeom prst="roundRect">
           <a:avLst/>
         </a:prstGeom>
-        <a:solidFill>
-          <a:schemeClr val="accent5">
-            <a:hueOff val="0"/>
-            <a:satOff val="0"/>
-            <a:lumOff val="0"/>
-            <a:alphaOff val="0"/>
-          </a:schemeClr>
-        </a:solidFill>
-        <a:ln w="28575" cap="rnd" cmpd="sng" algn="ctr">
-          <a:solidFill>
-            <a:schemeClr val="lt1">
-              <a:hueOff val="0"/>
-              <a:satOff val="0"/>
-              <a:lumOff val="0"/>
-              <a:alphaOff val="0"/>
-            </a:schemeClr>
-          </a:solidFill>
-          <a:prstDash val="solid"/>
+        <a:gradFill rotWithShape="0">
+          <a:gsLst>
+            <a:gs pos="0">
+              <a:schemeClr val="accent3">
+                <a:hueOff val="0"/>
+                <a:satOff val="0"/>
+                <a:lumOff val="0"/>
+                <a:alphaOff val="0"/>
+                <a:tint val="98000"/>
+                <a:lumMod val="114000"/>
+              </a:schemeClr>
+            </a:gs>
+            <a:gs pos="100000">
+              <a:schemeClr val="accent3">
+                <a:hueOff val="0"/>
+                <a:satOff val="0"/>
+                <a:lumOff val="0"/>
+                <a:alphaOff val="0"/>
+                <a:shade val="90000"/>
+                <a:lumMod val="84000"/>
+              </a:schemeClr>
+            </a:gs>
+          </a:gsLst>
+          <a:lin ang="5400000" scaled="0"/>
+        </a:gradFill>
+        <a:ln>
+          <a:noFill/>
         </a:ln>
-        <a:effectLst/>
+        <a:effectLst>
+          <a:outerShdw blurRad="63500" dist="38100" dir="5400000" rotWithShape="0">
+            <a:srgbClr val="000000">
+              <a:alpha val="60000"/>
+            </a:srgbClr>
+          </a:outerShdw>
+        </a:effectLst>
+        <a:scene3d>
+          <a:camera prst="orthographicFront">
+            <a:rot lat="0" lon="0" rev="0"/>
+          </a:camera>
+          <a:lightRig rig="threePt" dir="tl"/>
+        </a:scene3d>
+        <a:sp3d prstMaterial="plastic">
+          <a:bevelT w="0" h="0"/>
+        </a:sp3d>
       </dsp:spPr>
       <dsp:style>
-        <a:lnRef idx="3">
+        <a:lnRef idx="0">
           <a:scrgbClr r="0" g="0" b="0"/>
         </a:lnRef>
-        <a:fillRef idx="1">
+        <a:fillRef idx="3">
           <a:scrgbClr r="0" g="0" b="0"/>
         </a:fillRef>
-        <a:effectRef idx="1">
+        <a:effectRef idx="3">
           <a:scrgbClr r="0" g="0" b="0"/>
         </a:effectRef>
         <a:fontRef idx="minor">
@@ -5321,12 +5983,12 @@
         </a:fontRef>
       </dsp:style>
       <dsp:txBody>
-        <a:bodyPr spcFirstLastPara="0" vert="horz" wrap="square" lIns="41910" tIns="41910" rIns="41910" bIns="41910" numCol="1" spcCol="1270" anchor="ctr" anchorCtr="0">
+        <a:bodyPr spcFirstLastPara="0" vert="horz" wrap="square" lIns="38100" tIns="19050" rIns="38100" bIns="19050" numCol="1" spcCol="1270" anchor="ctr" anchorCtr="0">
           <a:noAutofit/>
         </a:bodyPr>
         <a:lstStyle/>
         <a:p>
-          <a:pPr marL="0" lvl="0" indent="0" algn="ctr" defTabSz="488950">
+          <a:pPr marL="0" lvl="0" indent="0" algn="ctr" defTabSz="444500">
             <a:lnSpc>
               <a:spcPct val="90000"/>
             </a:lnSpc>
@@ -5339,41 +6001,45 @@
             <a:buNone/>
           </a:pPr>
           <a:r>
-            <a:rPr lang="en-IN" sz="1100" b="1" kern="1200"/>
+            <a:rPr lang="en-IN" sz="1000" b="1" kern="1200"/>
             <a:t>Core Technologies:</a:t>
           </a:r>
-          <a:endParaRPr lang="en-US" sz="1100" kern="1200"/>
+          <a:endParaRPr lang="en-US" sz="1000" kern="1200"/>
         </a:p>
       </dsp:txBody>
       <dsp:txXfrm>
-        <a:off x="2489045" y="87258"/>
-        <a:ext cx="2262768" cy="1357661"/>
+        <a:off x="25833" y="582878"/>
+        <a:ext cx="3038090" cy="477522"/>
       </dsp:txXfrm>
     </dsp:sp>
-    <dsp:sp modelId="{E18D4AF9-381C-459F-8830-FED28684D735}">
+    <dsp:sp modelId="{86C5CAFC-0A7E-4E16-8359-D90F3448A5F8}">
       <dsp:nvSpPr>
         <dsp:cNvPr id="0" name=""/>
         <dsp:cNvSpPr/>
       </dsp:nvSpPr>
       <dsp:spPr>
-        <a:xfrm>
-          <a:off x="4978090" y="87258"/>
-          <a:ext cx="2262768" cy="1357661"/>
+        <a:xfrm rot="5400000">
+          <a:off x="5624532" y="-1369162"/>
+          <a:ext cx="423350" cy="5492901"/>
         </a:xfrm>
-        <a:prstGeom prst="rect">
+        <a:prstGeom prst="round2SameRect">
           <a:avLst/>
         </a:prstGeom>
         <a:solidFill>
-          <a:schemeClr val="accent5">
+          <a:schemeClr val="accent2">
+            <a:tint val="40000"/>
+            <a:alpha val="90000"/>
             <a:hueOff val="0"/>
             <a:satOff val="0"/>
             <a:lumOff val="0"/>
             <a:alphaOff val="0"/>
           </a:schemeClr>
         </a:solidFill>
-        <a:ln w="28575" cap="rnd" cmpd="sng" algn="ctr">
+        <a:ln w="9525" cap="rnd" cmpd="sng" algn="ctr">
           <a:solidFill>
-            <a:schemeClr val="lt1">
+            <a:schemeClr val="accent2">
+              <a:tint val="40000"/>
+              <a:alpha val="90000"/>
               <a:hueOff val="0"/>
               <a:satOff val="0"/>
               <a:lumOff val="0"/>
@@ -5382,16 +6048,149 @@
           </a:solidFill>
           <a:prstDash val="solid"/>
         </a:ln>
-        <a:effectLst/>
+        <a:effectLst>
+          <a:outerShdw blurRad="38100" dist="25400" dir="5400000" rotWithShape="0">
+            <a:srgbClr val="000000">
+              <a:alpha val="45000"/>
+            </a:srgbClr>
+          </a:outerShdw>
+        </a:effectLst>
       </dsp:spPr>
       <dsp:style>
-        <a:lnRef idx="3">
+        <a:lnRef idx="1">
           <a:scrgbClr r="0" g="0" b="0"/>
         </a:lnRef>
         <a:fillRef idx="1">
           <a:scrgbClr r="0" g="0" b="0"/>
         </a:fillRef>
-        <a:effectRef idx="1">
+        <a:effectRef idx="2">
+          <a:scrgbClr r="0" g="0" b="0"/>
+        </a:effectRef>
+        <a:fontRef idx="minor"/>
+      </dsp:style>
+      <dsp:txBody>
+        <a:bodyPr spcFirstLastPara="0" vert="horz" wrap="square" lIns="26670" tIns="13335" rIns="26670" bIns="13335" numCol="1" spcCol="1270" anchor="ctr" anchorCtr="0">
+          <a:noAutofit/>
+        </a:bodyPr>
+        <a:lstStyle/>
+        <a:p>
+          <a:pPr marL="57150" lvl="1" indent="-57150" algn="l" defTabSz="311150">
+            <a:lnSpc>
+              <a:spcPct val="90000"/>
+            </a:lnSpc>
+            <a:spcBef>
+              <a:spcPct val="0"/>
+            </a:spcBef>
+            <a:spcAft>
+              <a:spcPct val="15000"/>
+            </a:spcAft>
+            <a:buChar char="•"/>
+          </a:pPr>
+          <a:r>
+            <a:rPr lang="en-IN" sz="700" b="1" kern="1200"/>
+            <a:t>Port Scanning:</a:t>
+          </a:r>
+          <a:r>
+            <a:rPr lang="en-IN" sz="700" kern="1200"/>
+            <a:t> Techniques like TCP/UDP port scanning to identify open ports and services.</a:t>
+          </a:r>
+          <a:endParaRPr lang="en-US" sz="700" kern="1200"/>
+        </a:p>
+        <a:p>
+          <a:pPr marL="57150" lvl="1" indent="-57150" algn="l" defTabSz="311150">
+            <a:lnSpc>
+              <a:spcPct val="90000"/>
+            </a:lnSpc>
+            <a:spcBef>
+              <a:spcPct val="0"/>
+            </a:spcBef>
+            <a:spcAft>
+              <a:spcPct val="15000"/>
+            </a:spcAft>
+            <a:buChar char="•"/>
+          </a:pPr>
+          <a:r>
+            <a:rPr lang="en-IN" sz="700" b="1" kern="1200"/>
+            <a:t>Protocol Analysis:</a:t>
+          </a:r>
+          <a:r>
+            <a:rPr lang="en-IN" sz="700" kern="1200"/>
+            <a:t> Analyzing network traffic to identify protocol vulnerabilities and misconfigurations.</a:t>
+          </a:r>
+          <a:endParaRPr lang="en-US" sz="700" kern="1200"/>
+        </a:p>
+      </dsp:txBody>
+      <dsp:txXfrm rot="-5400000">
+        <a:off x="3089757" y="1186279"/>
+        <a:ext cx="5472235" cy="382018"/>
+      </dsp:txXfrm>
+    </dsp:sp>
+    <dsp:sp modelId="{B7284F7D-7298-4C57-AAAC-A9277392B6B6}">
+      <dsp:nvSpPr>
+        <dsp:cNvPr id="0" name=""/>
+        <dsp:cNvSpPr/>
+      </dsp:nvSpPr>
+      <dsp:spPr>
+        <a:xfrm>
+          <a:off x="0" y="1112693"/>
+          <a:ext cx="3089756" cy="529188"/>
+        </a:xfrm>
+        <a:prstGeom prst="roundRect">
+          <a:avLst/>
+        </a:prstGeom>
+        <a:gradFill rotWithShape="0">
+          <a:gsLst>
+            <a:gs pos="0">
+              <a:schemeClr val="accent4">
+                <a:hueOff val="0"/>
+                <a:satOff val="0"/>
+                <a:lumOff val="0"/>
+                <a:alphaOff val="0"/>
+                <a:tint val="98000"/>
+                <a:lumMod val="114000"/>
+              </a:schemeClr>
+            </a:gs>
+            <a:gs pos="100000">
+              <a:schemeClr val="accent4">
+                <a:hueOff val="0"/>
+                <a:satOff val="0"/>
+                <a:lumOff val="0"/>
+                <a:alphaOff val="0"/>
+                <a:shade val="90000"/>
+                <a:lumMod val="84000"/>
+              </a:schemeClr>
+            </a:gs>
+          </a:gsLst>
+          <a:lin ang="5400000" scaled="0"/>
+        </a:gradFill>
+        <a:ln>
+          <a:noFill/>
+        </a:ln>
+        <a:effectLst>
+          <a:outerShdw blurRad="63500" dist="38100" dir="5400000" rotWithShape="0">
+            <a:srgbClr val="000000">
+              <a:alpha val="60000"/>
+            </a:srgbClr>
+          </a:outerShdw>
+        </a:effectLst>
+        <a:scene3d>
+          <a:camera prst="orthographicFront">
+            <a:rot lat="0" lon="0" rev="0"/>
+          </a:camera>
+          <a:lightRig rig="threePt" dir="tl"/>
+        </a:scene3d>
+        <a:sp3d prstMaterial="plastic">
+          <a:bevelT w="0" h="0"/>
+        </a:sp3d>
+      </dsp:spPr>
+      <dsp:style>
+        <a:lnRef idx="0">
+          <a:scrgbClr r="0" g="0" b="0"/>
+        </a:lnRef>
+        <a:fillRef idx="3">
+          <a:scrgbClr r="0" g="0" b="0"/>
+        </a:fillRef>
+        <a:effectRef idx="3">
           <a:scrgbClr r="0" g="0" b="0"/>
         </a:effectRef>
         <a:fontRef idx="minor">
@@ -5399,12 +6198,12 @@
         </a:fontRef>
       </dsp:style>
       <dsp:txBody>
-        <a:bodyPr spcFirstLastPara="0" vert="horz" wrap="square" lIns="41910" tIns="41910" rIns="41910" bIns="41910" numCol="1" spcCol="1270" anchor="t" anchorCtr="0">
+        <a:bodyPr spcFirstLastPara="0" vert="horz" wrap="square" lIns="38100" tIns="19050" rIns="38100" bIns="19050" numCol="1" spcCol="1270" anchor="ctr" anchorCtr="0">
           <a:noAutofit/>
         </a:bodyPr>
         <a:lstStyle/>
         <a:p>
-          <a:pPr marL="0" lvl="0" indent="0" algn="l" defTabSz="488950">
+          <a:pPr marL="0" lvl="0" indent="0" algn="ctr" defTabSz="444500">
             <a:lnSpc>
               <a:spcPct val="90000"/>
             </a:lnSpc>
@@ -5417,17 +6216,84 @@
             <a:buNone/>
           </a:pPr>
           <a:r>
-            <a:rPr lang="en-IN" sz="1100" b="1" kern="1200"/>
+            <a:rPr lang="en-IN" sz="1000" b="1" kern="1200"/>
             <a:t>Network Scanning:</a:t>
           </a:r>
           <a:r>
-            <a:rPr lang="en-IN" sz="1100" kern="1200"/>
+            <a:rPr lang="en-IN" sz="1000" kern="1200"/>
             <a:t> </a:t>
           </a:r>
-          <a:endParaRPr lang="en-US" sz="1100" kern="1200"/>
+          <a:endParaRPr lang="en-US" sz="1000" kern="1200"/>
         </a:p>
+      </dsp:txBody>
+      <dsp:txXfrm>
+        <a:off x="25833" y="1138526"/>
+        <a:ext cx="3038090" cy="477522"/>
+      </dsp:txXfrm>
+    </dsp:sp>
+    <dsp:sp modelId="{CAE79F2E-0750-443A-B43E-8328EF908498}">
+      <dsp:nvSpPr>
+        <dsp:cNvPr id="0" name=""/>
+        <dsp:cNvSpPr/>
+      </dsp:nvSpPr>
+      <dsp:spPr>
+        <a:xfrm rot="5400000">
+          <a:off x="5596196" y="-839491"/>
+          <a:ext cx="423350" cy="5544853"/>
+        </a:xfrm>
+        <a:prstGeom prst="round2SameRect">
+          <a:avLst/>
+        </a:prstGeom>
+        <a:solidFill>
+          <a:schemeClr val="accent3">
+            <a:tint val="40000"/>
+            <a:alpha val="90000"/>
+            <a:hueOff val="0"/>
+            <a:satOff val="0"/>
+            <a:lumOff val="0"/>
+            <a:alphaOff val="0"/>
+          </a:schemeClr>
+        </a:solidFill>
+        <a:ln w="9525" cap="rnd" cmpd="sng" algn="ctr">
+          <a:solidFill>
+            <a:schemeClr val="accent3">
+              <a:tint val="40000"/>
+              <a:alpha val="90000"/>
+              <a:hueOff val="0"/>
+              <a:satOff val="0"/>
+              <a:lumOff val="0"/>
+              <a:alphaOff val="0"/>
+            </a:schemeClr>
+          </a:solidFill>
+          <a:prstDash val="solid"/>
+        </a:ln>
+        <a:effectLst>
+          <a:outerShdw blurRad="38100" dist="25400" dir="5400000" rotWithShape="0">
+            <a:srgbClr val="000000">
+              <a:alpha val="45000"/>
+            </a:srgbClr>
+          </a:outerShdw>
+        </a:effectLst>
+      </dsp:spPr>
+      <dsp:style>
+        <a:lnRef idx="1">
+          <a:scrgbClr r="0" g="0" b="0"/>
+        </a:lnRef>
+        <a:fillRef idx="1">
+          <a:scrgbClr r="0" g="0" b="0"/>
+        </a:fillRef>
+        <a:effectRef idx="2">
+          <a:scrgbClr r="0" g="0" b="0"/>
+        </a:effectRef>
+        <a:fontRef idx="minor"/>
+      </dsp:style>
+      <dsp:txBody>
+        <a:bodyPr spcFirstLastPara="0" vert="horz" wrap="square" lIns="26670" tIns="13335" rIns="26670" bIns="13335" numCol="1" spcCol="1270" anchor="ctr" anchorCtr="0">
+          <a:noAutofit/>
+        </a:bodyPr>
+        <a:lstStyle/>
         <a:p>
-          <a:pPr marL="57150" lvl="1" indent="-57150" algn="l" defTabSz="400050">
+          <a:pPr marL="57150" lvl="1" indent="-57150" algn="l" defTabSz="311150">
             <a:lnSpc>
               <a:spcPct val="90000"/>
             </a:lnSpc>
@@ -5440,17 +6306,17 @@
             <a:buChar char="•"/>
           </a:pPr>
           <a:r>
-            <a:rPr lang="en-IN" sz="900" b="1" kern="1200"/>
-            <a:t>Port Scanning:</a:t>
+            <a:rPr lang="en-IN" sz="700" b="1" kern="1200"/>
+            <a:t>HTTP Requests:</a:t>
           </a:r>
           <a:r>
-            <a:rPr lang="en-IN" sz="900" kern="1200"/>
-            <a:t> Techniques like TCP/UDP port scanning to identify open ports and services.</a:t>
+            <a:rPr lang="en-IN" sz="700" kern="1200"/>
+            <a:t> Sending crafted HTTP requests to test for vulnerabilities like SQL injection, XSS, and CSRF.</a:t>
           </a:r>
-          <a:endParaRPr lang="en-US" sz="900" kern="1200"/>
+          <a:endParaRPr lang="en-US" sz="700" kern="1200"/>
         </a:p>
         <a:p>
-          <a:pPr marL="57150" lvl="1" indent="-57150" algn="l" defTabSz="400050">
+          <a:pPr marL="57150" lvl="1" indent="-57150" algn="l" defTabSz="311150">
             <a:lnSpc>
               <a:spcPct val="90000"/>
             </a:lnSpc>
@@ -5463,63 +6329,87 @@
             <a:buChar char="•"/>
           </a:pPr>
           <a:r>
-            <a:rPr lang="en-IN" sz="900" b="1" kern="1200"/>
-            <a:t>Protocol Analysis:</a:t>
+            <a:rPr lang="en-IN" sz="700" b="1" kern="1200"/>
+            <a:t>Web Crawling:</a:t>
           </a:r>
           <a:r>
-            <a:rPr lang="en-IN" sz="900" kern="1200"/>
-            <a:t> Analyzing network traffic to identify protocol vulnerabilities and misconfigurations.</a:t>
+            <a:rPr lang="en-IN" sz="700" kern="1200"/>
+            <a:t> Automatically discovering and analyzing web pages and their interactions.</a:t>
           </a:r>
-          <a:endParaRPr lang="en-US" sz="900" kern="1200"/>
+          <a:endParaRPr lang="en-US" sz="700" kern="1200"/>
         </a:p>
       </dsp:txBody>
-      <dsp:txXfrm>
-        <a:off x="4978090" y="87258"/>
-        <a:ext cx="2262768" cy="1357661"/>
+      <dsp:txXfrm rot="-5400000">
+        <a:off x="3035445" y="1741926"/>
+        <a:ext cx="5524187" cy="382018"/>
       </dsp:txXfrm>
     </dsp:sp>
-    <dsp:sp modelId="{11E928EC-B234-480A-B8D4-8F00F6691720}">
+    <dsp:sp modelId="{1AB1E94E-F42C-4D60-8170-6E9E035DC841}">
       <dsp:nvSpPr>
         <dsp:cNvPr id="0" name=""/>
         <dsp:cNvSpPr/>
       </dsp:nvSpPr>
       <dsp:spPr>
         <a:xfrm>
-          <a:off x="0" y="1671195"/>
-          <a:ext cx="2262768" cy="1357661"/>
+          <a:off x="0" y="1668341"/>
+          <a:ext cx="3035444" cy="529188"/>
         </a:xfrm>
-        <a:prstGeom prst="rect">
+        <a:prstGeom prst="roundRect">
           <a:avLst/>
         </a:prstGeom>
-        <a:solidFill>
-          <a:schemeClr val="accent5">
-            <a:hueOff val="0"/>
-            <a:satOff val="0"/>
-            <a:lumOff val="0"/>
-            <a:alphaOff val="0"/>
-          </a:schemeClr>
-        </a:solidFill>
-        <a:ln w="28575" cap="rnd" cmpd="sng" algn="ctr">
-          <a:solidFill>
-            <a:schemeClr val="lt1">
-              <a:hueOff val="0"/>
-              <a:satOff val="0"/>
-              <a:lumOff val="0"/>
-              <a:alphaOff val="0"/>
-            </a:schemeClr>
-          </a:solidFill>
-          <a:prstDash val="solid"/>
+        <a:gradFill rotWithShape="0">
+          <a:gsLst>
+            <a:gs pos="0">
+              <a:schemeClr val="accent5">
+                <a:hueOff val="0"/>
+                <a:satOff val="0"/>
+                <a:lumOff val="0"/>
+                <a:alphaOff val="0"/>
+                <a:tint val="98000"/>
+                <a:lumMod val="114000"/>
+              </a:schemeClr>
+            </a:gs>
+            <a:gs pos="100000">
+              <a:schemeClr val="accent5">
+                <a:hueOff val="0"/>
+                <a:satOff val="0"/>
+                <a:lumOff val="0"/>
+                <a:alphaOff val="0"/>
+                <a:shade val="90000"/>
+                <a:lumMod val="84000"/>
+              </a:schemeClr>
+            </a:gs>
+          </a:gsLst>
+          <a:lin ang="5400000" scaled="0"/>
+        </a:gradFill>
+        <a:ln>
+          <a:noFill/>
         </a:ln>
-        <a:effectLst/>
+        <a:effectLst>
+          <a:outerShdw blurRad="63500" dist="38100" dir="5400000" rotWithShape="0">
+            <a:srgbClr val="000000">
+              <a:alpha val="60000"/>
+            </a:srgbClr>
+          </a:outerShdw>
+        </a:effectLst>
+        <a:scene3d>
+          <a:camera prst="orthographicFront">
+            <a:rot lat="0" lon="0" rev="0"/>
+          </a:camera>
+          <a:lightRig rig="threePt" dir="tl"/>
+        </a:scene3d>
+        <a:sp3d prstMaterial="plastic">
+          <a:bevelT w="0" h="0"/>
+        </a:sp3d>
       </dsp:spPr>
       <dsp:style>
-        <a:lnRef idx="3">
+        <a:lnRef idx="0">
           <a:scrgbClr r="0" g="0" b="0"/>
         </a:lnRef>
-        <a:fillRef idx="1">
+        <a:fillRef idx="3">
           <a:scrgbClr r="0" g="0" b="0"/>
         </a:fillRef>
-        <a:effectRef idx="1">
+        <a:effectRef idx="3">
           <a:scrgbClr r="0" g="0" b="0"/>
         </a:effectRef>
         <a:fontRef idx="minor">
@@ -5527,12 +6417,12 @@
         </a:fontRef>
       </dsp:style>
       <dsp:txBody>
-        <a:bodyPr spcFirstLastPara="0" vert="horz" wrap="square" lIns="41910" tIns="41910" rIns="41910" bIns="41910" numCol="1" spcCol="1270" anchor="t" anchorCtr="0">
+        <a:bodyPr spcFirstLastPara="0" vert="horz" wrap="square" lIns="38100" tIns="19050" rIns="38100" bIns="19050" numCol="1" spcCol="1270" anchor="ctr" anchorCtr="0">
           <a:noAutofit/>
         </a:bodyPr>
         <a:lstStyle/>
         <a:p>
-          <a:pPr marL="0" lvl="0" indent="0" algn="l" defTabSz="488950">
+          <a:pPr marL="0" lvl="0" indent="0" algn="ctr" defTabSz="444500">
             <a:lnSpc>
               <a:spcPct val="90000"/>
             </a:lnSpc>
@@ -5545,17 +6435,84 @@
             <a:buNone/>
           </a:pPr>
           <a:r>
-            <a:rPr lang="en-IN" sz="1100" b="1" kern="1200"/>
+            <a:rPr lang="en-IN" sz="1000" b="1" kern="1200"/>
             <a:t>Web Application Scanning:</a:t>
           </a:r>
           <a:r>
-            <a:rPr lang="en-IN" sz="1100" kern="1200"/>
+            <a:rPr lang="en-IN" sz="1000" kern="1200"/>
             <a:t> </a:t>
           </a:r>
-          <a:endParaRPr lang="en-US" sz="1100" kern="1200"/>
+          <a:endParaRPr lang="en-US" sz="1000" kern="1200"/>
         </a:p>
+      </dsp:txBody>
+      <dsp:txXfrm>
+        <a:off x="25833" y="1694174"/>
+        <a:ext cx="2983778" cy="477522"/>
+      </dsp:txXfrm>
+    </dsp:sp>
+    <dsp:sp modelId="{1B5C82DC-56BB-4F08-8056-2005611DB7FF}">
+      <dsp:nvSpPr>
+        <dsp:cNvPr id="0" name=""/>
+        <dsp:cNvSpPr/>
+      </dsp:nvSpPr>
+      <dsp:spPr>
+        <a:xfrm rot="5400000">
+          <a:off x="5624532" y="-257867"/>
+          <a:ext cx="423350" cy="5492901"/>
+        </a:xfrm>
+        <a:prstGeom prst="round2SameRect">
+          <a:avLst/>
+        </a:prstGeom>
+        <a:solidFill>
+          <a:schemeClr val="accent4">
+            <a:tint val="40000"/>
+            <a:alpha val="90000"/>
+            <a:hueOff val="0"/>
+            <a:satOff val="0"/>
+            <a:lumOff val="0"/>
+            <a:alphaOff val="0"/>
+          </a:schemeClr>
+        </a:solidFill>
+        <a:ln w="9525" cap="rnd" cmpd="sng" algn="ctr">
+          <a:solidFill>
+            <a:schemeClr val="accent4">
+              <a:tint val="40000"/>
+              <a:alpha val="90000"/>
+              <a:hueOff val="0"/>
+              <a:satOff val="0"/>
+              <a:lumOff val="0"/>
+              <a:alphaOff val="0"/>
+            </a:schemeClr>
+          </a:solidFill>
+          <a:prstDash val="solid"/>
+        </a:ln>
+        <a:effectLst>
+          <a:outerShdw blurRad="38100" dist="25400" dir="5400000" rotWithShape="0">
+            <a:srgbClr val="000000">
+              <a:alpha val="45000"/>
+            </a:srgbClr>
+          </a:outerShdw>
+        </a:effectLst>
+      </dsp:spPr>
+      <dsp:style>
+        <a:lnRef idx="1">
+          <a:scrgbClr r="0" g="0" b="0"/>
+        </a:lnRef>
+        <a:fillRef idx="1">
+          <a:scrgbClr r="0" g="0" b="0"/>
+        </a:fillRef>
+        <a:effectRef idx="2">
+          <a:scrgbClr r="0" g="0" b="0"/>
+        </a:effectRef>
+        <a:fontRef idx="minor"/>
+      </dsp:style>
+      <dsp:txBody>
+        <a:bodyPr spcFirstLastPara="0" vert="horz" wrap="square" lIns="26670" tIns="13335" rIns="26670" bIns="13335" numCol="1" spcCol="1270" anchor="ctr" anchorCtr="0">
+          <a:noAutofit/>
+        </a:bodyPr>
+        <a:lstStyle/>
         <a:p>
-          <a:pPr marL="57150" lvl="1" indent="-57150" algn="l" defTabSz="400050">
+          <a:pPr marL="57150" lvl="1" indent="-57150" algn="l" defTabSz="311150">
             <a:lnSpc>
               <a:spcPct val="90000"/>
             </a:lnSpc>
@@ -5568,17 +6525,17 @@
             <a:buChar char="•"/>
           </a:pPr>
           <a:r>
-            <a:rPr lang="en-IN" sz="900" b="1" kern="1200"/>
-            <a:t>HTTP Requests:</a:t>
+            <a:rPr lang="en-IN" sz="700" b="1" kern="1200"/>
+            <a:t>Signature-Based Scanning:</a:t>
           </a:r>
           <a:r>
-            <a:rPr lang="en-IN" sz="900" kern="1200"/>
-            <a:t> Sending crafted HTTP requests to test for vulnerabilities like SQL injection, XSS, and CSRF.</a:t>
+            <a:rPr lang="en-IN" sz="700" kern="1200"/>
+            <a:t> Comparing system configurations and software versions against known vulnerability databases.</a:t>
           </a:r>
-          <a:endParaRPr lang="en-US" sz="900" kern="1200"/>
+          <a:endParaRPr lang="en-US" sz="700" kern="1200"/>
         </a:p>
         <a:p>
-          <a:pPr marL="57150" lvl="1" indent="-57150" algn="l" defTabSz="400050">
+          <a:pPr marL="57150" lvl="1" indent="-57150" algn="l" defTabSz="311150">
             <a:lnSpc>
               <a:spcPct val="90000"/>
             </a:lnSpc>
@@ -5591,63 +6548,87 @@
             <a:buChar char="•"/>
           </a:pPr>
           <a:r>
-            <a:rPr lang="en-IN" sz="900" b="1" kern="1200"/>
-            <a:t>Web Crawling:</a:t>
+            <a:rPr lang="en-IN" sz="700" b="1" kern="1200"/>
+            <a:t>Heuristic Analysis:</a:t>
           </a:r>
           <a:r>
-            <a:rPr lang="en-IN" sz="900" kern="1200"/>
-            <a:t> Automatically discovering and analyzing web pages and their interactions.</a:t>
+            <a:rPr lang="en-IN" sz="700" kern="1200"/>
+            <a:t> Using behavioral analysis to identify potential vulnerabilities.</a:t>
           </a:r>
-          <a:endParaRPr lang="en-US" sz="900" kern="1200"/>
+          <a:endParaRPr lang="en-US" sz="700" kern="1200"/>
         </a:p>
       </dsp:txBody>
-      <dsp:txXfrm>
-        <a:off x="0" y="1671195"/>
-        <a:ext cx="2262768" cy="1357661"/>
+      <dsp:txXfrm rot="-5400000">
+        <a:off x="3089757" y="2297574"/>
+        <a:ext cx="5472235" cy="382018"/>
       </dsp:txXfrm>
     </dsp:sp>
-    <dsp:sp modelId="{9ED06121-3890-4C30-92E4-05E8801CE8EC}">
+    <dsp:sp modelId="{5E41274E-C9A4-4473-B322-6843835D2F74}">
       <dsp:nvSpPr>
         <dsp:cNvPr id="0" name=""/>
         <dsp:cNvSpPr/>
       </dsp:nvSpPr>
       <dsp:spPr>
         <a:xfrm>
-          <a:off x="2489045" y="1671195"/>
-          <a:ext cx="2262768" cy="1357661"/>
+          <a:off x="0" y="2223989"/>
+          <a:ext cx="3089756" cy="529188"/>
         </a:xfrm>
-        <a:prstGeom prst="rect">
+        <a:prstGeom prst="roundRect">
           <a:avLst/>
         </a:prstGeom>
-        <a:solidFill>
-          <a:schemeClr val="accent5">
-            <a:hueOff val="0"/>
-            <a:satOff val="0"/>
-            <a:lumOff val="0"/>
-            <a:alphaOff val="0"/>
-          </a:schemeClr>
-        </a:solidFill>
-        <a:ln w="28575" cap="rnd" cmpd="sng" algn="ctr">
-          <a:solidFill>
-            <a:schemeClr val="lt1">
-              <a:hueOff val="0"/>
-              <a:satOff val="0"/>
-              <a:lumOff val="0"/>
-              <a:alphaOff val="0"/>
-            </a:schemeClr>
-          </a:solidFill>
-          <a:prstDash val="solid"/>
+        <a:gradFill rotWithShape="0">
+          <a:gsLst>
+            <a:gs pos="0">
+              <a:schemeClr val="accent6">
+                <a:hueOff val="0"/>
+                <a:satOff val="0"/>
+                <a:lumOff val="0"/>
+                <a:alphaOff val="0"/>
+                <a:tint val="98000"/>
+                <a:lumMod val="114000"/>
+              </a:schemeClr>
+            </a:gs>
+            <a:gs pos="100000">
+              <a:schemeClr val="accent6">
+                <a:hueOff val="0"/>
+                <a:satOff val="0"/>
+                <a:lumOff val="0"/>
+                <a:alphaOff val="0"/>
+                <a:shade val="90000"/>
+                <a:lumMod val="84000"/>
+              </a:schemeClr>
+            </a:gs>
+          </a:gsLst>
+          <a:lin ang="5400000" scaled="0"/>
+        </a:gradFill>
+        <a:ln>
+          <a:noFill/>
         </a:ln>
-        <a:effectLst/>
+        <a:effectLst>
+          <a:outerShdw blurRad="63500" dist="38100" dir="5400000" rotWithShape="0">
+            <a:srgbClr val="000000">
+              <a:alpha val="60000"/>
+            </a:srgbClr>
+          </a:outerShdw>
+        </a:effectLst>
+        <a:scene3d>
+          <a:camera prst="orthographicFront">
+            <a:rot lat="0" lon="0" rev="0"/>
+          </a:camera>
+          <a:lightRig rig="threePt" dir="tl"/>
+        </a:scene3d>
+        <a:sp3d prstMaterial="plastic">
+          <a:bevelT w="0" h="0"/>
+        </a:sp3d>
       </dsp:spPr>
       <dsp:style>
-        <a:lnRef idx="3">
+        <a:lnRef idx="0">
           <a:scrgbClr r="0" g="0" b="0"/>
         </a:lnRef>
-        <a:fillRef idx="1">
+        <a:fillRef idx="3">
           <a:scrgbClr r="0" g="0" b="0"/>
         </a:fillRef>
-        <a:effectRef idx="1">
+        <a:effectRef idx="3">
           <a:scrgbClr r="0" g="0" b="0"/>
         </a:effectRef>
         <a:fontRef idx="minor">
@@ -5655,12 +6636,12 @@
         </a:fontRef>
       </dsp:style>
       <dsp:txBody>
-        <a:bodyPr spcFirstLastPara="0" vert="horz" wrap="square" lIns="41910" tIns="41910" rIns="41910" bIns="41910" numCol="1" spcCol="1270" anchor="t" anchorCtr="0">
+        <a:bodyPr spcFirstLastPara="0" vert="horz" wrap="square" lIns="38100" tIns="19050" rIns="38100" bIns="19050" numCol="1" spcCol="1270" anchor="ctr" anchorCtr="0">
           <a:noAutofit/>
         </a:bodyPr>
         <a:lstStyle/>
         <a:p>
-          <a:pPr marL="0" lvl="0" indent="0" algn="l" defTabSz="488950">
+          <a:pPr marL="0" lvl="0" indent="0" algn="ctr" defTabSz="444500">
             <a:lnSpc>
               <a:spcPct val="90000"/>
             </a:lnSpc>
@@ -5673,109 +6654,87 @@
             <a:buNone/>
           </a:pPr>
           <a:r>
-            <a:rPr lang="en-IN" sz="1100" b="1" kern="1200"/>
+            <a:rPr lang="en-IN" sz="1000" b="1" kern="1200"/>
             <a:t>System and Software Scanning:</a:t>
           </a:r>
           <a:r>
-            <a:rPr lang="en-IN" sz="1100" kern="1200"/>
+            <a:rPr lang="en-IN" sz="1000" kern="1200"/>
             <a:t> </a:t>
           </a:r>
-          <a:endParaRPr lang="en-US" sz="1100" kern="1200"/>
-        </a:p>
-        <a:p>
-          <a:pPr marL="57150" lvl="1" indent="-57150" algn="l" defTabSz="400050">
-            <a:lnSpc>
-              <a:spcPct val="90000"/>
-            </a:lnSpc>
-            <a:spcBef>
-              <a:spcPct val="0"/>
-            </a:spcBef>
-            <a:spcAft>
-              <a:spcPct val="15000"/>
-            </a:spcAft>
-            <a:buChar char="•"/>
-          </a:pPr>
-          <a:r>
-            <a:rPr lang="en-IN" sz="900" b="1" kern="1200"/>
-            <a:t>Signature-Based Scanning:</a:t>
-          </a:r>
-          <a:r>
-            <a:rPr lang="en-IN" sz="900" kern="1200"/>
-            <a:t> Comparing system configurations and software versions against known vulnerability databases.</a:t>
-          </a:r>
-          <a:endParaRPr lang="en-US" sz="900" kern="1200"/>
-        </a:p>
-        <a:p>
-          <a:pPr marL="57150" lvl="1" indent="-57150" algn="l" defTabSz="400050">
-            <a:lnSpc>
-              <a:spcPct val="90000"/>
-            </a:lnSpc>
-            <a:spcBef>
-              <a:spcPct val="0"/>
-            </a:spcBef>
-            <a:spcAft>
-              <a:spcPct val="15000"/>
-            </a:spcAft>
-            <a:buChar char="•"/>
-          </a:pPr>
-          <a:r>
-            <a:rPr lang="en-IN" sz="900" b="1" kern="1200"/>
-            <a:t>Heuristic Analysis:</a:t>
-          </a:r>
-          <a:r>
-            <a:rPr lang="en-IN" sz="900" kern="1200"/>
-            <a:t> Using behavioral analysis to identify potential vulnerabilities.</a:t>
-          </a:r>
-          <a:endParaRPr lang="en-US" sz="900" kern="1200"/>
+          <a:endParaRPr lang="en-US" sz="1000" kern="1200"/>
         </a:p>
       </dsp:txBody>
       <dsp:txXfrm>
-        <a:off x="2489045" y="1671195"/>
-        <a:ext cx="2262768" cy="1357661"/>
+        <a:off x="25833" y="2249822"/>
+        <a:ext cx="3038090" cy="477522"/>
       </dsp:txXfrm>
     </dsp:sp>
-    <dsp:sp modelId="{628E8933-273D-456D-B479-837136817E38}">
+    <dsp:sp modelId="{568365F3-D18D-408F-9812-7A0C8BB2A697}">
       <dsp:nvSpPr>
         <dsp:cNvPr id="0" name=""/>
         <dsp:cNvSpPr/>
       </dsp:nvSpPr>
       <dsp:spPr>
         <a:xfrm>
-          <a:off x="4978090" y="1671195"/>
-          <a:ext cx="2262768" cy="1357661"/>
+          <a:off x="0" y="2779637"/>
+          <a:ext cx="3089756" cy="529188"/>
         </a:xfrm>
-        <a:prstGeom prst="rect">
+        <a:prstGeom prst="roundRect">
           <a:avLst/>
         </a:prstGeom>
-        <a:solidFill>
-          <a:schemeClr val="accent5">
-            <a:hueOff val="0"/>
-            <a:satOff val="0"/>
-            <a:lumOff val="0"/>
-            <a:alphaOff val="0"/>
-          </a:schemeClr>
-        </a:solidFill>
-        <a:ln w="28575" cap="rnd" cmpd="sng" algn="ctr">
-          <a:solidFill>
-            <a:schemeClr val="lt1">
-              <a:hueOff val="0"/>
-              <a:satOff val="0"/>
-              <a:lumOff val="0"/>
-              <a:alphaOff val="0"/>
-            </a:schemeClr>
-          </a:solidFill>
-          <a:prstDash val="solid"/>
+        <a:gradFill rotWithShape="0">
+          <a:gsLst>
+            <a:gs pos="0">
+              <a:schemeClr val="accent2">
+                <a:hueOff val="0"/>
+                <a:satOff val="0"/>
+                <a:lumOff val="0"/>
+                <a:alphaOff val="0"/>
+                <a:tint val="98000"/>
+                <a:lumMod val="114000"/>
+              </a:schemeClr>
+            </a:gs>
+            <a:gs pos="100000">
+              <a:schemeClr val="accent2">
+                <a:hueOff val="0"/>
+                <a:satOff val="0"/>
+                <a:lumOff val="0"/>
+                <a:alphaOff val="0"/>
+                <a:shade val="90000"/>
+                <a:lumMod val="84000"/>
+              </a:schemeClr>
+            </a:gs>
+          </a:gsLst>
+          <a:lin ang="5400000" scaled="0"/>
+        </a:gradFill>
+        <a:ln>
+          <a:noFill/>
         </a:ln>
-        <a:effectLst/>
+        <a:effectLst>
+          <a:outerShdw blurRad="63500" dist="38100" dir="5400000" rotWithShape="0">
+            <a:srgbClr val="000000">
+              <a:alpha val="60000"/>
+            </a:srgbClr>
+          </a:outerShdw>
+        </a:effectLst>
+        <a:scene3d>
+          <a:camera prst="orthographicFront">
+            <a:rot lat="0" lon="0" rev="0"/>
+          </a:camera>
+          <a:lightRig rig="threePt" dir="tl"/>
+        </a:scene3d>
+        <a:sp3d prstMaterial="plastic">
+          <a:bevelT w="0" h="0"/>
+        </a:sp3d>
       </dsp:spPr>
       <dsp:style>
-        <a:lnRef idx="3">
+        <a:lnRef idx="0">
           <a:scrgbClr r="0" g="0" b="0"/>
         </a:lnRef>
-        <a:fillRef idx="1">
+        <a:fillRef idx="3">
           <a:scrgbClr r="0" g="0" b="0"/>
         </a:fillRef>
-        <a:effectRef idx="1">
+        <a:effectRef idx="3">
           <a:scrgbClr r="0" g="0" b="0"/>
         </a:effectRef>
         <a:fontRef idx="minor">
@@ -5783,12 +6742,12 @@
         </a:fontRef>
       </dsp:style>
       <dsp:txBody>
-        <a:bodyPr spcFirstLastPara="0" vert="horz" wrap="square" lIns="41910" tIns="41910" rIns="41910" bIns="41910" numCol="1" spcCol="1270" anchor="ctr" anchorCtr="0">
+        <a:bodyPr spcFirstLastPara="0" vert="horz" wrap="square" lIns="38100" tIns="19050" rIns="38100" bIns="19050" numCol="1" spcCol="1270" anchor="ctr" anchorCtr="0">
           <a:noAutofit/>
         </a:bodyPr>
         <a:lstStyle/>
         <a:p>
-          <a:pPr marL="0" lvl="0" indent="0" algn="ctr" defTabSz="488950">
+          <a:pPr marL="0" lvl="0" indent="0" algn="ctr" defTabSz="444500">
             <a:lnSpc>
               <a:spcPct val="90000"/>
             </a:lnSpc>
@@ -5801,59 +6760,83 @@
             <a:buNone/>
           </a:pPr>
           <a:r>
-            <a:rPr lang="en-US" sz="1100" b="1" kern="1200"/>
+            <a:rPr lang="en-US" sz="1000" b="1" kern="1200"/>
             <a:t>Programming Languages and Frameworks:</a:t>
           </a:r>
-          <a:endParaRPr lang="en-US" sz="1100" kern="1200"/>
+          <a:endParaRPr lang="en-US" sz="1000" kern="1200"/>
         </a:p>
       </dsp:txBody>
       <dsp:txXfrm>
-        <a:off x="4978090" y="1671195"/>
-        <a:ext cx="2262768" cy="1357661"/>
+        <a:off x="25833" y="2805470"/>
+        <a:ext cx="3038090" cy="477522"/>
       </dsp:txXfrm>
     </dsp:sp>
-    <dsp:sp modelId="{02833BD8-4D0D-4A3B-AA3B-8A87A8A85DDA}">
+    <dsp:sp modelId="{97DC52EE-45B8-4BF3-8029-FF2AB02E915E}">
       <dsp:nvSpPr>
         <dsp:cNvPr id="0" name=""/>
         <dsp:cNvSpPr/>
       </dsp:nvSpPr>
       <dsp:spPr>
         <a:xfrm>
-          <a:off x="0" y="3255133"/>
-          <a:ext cx="2262768" cy="1357661"/>
+          <a:off x="0" y="3335285"/>
+          <a:ext cx="3089756" cy="529188"/>
         </a:xfrm>
-        <a:prstGeom prst="rect">
+        <a:prstGeom prst="roundRect">
           <a:avLst/>
         </a:prstGeom>
-        <a:solidFill>
-          <a:schemeClr val="accent5">
-            <a:hueOff val="0"/>
-            <a:satOff val="0"/>
-            <a:lumOff val="0"/>
-            <a:alphaOff val="0"/>
-          </a:schemeClr>
-        </a:solidFill>
-        <a:ln w="28575" cap="rnd" cmpd="sng" algn="ctr">
-          <a:solidFill>
-            <a:schemeClr val="lt1">
-              <a:hueOff val="0"/>
-              <a:satOff val="0"/>
-              <a:lumOff val="0"/>
-              <a:alphaOff val="0"/>
-            </a:schemeClr>
-          </a:solidFill>
-          <a:prstDash val="solid"/>
+        <a:gradFill rotWithShape="0">
+          <a:gsLst>
+            <a:gs pos="0">
+              <a:schemeClr val="accent3">
+                <a:hueOff val="0"/>
+                <a:satOff val="0"/>
+                <a:lumOff val="0"/>
+                <a:alphaOff val="0"/>
+                <a:tint val="98000"/>
+                <a:lumMod val="114000"/>
+              </a:schemeClr>
+            </a:gs>
+            <a:gs pos="100000">
+              <a:schemeClr val="accent3">
+                <a:hueOff val="0"/>
+                <a:satOff val="0"/>
+                <a:lumOff val="0"/>
+                <a:alphaOff val="0"/>
+                <a:shade val="90000"/>
+                <a:lumMod val="84000"/>
+              </a:schemeClr>
+            </a:gs>
+          </a:gsLst>
+          <a:lin ang="5400000" scaled="0"/>
+        </a:gradFill>
+        <a:ln>
+          <a:noFill/>
         </a:ln>
-        <a:effectLst/>
+        <a:effectLst>
+          <a:outerShdw blurRad="63500" dist="38100" dir="5400000" rotWithShape="0">
+            <a:srgbClr val="000000">
+              <a:alpha val="60000"/>
+            </a:srgbClr>
+          </a:outerShdw>
+        </a:effectLst>
+        <a:scene3d>
+          <a:camera prst="orthographicFront">
+            <a:rot lat="0" lon="0" rev="0"/>
+          </a:camera>
+          <a:lightRig rig="threePt" dir="tl"/>
+        </a:scene3d>
+        <a:sp3d prstMaterial="plastic">
+          <a:bevelT w="0" h="0"/>
+        </a:sp3d>
       </dsp:spPr>
       <dsp:style>
-        <a:lnRef idx="3">
+        <a:lnRef idx="0">
           <a:scrgbClr r="0" g="0" b="0"/>
         </a:lnRef>
-        <a:fillRef idx="1">
+        <a:fillRef idx="3">
           <a:scrgbClr r="0" g="0" b="0"/>
         </a:fillRef>
-        <a:effectRef idx="1">
+        <a:effectRef idx="3">
           <a:scrgbClr r="0" g="0" b="0"/>
         </a:effectRef>
         <a:fontRef idx="minor">
@@ -5861,12 +6844,12 @@
         </a:fontRef>
       </dsp:style>
       <dsp:txBody>
-        <a:bodyPr spcFirstLastPara="0" vert="horz" wrap="square" lIns="41910" tIns="41910" rIns="41910" bIns="41910" numCol="1" spcCol="1270" anchor="ctr" anchorCtr="0">
+        <a:bodyPr spcFirstLastPara="0" vert="horz" wrap="square" lIns="38100" tIns="19050" rIns="38100" bIns="19050" numCol="1" spcCol="1270" anchor="ctr" anchorCtr="0">
           <a:noAutofit/>
         </a:bodyPr>
         <a:lstStyle/>
         <a:p>
-          <a:pPr marL="0" lvl="0" indent="0" algn="ctr" defTabSz="488950">
+          <a:pPr marL="0" lvl="0" indent="0" algn="ctr" defTabSz="444500">
             <a:lnSpc>
               <a:spcPct val="90000"/>
             </a:lnSpc>
@@ -5879,62 +6862,86 @@
             <a:buNone/>
           </a:pPr>
           <a:r>
-            <a:rPr lang="en-US" sz="1100" b="1" kern="1200"/>
+            <a:rPr lang="en-US" sz="1000" b="1" kern="1200"/>
             <a:t>Python:</a:t>
           </a:r>
           <a:r>
-            <a:rPr lang="en-US" sz="1100" kern="1200"/>
+            <a:rPr lang="en-US" sz="1000" kern="1200"/>
             <a:t> Widely used for its simplicity and versatility, often used for scripting and automation.</a:t>
           </a:r>
         </a:p>
       </dsp:txBody>
       <dsp:txXfrm>
-        <a:off x="0" y="3255133"/>
-        <a:ext cx="2262768" cy="1357661"/>
+        <a:off x="25833" y="3361118"/>
+        <a:ext cx="3038090" cy="477522"/>
       </dsp:txXfrm>
     </dsp:sp>
-    <dsp:sp modelId="{37CE10EA-0F23-42E0-BAB0-304F7127D1B9}">
+    <dsp:sp modelId="{A888EC9B-F0FF-4046-A998-C746C35AE8E3}">
       <dsp:nvSpPr>
         <dsp:cNvPr id="0" name=""/>
         <dsp:cNvSpPr/>
       </dsp:nvSpPr>
       <dsp:spPr>
         <a:xfrm>
-          <a:off x="2489045" y="3255133"/>
-          <a:ext cx="2262768" cy="1357661"/>
+          <a:off x="0" y="3890933"/>
+          <a:ext cx="3089756" cy="529188"/>
         </a:xfrm>
-        <a:prstGeom prst="rect">
+        <a:prstGeom prst="roundRect">
           <a:avLst/>
         </a:prstGeom>
-        <a:solidFill>
-          <a:schemeClr val="accent5">
-            <a:hueOff val="0"/>
-            <a:satOff val="0"/>
-            <a:lumOff val="0"/>
-            <a:alphaOff val="0"/>
-          </a:schemeClr>
-        </a:solidFill>
-        <a:ln w="28575" cap="rnd" cmpd="sng" algn="ctr">
-          <a:solidFill>
-            <a:schemeClr val="lt1">
-              <a:hueOff val="0"/>
-              <a:satOff val="0"/>
-              <a:lumOff val="0"/>
-              <a:alphaOff val="0"/>
-            </a:schemeClr>
-          </a:solidFill>
-          <a:prstDash val="solid"/>
+        <a:gradFill rotWithShape="0">
+          <a:gsLst>
+            <a:gs pos="0">
+              <a:schemeClr val="accent4">
+                <a:hueOff val="0"/>
+                <a:satOff val="0"/>
+                <a:lumOff val="0"/>
+                <a:alphaOff val="0"/>
+                <a:tint val="98000"/>
+                <a:lumMod val="114000"/>
+              </a:schemeClr>
+            </a:gs>
+            <a:gs pos="100000">
+              <a:schemeClr val="accent4">
+                <a:hueOff val="0"/>
+                <a:satOff val="0"/>
+                <a:lumOff val="0"/>
+                <a:alphaOff val="0"/>
+                <a:shade val="90000"/>
+                <a:lumMod val="84000"/>
+              </a:schemeClr>
+            </a:gs>
+          </a:gsLst>
+          <a:lin ang="5400000" scaled="0"/>
+        </a:gradFill>
+        <a:ln>
+          <a:noFill/>
         </a:ln>
-        <a:effectLst/>
+        <a:effectLst>
+          <a:outerShdw blurRad="63500" dist="38100" dir="5400000" rotWithShape="0">
+            <a:srgbClr val="000000">
+              <a:alpha val="60000"/>
+            </a:srgbClr>
+          </a:outerShdw>
+        </a:effectLst>
+        <a:scene3d>
+          <a:camera prst="orthographicFront">
+            <a:rot lat="0" lon="0" rev="0"/>
+          </a:camera>
+          <a:lightRig rig="threePt" dir="tl"/>
+        </a:scene3d>
+        <a:sp3d prstMaterial="plastic">
+          <a:bevelT w="0" h="0"/>
+        </a:sp3d>
       </dsp:spPr>
       <dsp:style>
-        <a:lnRef idx="3">
+        <a:lnRef idx="0">
           <a:scrgbClr r="0" g="0" b="0"/>
         </a:lnRef>
-        <a:fillRef idx="1">
+        <a:fillRef idx="3">
           <a:scrgbClr r="0" g="0" b="0"/>
         </a:fillRef>
-        <a:effectRef idx="1">
+        <a:effectRef idx="3">
           <a:scrgbClr r="0" g="0" b="0"/>
         </a:effectRef>
         <a:fontRef idx="minor">
@@ -5942,12 +6949,12 @@
         </a:fontRef>
       </dsp:style>
       <dsp:txBody>
-        <a:bodyPr spcFirstLastPara="0" vert="horz" wrap="square" lIns="41910" tIns="41910" rIns="41910" bIns="41910" numCol="1" spcCol="1270" anchor="ctr" anchorCtr="0">
+        <a:bodyPr spcFirstLastPara="0" vert="horz" wrap="square" lIns="38100" tIns="19050" rIns="38100" bIns="19050" numCol="1" spcCol="1270" anchor="ctr" anchorCtr="0">
           <a:noAutofit/>
         </a:bodyPr>
         <a:lstStyle/>
         <a:p>
-          <a:pPr marL="0" lvl="0" indent="0" algn="ctr" defTabSz="488950">
+          <a:pPr marL="0" lvl="0" indent="0" algn="ctr" defTabSz="444500">
             <a:lnSpc>
               <a:spcPct val="90000"/>
             </a:lnSpc>
@@ -5960,63 +6967,87 @@
             <a:buNone/>
           </a:pPr>
           <a:r>
-            <a:rPr lang="en-US" sz="1100" b="1" i="0" kern="1200" baseline="0"/>
+            <a:rPr lang="en-US" sz="1000" b="1" i="0" kern="1200" baseline="0"/>
             <a:t>Java:</a:t>
           </a:r>
           <a:r>
-            <a:rPr lang="en-US" sz="1100" b="0" i="0" kern="1200" baseline="0"/>
+            <a:rPr lang="en-US" sz="1000" b="0" i="0" kern="1200" baseline="0"/>
             <a:t> Used for large-scale enterprise security solutions. </a:t>
           </a:r>
-          <a:endParaRPr lang="en-US" sz="1100" kern="1200"/>
+          <a:endParaRPr lang="en-US" sz="1000" kern="1200"/>
         </a:p>
       </dsp:txBody>
       <dsp:txXfrm>
-        <a:off x="2489045" y="3255133"/>
-        <a:ext cx="2262768" cy="1357661"/>
+        <a:off x="25833" y="3916766"/>
+        <a:ext cx="3038090" cy="477522"/>
       </dsp:txXfrm>
     </dsp:sp>
-    <dsp:sp modelId="{054509D6-27B5-4A88-AFB2-C16DA3DD9EC4}">
+    <dsp:sp modelId="{2F688F1D-755B-4318-955B-30124BFCA08D}">
       <dsp:nvSpPr>
         <dsp:cNvPr id="0" name=""/>
         <dsp:cNvSpPr/>
       </dsp:nvSpPr>
       <dsp:spPr>
         <a:xfrm>
-          <a:off x="4978090" y="3255133"/>
-          <a:ext cx="2262768" cy="1357661"/>
+          <a:off x="0" y="4446581"/>
+          <a:ext cx="3089756" cy="529188"/>
         </a:xfrm>
-        <a:prstGeom prst="rect">
+        <a:prstGeom prst="roundRect">
           <a:avLst/>
         </a:prstGeom>
-        <a:solidFill>
-          <a:schemeClr val="accent5">
-            <a:hueOff val="0"/>
-            <a:satOff val="0"/>
-            <a:lumOff val="0"/>
-            <a:alphaOff val="0"/>
-          </a:schemeClr>
-        </a:solidFill>
-        <a:ln w="28575" cap="rnd" cmpd="sng" algn="ctr">
-          <a:solidFill>
-            <a:schemeClr val="lt1">
-              <a:hueOff val="0"/>
-              <a:satOff val="0"/>
-              <a:lumOff val="0"/>
-              <a:alphaOff val="0"/>
-            </a:schemeClr>
-          </a:solidFill>
-          <a:prstDash val="solid"/>
+        <a:gradFill rotWithShape="0">
+          <a:gsLst>
+            <a:gs pos="0">
+              <a:schemeClr val="accent5">
+                <a:hueOff val="0"/>
+                <a:satOff val="0"/>
+                <a:lumOff val="0"/>
+                <a:alphaOff val="0"/>
+                <a:tint val="98000"/>
+                <a:lumMod val="114000"/>
+              </a:schemeClr>
+            </a:gs>
+            <a:gs pos="100000">
+              <a:schemeClr val="accent5">
+                <a:hueOff val="0"/>
+                <a:satOff val="0"/>
+                <a:lumOff val="0"/>
+                <a:alphaOff val="0"/>
+                <a:shade val="90000"/>
+                <a:lumMod val="84000"/>
+              </a:schemeClr>
+            </a:gs>
+          </a:gsLst>
+          <a:lin ang="5400000" scaled="0"/>
+        </a:gradFill>
+        <a:ln>
+          <a:noFill/>
         </a:ln>
-        <a:effectLst/>
+        <a:effectLst>
+          <a:outerShdw blurRad="63500" dist="38100" dir="5400000" rotWithShape="0">
+            <a:srgbClr val="000000">
+              <a:alpha val="60000"/>
+            </a:srgbClr>
+          </a:outerShdw>
+        </a:effectLst>
+        <a:scene3d>
+          <a:camera prst="orthographicFront">
+            <a:rot lat="0" lon="0" rev="0"/>
+          </a:camera>
+          <a:lightRig rig="threePt" dir="tl"/>
+        </a:scene3d>
+        <a:sp3d prstMaterial="plastic">
+          <a:bevelT w="0" h="0"/>
+        </a:sp3d>
       </dsp:spPr>
       <dsp:style>
-        <a:lnRef idx="3">
+        <a:lnRef idx="0">
           <a:scrgbClr r="0" g="0" b="0"/>
         </a:lnRef>
-        <a:fillRef idx="1">
+        <a:fillRef idx="3">
           <a:scrgbClr r="0" g="0" b="0"/>
         </a:fillRef>
-        <a:effectRef idx="1">
+        <a:effectRef idx="3">
           <a:scrgbClr r="0" g="0" b="0"/>
         </a:effectRef>
         <a:fontRef idx="minor">
@@ -6024,12 +7055,12 @@
         </a:fontRef>
       </dsp:style>
       <dsp:txBody>
-        <a:bodyPr spcFirstLastPara="0" vert="horz" wrap="square" lIns="41910" tIns="41910" rIns="41910" bIns="41910" numCol="1" spcCol="1270" anchor="ctr" anchorCtr="0">
+        <a:bodyPr spcFirstLastPara="0" vert="horz" wrap="square" lIns="38100" tIns="19050" rIns="38100" bIns="19050" numCol="1" spcCol="1270" anchor="ctr" anchorCtr="0">
           <a:noAutofit/>
         </a:bodyPr>
         <a:lstStyle/>
         <a:p>
-          <a:pPr marL="0" lvl="0" indent="0" algn="ctr" defTabSz="488950">
+          <a:pPr marL="0" lvl="0" indent="0" algn="ctr" defTabSz="444500">
             <a:lnSpc>
               <a:spcPct val="90000"/>
             </a:lnSpc>
@@ -6042,19 +7073,19 @@
             <a:buNone/>
           </a:pPr>
           <a:r>
-            <a:rPr lang="en-US" sz="1100" b="1" i="0" kern="1200" baseline="0"/>
+            <a:rPr lang="en-US" sz="1000" b="1" i="0" kern="1200" baseline="0"/>
             <a:t>JavaScript:</a:t>
           </a:r>
           <a:r>
-            <a:rPr lang="en-US" sz="1100" b="0" i="0" kern="1200" baseline="0"/>
+            <a:rPr lang="en-US" sz="1000" b="0" i="0" kern="1200" baseline="0"/>
             <a:t> Used for web application scanning and interactive interfaces and many more.</a:t>
           </a:r>
-          <a:endParaRPr lang="en-US" sz="1100" kern="1200"/>
+          <a:endParaRPr lang="en-US" sz="1000" kern="1200"/>
         </a:p>
       </dsp:txBody>
       <dsp:txXfrm>
-        <a:off x="4978090" y="3255133"/>
-        <a:ext cx="2262768" cy="1357661"/>
+        <a:off x="25833" y="4472414"/>
+        <a:ext cx="3038090" cy="477522"/>
       </dsp:txXfrm>
     </dsp:sp>
   </dsp:spTree>
@@ -6062,8 +7093,8 @@
 </file>
 
 <file path=ppt/diagrams/layout1.xml><?xml version="1.0" encoding="utf-8"?>
-<dgm:layoutDef xmlns:dgm="http://schemas.openxmlformats.org/drawingml/2006/diagram" xmlns:a="http://schemas.openxmlformats.org/drawingml/2006/main" uniqueId="urn:microsoft.com/office/officeart/2016/7/layout/VerticalHollowActionList">
-  <dgm:title val="Vertical Hollow Action List"/>
+<dgm:layoutDef xmlns:dgm="http://schemas.openxmlformats.org/drawingml/2006/diagram" xmlns:a="http://schemas.openxmlformats.org/drawingml/2006/main" uniqueId="urn:microsoft.com/office/officeart/2016/7/layout/VerticalSolidActionList">
+  <dgm:title val="Vertical Solid Action List"/>
   <dgm:desc val="Use to show non-sequential or grouped lists of information. Works well with large amounts of text. All text has the same level of emphasis, and direction is not implied."/>
   <dgm:catLst>
     <dgm:cat type="list" pri="500"/>
@@ -6223,7 +7254,7 @@
           <dgm:constr type="h" for="ch" forName="descendantText" refType="h" refFor="ch" refForName="parentText"/>
         </dgm:constrLst>
         <dgm:ruleLst/>
-        <dgm:layoutNode name="parentText" styleLbl="solidFgAcc1">
+        <dgm:layoutNode name="parentText" styleLbl="alignNode1">
           <dgm:varLst>
             <dgm:chMax val="1"/>
             <dgm:bulletEnabled/>
@@ -6243,7 +7274,7 @@
             <dgm:rule type="primFontSz" val="15" fact="NaN" max="NaN"/>
           </dgm:ruleLst>
         </dgm:layoutNode>
-        <dgm:layoutNode name="descendantText" styleLbl="alignNode1">
+        <dgm:layoutNode name="descendantText" styleLbl="alignAccFollowNode1">
           <dgm:varLst>
             <dgm:bulletEnabled/>
           </dgm:varLst>
@@ -6296,11 +7327,12 @@
 </file>
 
 <file path=ppt/diagrams/layout2.xml><?xml version="1.0" encoding="utf-8"?>
-<dgm:layoutDef xmlns:dgm="http://schemas.openxmlformats.org/drawingml/2006/diagram" xmlns:a="http://schemas.openxmlformats.org/drawingml/2006/main" uniqueId="urn:microsoft.com/office/officeart/2005/8/layout/default">
+<dgm:layoutDef xmlns:dgm="http://schemas.openxmlformats.org/drawingml/2006/diagram" xmlns:a="http://schemas.openxmlformats.org/drawingml/2006/main" uniqueId="urn:microsoft.com/office/officeart/2005/8/layout/vList5">
   <dgm:title val=""/>
   <dgm:desc val=""/>
   <dgm:catLst>
-    <dgm:cat type="list" pri="400"/>
+    <dgm:cat type="list" pri="15000"/>
+    <dgm:cat type="convert" pri="2000"/>
   </dgm:catLst>
   <dgm:sampData>
     <dgm:dataModel>
@@ -6309,25 +7341,41 @@
         <dgm:pt modelId="1">
           <dgm:prSet phldr="1"/>
         </dgm:pt>
+        <dgm:pt modelId="11">
+          <dgm:prSet phldr="1"/>
+        </dgm:pt>
+        <dgm:pt modelId="12">
+          <dgm:prSet phldr="1"/>
+        </dgm:pt>
         <dgm:pt modelId="2">
+          <dgm:prSet phldr="1"/>
+        </dgm:pt>
+        <dgm:pt modelId="21">
+          <dgm:prSet phldr="1"/>
+        </dgm:pt>
+        <dgm:pt modelId="22">
           <dgm:prSet phldr="1"/>
         </dgm:pt>
         <dgm:pt modelId="3">
           <dgm:prSet phldr="1"/>
         </dgm:pt>
-        <dgm:pt modelId="4">
+        <dgm:pt modelId="31">
           <dgm:prSet phldr="1"/>
         </dgm:pt>
-        <dgm:pt modelId="5">
+        <dgm:pt modelId="32">
           <dgm:prSet phldr="1"/>
         </dgm:pt>
       </dgm:ptLst>
       <dgm:cxnLst>
-        <dgm:cxn modelId="6" srcId="0" destId="1" srcOrd="0" destOrd="0"/>
-        <dgm:cxn modelId="7" srcId="0" destId="2" srcOrd="1" destOrd="0"/>
-        <dgm:cxn modelId="8" srcId="0" destId="3" srcOrd="2" destOrd="0"/>
-        <dgm:cxn modelId="9" srcId="0" destId="4" srcOrd="3" destOrd="0"/>
-        <dgm:cxn modelId="10" srcId="0" destId="5" srcOrd="4" destOrd="0"/>
+        <dgm:cxn modelId="4" srcId="0" destId="1" srcOrd="0" destOrd="0"/>
+        <dgm:cxn modelId="5" srcId="0" destId="2" srcOrd="1" destOrd="0"/>
+        <dgm:cxn modelId="6" srcId="0" destId="3" srcOrd="2" destOrd="0"/>
+        <dgm:cxn modelId="13" srcId="1" destId="11" srcOrd="0" destOrd="0"/>
+        <dgm:cxn modelId="14" srcId="1" destId="12" srcOrd="1" destOrd="0"/>
+        <dgm:cxn modelId="23" srcId="2" destId="21" srcOrd="0" destOrd="0"/>
+        <dgm:cxn modelId="24" srcId="2" destId="22" srcOrd="1" destOrd="0"/>
+        <dgm:cxn modelId="33" srcId="3" destId="31" srcOrd="0" destOrd="0"/>
+        <dgm:cxn modelId="34" srcId="3" destId="32" srcOrd="1" destOrd="0"/>
       </dgm:cxnLst>
       <dgm:bg/>
       <dgm:whole/>
@@ -6338,11 +7386,15 @@
       <dgm:ptLst>
         <dgm:pt modelId="0" type="doc"/>
         <dgm:pt modelId="1"/>
+        <dgm:pt modelId="11"/>
         <dgm:pt modelId="2"/>
+        <dgm:pt modelId="21"/>
       </dgm:ptLst>
       <dgm:cxnLst>
-        <dgm:cxn modelId="3" srcId="0" destId="1" srcOrd="0" destOrd="0"/>
-        <dgm:cxn modelId="4" srcId="0" destId="2" srcOrd="1" destOrd="0"/>
+        <dgm:cxn modelId="4" srcId="0" destId="1" srcOrd="0" destOrd="0"/>
+        <dgm:cxn modelId="5" srcId="0" destId="2" srcOrd="1" destOrd="0"/>
+        <dgm:cxn modelId="13" srcId="1" destId="11" srcOrd="0" destOrd="0"/>
+        <dgm:cxn modelId="23" srcId="2" destId="21" srcOrd="0" destOrd="0"/>
       </dgm:cxnLst>
       <dgm:bg/>
       <dgm:whole/>
@@ -6353,44 +7405,45 @@
       <dgm:ptLst>
         <dgm:pt modelId="0" type="doc"/>
         <dgm:pt modelId="1"/>
+        <dgm:pt modelId="11"/>
         <dgm:pt modelId="2"/>
+        <dgm:pt modelId="21"/>
         <dgm:pt modelId="3"/>
+        <dgm:pt modelId="31"/>
         <dgm:pt modelId="4"/>
-        <dgm:pt modelId="5"/>
-        <dgm:pt modelId="6"/>
+        <dgm:pt modelId="41"/>
       </dgm:ptLst>
       <dgm:cxnLst>
-        <dgm:cxn modelId="7" srcId="0" destId="1" srcOrd="0" destOrd="0"/>
-        <dgm:cxn modelId="8" srcId="0" destId="2" srcOrd="1" destOrd="0"/>
-        <dgm:cxn modelId="9" srcId="0" destId="3" srcOrd="2" destOrd="0"/>
-        <dgm:cxn modelId="10" srcId="0" destId="4" srcOrd="3" destOrd="0"/>
-        <dgm:cxn modelId="11" srcId="0" destId="5" srcOrd="4" destOrd="0"/>
-        <dgm:cxn modelId="12" srcId="0" destId="6" srcOrd="5" destOrd="0"/>
+        <dgm:cxn modelId="5" srcId="0" destId="1" srcOrd="0" destOrd="0"/>
+        <dgm:cxn modelId="6" srcId="0" destId="2" srcOrd="1" destOrd="0"/>
+        <dgm:cxn modelId="7" srcId="0" destId="3" srcOrd="2" destOrd="0"/>
+        <dgm:cxn modelId="8" srcId="0" destId="4" srcOrd="3" destOrd="0"/>
+        <dgm:cxn modelId="13" srcId="1" destId="11" srcOrd="0" destOrd="0"/>
+        <dgm:cxn modelId="23" srcId="2" destId="21" srcOrd="0" destOrd="0"/>
+        <dgm:cxn modelId="33" srcId="3" destId="31" srcOrd="0" destOrd="0"/>
+        <dgm:cxn modelId="43" srcId="4" destId="41" srcOrd="0" destOrd="0"/>
       </dgm:cxnLst>
       <dgm:bg/>
       <dgm:whole/>
     </dgm:dataModel>
   </dgm:clrData>
-  <dgm:layoutNode name="diagram">
+  <dgm:layoutNode name="Name0">
     <dgm:varLst>
       <dgm:dir/>
+      <dgm:animLvl val="lvl"/>
       <dgm:resizeHandles val="exact"/>
     </dgm:varLst>
-    <dgm:choose name="Name0">
-      <dgm:if name="Name1" func="var" arg="dir" op="equ" val="norm">
-        <dgm:alg type="snake">
-          <dgm:param type="grDir" val="tL"/>
-          <dgm:param type="flowDir" val="row"/>
-          <dgm:param type="contDir" val="sameDir"/>
-          <dgm:param type="off" val="ctr"/>
+    <dgm:choose name="Name1">
+      <dgm:if name="Name2" func="var" arg="dir" op="equ" val="norm">
+        <dgm:alg type="lin">
+          <dgm:param type="linDir" val="fromT"/>
+          <dgm:param type="nodeHorzAlign" val="l"/>
         </dgm:alg>
       </dgm:if>
-      <dgm:else name="Name2">
-        <dgm:alg type="snake">
-          <dgm:param type="grDir" val="tR"/>
-          <dgm:param type="flowDir" val="row"/>
-          <dgm:param type="contDir" val="sameDir"/>
-          <dgm:param type="off" val="ctr"/>
+      <dgm:else name="Name3">
+        <dgm:alg type="lin">
+          <dgm:param type="linDir" val="fromT"/>
+          <dgm:param type="nodeHorzAlign" val="r"/>
         </dgm:alg>
       </dgm:else>
     </dgm:choose>
@@ -6399,35 +7452,99 @@
     </dgm:shape>
     <dgm:presOf/>
     <dgm:constrLst>
-      <dgm:constr type="w" for="ch" forName="node" refType="w"/>
-      <dgm:constr type="h" for="ch" forName="node" refType="w" refFor="ch" refForName="node" fact="0.6"/>
-      <dgm:constr type="w" for="ch" forName="sibTrans" refType="w" refFor="ch" refForName="node" fact="0.1"/>
-      <dgm:constr type="sp" refType="w" refFor="ch" refForName="sibTrans"/>
-      <dgm:constr type="primFontSz" for="ch" forName="node" op="equ" val="65"/>
+      <dgm:constr type="h" for="ch" forName="linNode" refType="h"/>
+      <dgm:constr type="w" for="ch" forName="linNode" refType="w"/>
+      <dgm:constr type="h" for="ch" forName="sp" refType="h" fact="0.05"/>
+      <dgm:constr type="primFontSz" for="des" forName="parentText" op="equ" val="65"/>
+      <dgm:constr type="secFontSz" for="des" forName="descendantText" op="equ"/>
     </dgm:constrLst>
     <dgm:ruleLst/>
-    <dgm:forEach name="Name3" axis="ch" ptType="node">
-      <dgm:layoutNode name="node">
-        <dgm:varLst>
-          <dgm:bulletEnabled val="1"/>
-        </dgm:varLst>
-        <dgm:alg type="tx"/>
-        <dgm:shape xmlns:r="http://schemas.openxmlformats.org/officeDocument/2006/relationships" type="rect" r:blip="">
+    <dgm:forEach name="Name4" axis="ch" ptType="node">
+      <dgm:layoutNode name="linNode">
+        <dgm:choose name="Name5">
+          <dgm:if name="Name6" func="var" arg="dir" op="equ" val="norm">
+            <dgm:alg type="lin">
+              <dgm:param type="linDir" val="fromL"/>
+            </dgm:alg>
+          </dgm:if>
+          <dgm:else name="Name7">
+            <dgm:alg type="lin">
+              <dgm:param type="linDir" val="fromR"/>
+            </dgm:alg>
+          </dgm:else>
+        </dgm:choose>
+        <dgm:shape xmlns:r="http://schemas.openxmlformats.org/officeDocument/2006/relationships" r:blip="">
           <dgm:adjLst/>
         </dgm:shape>
-        <dgm:presOf axis="desOrSelf" ptType="node"/>
+        <dgm:presOf/>
         <dgm:constrLst>
-          <dgm:constr type="lMarg" refType="primFontSz" fact="0.3"/>
-          <dgm:constr type="rMarg" refType="primFontSz" fact="0.3"/>
-          <dgm:constr type="tMarg" refType="primFontSz" fact="0.3"/>
-          <dgm:constr type="bMarg" refType="primFontSz" fact="0.3"/>
+          <dgm:constr type="w" for="ch" forName="parentText" refType="w" fact="0.36"/>
+          <dgm:constr type="w" for="ch" forName="descendantText" refType="w" fact="0.64"/>
+          <dgm:constr type="h" for="ch" forName="parentText" refType="h"/>
+          <dgm:constr type="h" for="ch" forName="descendantText" refType="h" refFor="ch" refForName="parentText" fact="0.8"/>
         </dgm:constrLst>
-        <dgm:ruleLst>
-          <dgm:rule type="primFontSz" val="5" fact="NaN" max="NaN"/>
-        </dgm:ruleLst>
+        <dgm:ruleLst/>
+        <dgm:layoutNode name="parentText">
+          <dgm:varLst>
+            <dgm:chMax val="1"/>
+            <dgm:bulletEnabled val="1"/>
+          </dgm:varLst>
+          <dgm:alg type="tx"/>
+          <dgm:shape xmlns:r="http://schemas.openxmlformats.org/officeDocument/2006/relationships" type="roundRect" r:blip="" zOrderOff="3">
+            <dgm:adjLst/>
+          </dgm:shape>
+          <dgm:presOf axis="self" ptType="node"/>
+          <dgm:constrLst>
+            <dgm:constr type="tMarg" refType="primFontSz" fact="0.15"/>
+            <dgm:constr type="bMarg" refType="primFontSz" fact="0.15"/>
+            <dgm:constr type="lMarg" refType="primFontSz" fact="0.3"/>
+            <dgm:constr type="rMarg" refType="primFontSz" fact="0.3"/>
+          </dgm:constrLst>
+          <dgm:ruleLst>
+            <dgm:rule type="primFontSz" val="5" fact="NaN" max="NaN"/>
+          </dgm:ruleLst>
+        </dgm:layoutNode>
+        <dgm:choose name="Name8">
+          <dgm:if name="Name9" axis="ch" ptType="node" func="cnt" op="gte" val="1">
+            <dgm:layoutNode name="descendantText" styleLbl="alignAccFollowNode1">
+              <dgm:varLst>
+                <dgm:bulletEnabled val="1"/>
+              </dgm:varLst>
+              <dgm:alg type="tx">
+                <dgm:param type="stBulletLvl" val="1"/>
+                <dgm:param type="txAnchorVertCh" val="mid"/>
+              </dgm:alg>
+              <dgm:choose name="Name10">
+                <dgm:if name="Name11" func="var" arg="dir" op="equ" val="norm">
+                  <dgm:shape xmlns:r="http://schemas.openxmlformats.org/officeDocument/2006/relationships" rot="90" type="round2SameRect" r:blip="">
+                    <dgm:adjLst/>
+                  </dgm:shape>
+                </dgm:if>
+                <dgm:else name="Name12">
+                  <dgm:shape xmlns:r="http://schemas.openxmlformats.org/officeDocument/2006/relationships" rot="-90" type="round2SameRect" r:blip="">
+                    <dgm:adjLst/>
+                  </dgm:shape>
+                </dgm:else>
+              </dgm:choose>
+              <dgm:presOf axis="des" ptType="node"/>
+              <dgm:constrLst>
+                <dgm:constr type="secFontSz" val="65"/>
+                <dgm:constr type="primFontSz" refType="secFontSz"/>
+                <dgm:constr type="lMarg" refType="secFontSz" fact="0.3"/>
+                <dgm:constr type="rMarg" refType="secFontSz" fact="0.3"/>
+                <dgm:constr type="tMarg" refType="secFontSz" fact="0.15"/>
+                <dgm:constr type="bMarg" refType="secFontSz" fact="0.15"/>
+              </dgm:constrLst>
+              <dgm:ruleLst>
+                <dgm:rule type="secFontSz" val="5" fact="NaN" max="NaN"/>
+              </dgm:ruleLst>
+            </dgm:layoutNode>
+          </dgm:if>
+          <dgm:else name="Name13"/>
+        </dgm:choose>
       </dgm:layoutNode>
-      <dgm:forEach name="Name4" axis="followSib" ptType="sibTrans" cnt="1">
-        <dgm:layoutNode name="sibTrans">
+      <dgm:forEach name="Name14" axis="followSib" ptType="sibTrans" cnt="1">
+        <dgm:layoutNode name="sp">
           <dgm:alg type="sp"/>
           <dgm:shape xmlns:r="http://schemas.openxmlformats.org/officeDocument/2006/relationships" r:blip="">
             <dgm:adjLst/>
@@ -7477,11 +8594,11 @@
 </file>
 
 <file path=ppt/diagrams/quickStyle2.xml><?xml version="1.0" encoding="utf-8"?>
-<dgm:styleDef xmlns:dgm="http://schemas.openxmlformats.org/drawingml/2006/diagram" xmlns:a="http://schemas.openxmlformats.org/drawingml/2006/main" uniqueId="urn:microsoft.com/office/officeart/2005/8/quickstyle/simple2">
+<dgm:styleDef xmlns:dgm="http://schemas.openxmlformats.org/drawingml/2006/diagram" xmlns:a="http://schemas.openxmlformats.org/drawingml/2006/main" uniqueId="urn:microsoft.com/office/officeart/2005/8/quickstyle/simple5">
   <dgm:title val=""/>
   <dgm:desc val=""/>
   <dgm:catLst>
-    <dgm:cat type="simple" pri="10200"/>
+    <dgm:cat type="simple" pri="10500"/>
   </dgm:catLst>
   <dgm:scene3d>
     <a:camera prst="orthographicFront"/>
@@ -7495,13 +8612,13 @@
     <dgm:sp3d/>
     <dgm:txPr/>
     <dgm:style>
-      <a:lnRef idx="3">
+      <a:lnRef idx="0">
         <a:scrgbClr r="0" g="0" b="0"/>
       </a:lnRef>
-      <a:fillRef idx="1">
+      <a:fillRef idx="3">
         <a:scrgbClr r="0" g="0" b="0"/>
       </a:fillRef>
-      <a:effectRef idx="1">
+      <a:effectRef idx="3">
         <a:scrgbClr r="0" g="0" b="0"/>
       </a:effectRef>
       <a:fontRef idx="minor">
@@ -7517,13 +8634,13 @@
     <dgm:sp3d/>
     <dgm:txPr/>
     <dgm:style>
-      <a:lnRef idx="3">
+      <a:lnRef idx="0">
         <a:scrgbClr r="0" g="0" b="0"/>
       </a:lnRef>
-      <a:fillRef idx="1">
+      <a:fillRef idx="3">
         <a:scrgbClr r="0" g="0" b="0"/>
       </a:fillRef>
-      <a:effectRef idx="1">
+      <a:effectRef idx="3">
         <a:scrgbClr r="0" g="0" b="0"/>
       </a:effectRef>
       <a:fontRef idx="minor">
@@ -7539,13 +8656,13 @@
     <dgm:sp3d/>
     <dgm:txPr/>
     <dgm:style>
-      <a:lnRef idx="3">
+      <a:lnRef idx="0">
         <a:scrgbClr r="0" g="0" b="0"/>
       </a:lnRef>
-      <a:fillRef idx="1">
+      <a:fillRef idx="3">
         <a:scrgbClr r="0" g="0" b="0"/>
       </a:fillRef>
-      <a:effectRef idx="0">
+      <a:effectRef idx="3">
         <a:scrgbClr r="0" g="0" b="0"/>
       </a:effectRef>
       <a:fontRef idx="minor">
@@ -7561,13 +8678,13 @@
     <dgm:sp3d/>
     <dgm:txPr/>
     <dgm:style>
-      <a:lnRef idx="2">
+      <a:lnRef idx="1">
         <a:scrgbClr r="0" g="0" b="0"/>
       </a:lnRef>
-      <a:fillRef idx="1">
+      <a:fillRef idx="3">
         <a:scrgbClr r="0" g="0" b="0"/>
       </a:fillRef>
-      <a:effectRef idx="1">
+      <a:effectRef idx="3">
         <a:scrgbClr r="0" g="0" b="0"/>
       </a:effectRef>
       <a:fontRef idx="minor">
@@ -7583,13 +8700,13 @@
     <dgm:sp3d/>
     <dgm:txPr/>
     <dgm:style>
-      <a:lnRef idx="3">
+      <a:lnRef idx="0">
         <a:scrgbClr r="0" g="0" b="0"/>
       </a:lnRef>
-      <a:fillRef idx="1">
+      <a:fillRef idx="3">
         <a:scrgbClr r="0" g="0" b="0"/>
       </a:fillRef>
-      <a:effectRef idx="1">
+      <a:effectRef idx="3">
         <a:scrgbClr r="0" g="0" b="0"/>
       </a:effectRef>
       <a:fontRef idx="minor">
@@ -7605,13 +8722,13 @@
     <dgm:sp3d/>
     <dgm:txPr/>
     <dgm:style>
-      <a:lnRef idx="3">
+      <a:lnRef idx="0">
         <a:scrgbClr r="0" g="0" b="0"/>
       </a:lnRef>
-      <a:fillRef idx="1">
+      <a:fillRef idx="3">
         <a:scrgbClr r="0" g="0" b="0"/>
       </a:fillRef>
-      <a:effectRef idx="1">
+      <a:effectRef idx="3">
         <a:scrgbClr r="0" g="0" b="0"/>
       </a:effectRef>
       <a:fontRef idx="minor">
@@ -7627,13 +8744,13 @@
     <dgm:sp3d/>
     <dgm:txPr/>
     <dgm:style>
-      <a:lnRef idx="3">
+      <a:lnRef idx="0">
         <a:scrgbClr r="0" g="0" b="0"/>
       </a:lnRef>
-      <a:fillRef idx="1">
+      <a:fillRef idx="3">
         <a:scrgbClr r="0" g="0" b="0"/>
       </a:fillRef>
-      <a:effectRef idx="1">
+      <a:effectRef idx="3">
         <a:scrgbClr r="0" g="0" b="0"/>
       </a:effectRef>
       <a:fontRef idx="minor">
@@ -7649,13 +8766,13 @@
     <dgm:sp3d/>
     <dgm:txPr/>
     <dgm:style>
-      <a:lnRef idx="3">
+      <a:lnRef idx="0">
         <a:scrgbClr r="0" g="0" b="0"/>
       </a:lnRef>
-      <a:fillRef idx="1">
+      <a:fillRef idx="3">
         <a:scrgbClr r="0" g="0" b="0"/>
       </a:fillRef>
-      <a:effectRef idx="1">
+      <a:effectRef idx="3">
         <a:scrgbClr r="0" g="0" b="0"/>
       </a:effectRef>
       <a:fontRef idx="minor">
@@ -7671,13 +8788,13 @@
     <dgm:sp3d/>
     <dgm:txPr/>
     <dgm:style>
-      <a:lnRef idx="3">
+      <a:lnRef idx="0">
         <a:scrgbClr r="0" g="0" b="0"/>
       </a:lnRef>
       <a:fillRef idx="1">
         <a:scrgbClr r="0" g="0" b="0"/>
       </a:fillRef>
-      <a:effectRef idx="1">
+      <a:effectRef idx="3">
         <a:scrgbClr r="0" g="0" b="0"/>
       </a:effectRef>
       <a:fontRef idx="minor"/>
@@ -7691,13 +8808,13 @@
     <dgm:sp3d/>
     <dgm:txPr/>
     <dgm:style>
-      <a:lnRef idx="3">
+      <a:lnRef idx="0">
         <a:scrgbClr r="0" g="0" b="0"/>
       </a:lnRef>
       <a:fillRef idx="1">
         <a:scrgbClr r="0" g="0" b="0"/>
       </a:fillRef>
-      <a:effectRef idx="1">
+      <a:effectRef idx="3">
         <a:scrgbClr r="0" g="0" b="0"/>
       </a:effectRef>
       <a:fontRef idx="minor"/>
@@ -7711,13 +8828,13 @@
     <dgm:sp3d/>
     <dgm:txPr/>
     <dgm:style>
-      <a:lnRef idx="3">
+      <a:lnRef idx="0">
         <a:scrgbClr r="0" g="0" b="0"/>
       </a:lnRef>
       <a:fillRef idx="1">
         <a:scrgbClr r="0" g="0" b="0"/>
       </a:fillRef>
-      <a:effectRef idx="1">
+      <a:effectRef idx="3">
         <a:scrgbClr r="0" g="0" b="0"/>
       </a:effectRef>
       <a:fontRef idx="minor"/>
@@ -7734,10 +8851,10 @@
       <a:lnRef idx="0">
         <a:scrgbClr r="0" g="0" b="0"/>
       </a:lnRef>
-      <a:fillRef idx="1">
+      <a:fillRef idx="3">
         <a:scrgbClr r="0" g="0" b="0"/>
       </a:fillRef>
-      <a:effectRef idx="1">
+      <a:effectRef idx="3">
         <a:scrgbClr r="0" g="0" b="0"/>
       </a:effectRef>
       <a:fontRef idx="minor">
@@ -7756,10 +8873,10 @@
       <a:lnRef idx="0">
         <a:scrgbClr r="0" g="0" b="0"/>
       </a:lnRef>
-      <a:fillRef idx="1">
+      <a:fillRef idx="3">
         <a:scrgbClr r="0" g="0" b="0"/>
       </a:fillRef>
-      <a:effectRef idx="1">
+      <a:effectRef idx="3">
         <a:scrgbClr r="0" g="0" b="0"/>
       </a:effectRef>
       <a:fontRef idx="minor">
@@ -7778,10 +8895,10 @@
       <a:lnRef idx="0">
         <a:scrgbClr r="0" g="0" b="0"/>
       </a:lnRef>
-      <a:fillRef idx="1">
+      <a:fillRef idx="3">
         <a:scrgbClr r="0" g="0" b="0"/>
       </a:fillRef>
-      <a:effectRef idx="1">
+      <a:effectRef idx="3">
         <a:scrgbClr r="0" g="0" b="0"/>
       </a:effectRef>
       <a:fontRef idx="minor">
@@ -7817,10 +8934,10 @@
     <dgm:sp3d/>
     <dgm:txPr/>
     <dgm:style>
-      <a:lnRef idx="2">
+      <a:lnRef idx="1">
         <a:scrgbClr r="0" g="0" b="0"/>
       </a:lnRef>
-      <a:fillRef idx="1">
+      <a:fillRef idx="0">
         <a:scrgbClr r="0" g="0" b="0"/>
       </a:fillRef>
       <a:effectRef idx="1">
@@ -7837,13 +8954,13 @@
     <dgm:sp3d/>
     <dgm:txPr/>
     <dgm:style>
-      <a:lnRef idx="3">
+      <a:lnRef idx="0">
         <a:scrgbClr r="0" g="0" b="0"/>
       </a:lnRef>
-      <a:fillRef idx="1">
+      <a:fillRef idx="3">
         <a:scrgbClr r="0" g="0" b="0"/>
       </a:fillRef>
-      <a:effectRef idx="1">
+      <a:effectRef idx="3">
         <a:scrgbClr r="0" g="0" b="0"/>
       </a:effectRef>
       <a:fontRef idx="minor">
@@ -7859,13 +8976,13 @@
     <dgm:sp3d/>
     <dgm:txPr/>
     <dgm:style>
-      <a:lnRef idx="3">
+      <a:lnRef idx="0">
         <a:scrgbClr r="0" g="0" b="0"/>
       </a:lnRef>
-      <a:fillRef idx="1">
+      <a:fillRef idx="3">
         <a:scrgbClr r="0" g="0" b="0"/>
       </a:fillRef>
-      <a:effectRef idx="1">
+      <a:effectRef idx="3">
         <a:scrgbClr r="0" g="0" b="0"/>
       </a:effectRef>
       <a:fontRef idx="minor">
@@ -7881,13 +8998,13 @@
     <dgm:sp3d/>
     <dgm:txPr/>
     <dgm:style>
-      <a:lnRef idx="3">
+      <a:lnRef idx="0">
         <a:scrgbClr r="0" g="0" b="0"/>
       </a:lnRef>
-      <a:fillRef idx="1">
+      <a:fillRef idx="3">
         <a:scrgbClr r="0" g="0" b="0"/>
       </a:fillRef>
-      <a:effectRef idx="1">
+      <a:effectRef idx="3">
         <a:scrgbClr r="0" g="0" b="0"/>
       </a:effectRef>
       <a:fontRef idx="minor">
@@ -7903,13 +9020,13 @@
     <dgm:sp3d/>
     <dgm:txPr/>
     <dgm:style>
-      <a:lnRef idx="3">
+      <a:lnRef idx="0">
         <a:scrgbClr r="0" g="0" b="0"/>
       </a:lnRef>
-      <a:fillRef idx="1">
+      <a:fillRef idx="3">
         <a:scrgbClr r="0" g="0" b="0"/>
       </a:fillRef>
-      <a:effectRef idx="1">
+      <a:effectRef idx="3">
         <a:scrgbClr r="0" g="0" b="0"/>
       </a:effectRef>
       <a:fontRef idx="minor">
@@ -7925,13 +9042,13 @@
     <dgm:sp3d/>
     <dgm:txPr/>
     <dgm:style>
-      <a:lnRef idx="3">
+      <a:lnRef idx="0">
         <a:scrgbClr r="0" g="0" b="0"/>
       </a:lnRef>
-      <a:fillRef idx="1">
+      <a:fillRef idx="3">
         <a:scrgbClr r="0" g="0" b="0"/>
       </a:fillRef>
-      <a:effectRef idx="1">
+      <a:effectRef idx="3">
         <a:scrgbClr r="0" g="0" b="0"/>
       </a:effectRef>
       <a:fontRef idx="minor">
@@ -7947,13 +9064,13 @@
     <dgm:sp3d/>
     <dgm:txPr/>
     <dgm:style>
-      <a:lnRef idx="3">
+      <a:lnRef idx="0">
         <a:scrgbClr r="0" g="0" b="0"/>
       </a:lnRef>
-      <a:fillRef idx="1">
+      <a:fillRef idx="3">
         <a:scrgbClr r="0" g="0" b="0"/>
       </a:fillRef>
-      <a:effectRef idx="1">
+      <a:effectRef idx="3">
         <a:scrgbClr r="0" g="0" b="0"/>
       </a:effectRef>
       <a:fontRef idx="minor">
@@ -7969,13 +9086,13 @@
     <dgm:sp3d/>
     <dgm:txPr/>
     <dgm:style>
-      <a:lnRef idx="3">
+      <a:lnRef idx="0">
         <a:scrgbClr r="0" g="0" b="0"/>
       </a:lnRef>
-      <a:fillRef idx="1">
+      <a:fillRef idx="3">
         <a:scrgbClr r="0" g="0" b="0"/>
       </a:fillRef>
-      <a:effectRef idx="1">
+      <a:effectRef idx="3">
         <a:scrgbClr r="0" g="0" b="0"/>
       </a:effectRef>
       <a:fontRef idx="minor">
@@ -7991,13 +9108,13 @@
     <dgm:sp3d/>
     <dgm:txPr/>
     <dgm:style>
-      <a:lnRef idx="3">
+      <a:lnRef idx="0">
         <a:scrgbClr r="0" g="0" b="0"/>
       </a:lnRef>
-      <a:fillRef idx="1">
+      <a:fillRef idx="3">
         <a:scrgbClr r="0" g="0" b="0"/>
       </a:fillRef>
-      <a:effectRef idx="1">
+      <a:effectRef idx="3">
         <a:scrgbClr r="0" g="0" b="0"/>
       </a:effectRef>
       <a:fontRef idx="minor">
@@ -8013,13 +9130,13 @@
     <dgm:sp3d/>
     <dgm:txPr/>
     <dgm:style>
-      <a:lnRef idx="3">
+      <a:lnRef idx="0">
         <a:scrgbClr r="0" g="0" b="0"/>
       </a:lnRef>
-      <a:fillRef idx="1">
+      <a:fillRef idx="3">
         <a:scrgbClr r="0" g="0" b="0"/>
       </a:fillRef>
-      <a:effectRef idx="1">
+      <a:effectRef idx="3">
         <a:scrgbClr r="0" g="0" b="0"/>
       </a:effectRef>
       <a:fontRef idx="minor">
@@ -8115,13 +9232,13 @@
     <dgm:sp3d/>
     <dgm:txPr/>
     <dgm:style>
-      <a:lnRef idx="2">
+      <a:lnRef idx="1">
         <a:scrgbClr r="0" g="0" b="0"/>
       </a:lnRef>
       <a:fillRef idx="1">
         <a:scrgbClr r="0" g="0" b="0"/>
       </a:fillRef>
-      <a:effectRef idx="0">
+      <a:effectRef idx="2">
         <a:scrgbClr r="0" g="0" b="0"/>
       </a:effectRef>
       <a:fontRef idx="minor"/>
@@ -8135,13 +9252,13 @@
     <dgm:sp3d/>
     <dgm:txPr/>
     <dgm:style>
-      <a:lnRef idx="2">
+      <a:lnRef idx="1">
         <a:scrgbClr r="0" g="0" b="0"/>
       </a:lnRef>
       <a:fillRef idx="1">
         <a:scrgbClr r="0" g="0" b="0"/>
       </a:fillRef>
-      <a:effectRef idx="0">
+      <a:effectRef idx="2">
         <a:scrgbClr r="0" g="0" b="0"/>
       </a:effectRef>
       <a:fontRef idx="minor"/>
@@ -8155,13 +9272,13 @@
     <dgm:sp3d/>
     <dgm:txPr/>
     <dgm:style>
-      <a:lnRef idx="2">
+      <a:lnRef idx="1">
         <a:scrgbClr r="0" g="0" b="0"/>
       </a:lnRef>
       <a:fillRef idx="1">
         <a:scrgbClr r="0" g="0" b="0"/>
       </a:fillRef>
-      <a:effectRef idx="0">
+      <a:effectRef idx="2">
         <a:scrgbClr r="0" g="0" b="0"/>
       </a:effectRef>
       <a:fontRef idx="minor"/>
@@ -8195,13 +9312,13 @@
     <dgm:sp3d/>
     <dgm:txPr/>
     <dgm:style>
-      <a:lnRef idx="2">
+      <a:lnRef idx="1">
         <a:scrgbClr r="0" g="0" b="0"/>
       </a:lnRef>
       <a:fillRef idx="1">
         <a:scrgbClr r="0" g="0" b="0"/>
       </a:fillRef>
-      <a:effectRef idx="0">
+      <a:effectRef idx="2">
         <a:scrgbClr r="0" g="0" b="0"/>
       </a:effectRef>
       <a:fontRef idx="minor"/>
@@ -8215,13 +9332,13 @@
     <dgm:sp3d/>
     <dgm:txPr/>
     <dgm:style>
-      <a:lnRef idx="2">
+      <a:lnRef idx="1">
         <a:scrgbClr r="0" g="0" b="0"/>
       </a:lnRef>
       <a:fillRef idx="1">
         <a:scrgbClr r="0" g="0" b="0"/>
       </a:fillRef>
-      <a:effectRef idx="0">
+      <a:effectRef idx="2">
         <a:scrgbClr r="0" g="0" b="0"/>
       </a:effectRef>
       <a:fontRef idx="minor"/>
@@ -8235,13 +9352,13 @@
     <dgm:sp3d/>
     <dgm:txPr/>
     <dgm:style>
-      <a:lnRef idx="2">
+      <a:lnRef idx="1">
         <a:scrgbClr r="0" g="0" b="0"/>
       </a:lnRef>
       <a:fillRef idx="1">
         <a:scrgbClr r="0" g="0" b="0"/>
       </a:fillRef>
-      <a:effectRef idx="0">
+      <a:effectRef idx="3">
         <a:scrgbClr r="0" g="0" b="0"/>
       </a:effectRef>
       <a:fontRef idx="minor"/>
@@ -8255,13 +9372,13 @@
     <dgm:sp3d/>
     <dgm:txPr/>
     <dgm:style>
-      <a:lnRef idx="2">
+      <a:lnRef idx="1">
         <a:scrgbClr r="0" g="0" b="0"/>
       </a:lnRef>
       <a:fillRef idx="1">
         <a:scrgbClr r="0" g="0" b="0"/>
       </a:fillRef>
-      <a:effectRef idx="0">
+      <a:effectRef idx="3">
         <a:scrgbClr r="0" g="0" b="0"/>
       </a:effectRef>
       <a:fontRef idx="minor"/>
@@ -8275,13 +9392,13 @@
     <dgm:sp3d/>
     <dgm:txPr/>
     <dgm:style>
-      <a:lnRef idx="2">
+      <a:lnRef idx="1">
         <a:scrgbClr r="0" g="0" b="0"/>
       </a:lnRef>
       <a:fillRef idx="1">
         <a:scrgbClr r="0" g="0" b="0"/>
       </a:fillRef>
-      <a:effectRef idx="0">
+      <a:effectRef idx="2">
         <a:scrgbClr r="0" g="0" b="0"/>
       </a:effectRef>
       <a:fontRef idx="minor"/>
@@ -8295,13 +9412,13 @@
     <dgm:sp3d/>
     <dgm:txPr/>
     <dgm:style>
-      <a:lnRef idx="2">
+      <a:lnRef idx="1">
         <a:scrgbClr r="0" g="0" b="0"/>
       </a:lnRef>
       <a:fillRef idx="1">
         <a:scrgbClr r="0" g="0" b="0"/>
       </a:fillRef>
-      <a:effectRef idx="0">
+      <a:effectRef idx="2">
         <a:scrgbClr r="0" g="0" b="0"/>
       </a:effectRef>
       <a:fontRef idx="minor"/>
@@ -8315,13 +9432,13 @@
     <dgm:sp3d/>
     <dgm:txPr/>
     <dgm:style>
-      <a:lnRef idx="2">
+      <a:lnRef idx="1">
         <a:scrgbClr r="0" g="0" b="0"/>
       </a:lnRef>
       <a:fillRef idx="1">
         <a:scrgbClr r="0" g="0" b="0"/>
       </a:fillRef>
-      <a:effectRef idx="0">
+      <a:effectRef idx="2">
         <a:scrgbClr r="0" g="0" b="0"/>
       </a:effectRef>
       <a:fontRef idx="minor"/>
@@ -8335,13 +9452,13 @@
     <dgm:sp3d/>
     <dgm:txPr/>
     <dgm:style>
-      <a:lnRef idx="2">
+      <a:lnRef idx="1">
         <a:scrgbClr r="0" g="0" b="0"/>
       </a:lnRef>
       <a:fillRef idx="1">
         <a:scrgbClr r="0" g="0" b="0"/>
       </a:fillRef>
-      <a:effectRef idx="0">
+      <a:effectRef idx="2">
         <a:scrgbClr r="0" g="0" b="0"/>
       </a:effectRef>
       <a:fontRef idx="minor"/>
@@ -8355,13 +9472,13 @@
     <dgm:sp3d/>
     <dgm:txPr/>
     <dgm:style>
-      <a:lnRef idx="2">
+      <a:lnRef idx="1">
         <a:scrgbClr r="0" g="0" b="0"/>
       </a:lnRef>
       <a:fillRef idx="1">
         <a:scrgbClr r="0" g="0" b="0"/>
       </a:fillRef>
-      <a:effectRef idx="0">
+      <a:effectRef idx="2">
         <a:scrgbClr r="0" g="0" b="0"/>
       </a:effectRef>
       <a:fontRef idx="minor"/>
@@ -8375,13 +9492,13 @@
     <dgm:sp3d/>
     <dgm:txPr/>
     <dgm:style>
-      <a:lnRef idx="2">
+      <a:lnRef idx="1">
         <a:scrgbClr r="0" g="0" b="0"/>
       </a:lnRef>
       <a:fillRef idx="1">
         <a:scrgbClr r="0" g="0" b="0"/>
       </a:fillRef>
-      <a:effectRef idx="0">
+      <a:effectRef idx="2">
         <a:scrgbClr r="0" g="0" b="0"/>
       </a:effectRef>
       <a:fontRef idx="minor"/>
@@ -8395,13 +9512,13 @@
     <dgm:sp3d/>
     <dgm:txPr/>
     <dgm:style>
-      <a:lnRef idx="2">
+      <a:lnRef idx="1">
         <a:scrgbClr r="0" g="0" b="0"/>
       </a:lnRef>
       <a:fillRef idx="1">
         <a:scrgbClr r="0" g="0" b="0"/>
       </a:fillRef>
-      <a:effectRef idx="0">
+      <a:effectRef idx="2">
         <a:scrgbClr r="0" g="0" b="0"/>
       </a:effectRef>
       <a:fontRef idx="minor"/>
@@ -8421,7 +9538,7 @@
       <a:fillRef idx="1">
         <a:scrgbClr r="0" g="0" b="0"/>
       </a:fillRef>
-      <a:effectRef idx="0">
+      <a:effectRef idx="2">
         <a:scrgbClr r="0" g="0" b="0"/>
       </a:effectRef>
       <a:fontRef idx="minor"/>
@@ -8441,7 +9558,7 @@
       <a:fillRef idx="1">
         <a:scrgbClr r="0" g="0" b="0"/>
       </a:fillRef>
-      <a:effectRef idx="0">
+      <a:effectRef idx="3">
         <a:scrgbClr r="0" g="0" b="0"/>
       </a:effectRef>
       <a:fontRef idx="minor"/>
@@ -8475,13 +9592,13 @@
     <dgm:sp3d/>
     <dgm:txPr/>
     <dgm:style>
-      <a:lnRef idx="3">
+      <a:lnRef idx="0">
         <a:scrgbClr r="0" g="0" b="0"/>
       </a:lnRef>
-      <a:fillRef idx="1">
+      <a:fillRef idx="3">
         <a:scrgbClr r="0" g="0" b="0"/>
       </a:fillRef>
-      <a:effectRef idx="1">
+      <a:effectRef idx="3">
         <a:scrgbClr r="0" g="0" b="0"/>
       </a:effectRef>
       <a:fontRef idx="minor"/>
@@ -9667,7 +10784,7 @@
               </a:spcAft>
               <a:buNone/>
             </a:pPr>
-            <a:endParaRPr/>
+            <a:endParaRPr dirty="0"/>
           </a:p>
         </p:txBody>
       </p:sp>
@@ -16238,13 +17355,13 @@
   <p:clrMapOvr>
     <a:masterClrMapping/>
   </p:clrMapOvr>
-  <mc:AlternateContent xmlns:mc="http://schemas.openxmlformats.org/markup-compatibility/2006">
-    <mc:Choice xmlns:p14="http://schemas.microsoft.com/office/powerpoint/2010/main" Requires="p14">
+  <mc:AlternateContent xmlns:mc="http://schemas.openxmlformats.org/markup-compatibility/2006" xmlns:p14="http://schemas.microsoft.com/office/powerpoint/2010/main">
+    <mc:Choice Requires="p14">
       <p:transition spd="slow" p14:dur="1500" advClick="0" advTm="2000">
         <p:split orient="vert"/>
       </p:transition>
     </mc:Choice>
-    <mc:Fallback>
+    <mc:Fallback xmlns="">
       <p:transition spd="slow" advClick="0" advTm="2000">
         <p:split orient="vert"/>
       </p:transition>
@@ -17497,13 +18614,13 @@
   <p:clrMapOvr>
     <a:masterClrMapping/>
   </p:clrMapOvr>
-  <mc:AlternateContent xmlns:mc="http://schemas.openxmlformats.org/markup-compatibility/2006">
-    <mc:Choice xmlns:p14="http://schemas.microsoft.com/office/powerpoint/2010/main" Requires="p14">
+  <mc:AlternateContent xmlns:mc="http://schemas.openxmlformats.org/markup-compatibility/2006" xmlns:p14="http://schemas.microsoft.com/office/powerpoint/2010/main">
+    <mc:Choice Requires="p14">
       <p:transition spd="slow" p14:dur="800" advClick="0" advTm="2000">
         <p:circle/>
       </p:transition>
     </mc:Choice>
-    <mc:Fallback>
+    <mc:Fallback xmlns="">
       <p:transition spd="slow" advClick="0" advTm="2000">
         <p:circle/>
       </p:transition>
@@ -17826,13 +18943,13 @@
   <p:clrMapOvr>
     <a:masterClrMapping/>
   </p:clrMapOvr>
-  <mc:AlternateContent xmlns:mc="http://schemas.openxmlformats.org/markup-compatibility/2006">
-    <mc:Choice xmlns:p14="http://schemas.microsoft.com/office/powerpoint/2010/main" Requires="p14">
+  <mc:AlternateContent xmlns:mc="http://schemas.openxmlformats.org/markup-compatibility/2006" xmlns:p14="http://schemas.microsoft.com/office/powerpoint/2010/main">
+    <mc:Choice Requires="p14">
       <p:transition spd="slow" p14:dur="1250" advClick="0" advTm="2000">
         <p14:switch dir="r"/>
       </p:transition>
     </mc:Choice>
-    <mc:Fallback>
+    <mc:Fallback xmlns="">
       <p:transition spd="slow" advClick="0" advTm="2000">
         <p:fade/>
       </p:transition>
@@ -17928,11 +19045,17 @@
             </a:extLst>
           </p:cNvPr>
           <p:cNvGraphicFramePr/>
-          <p:nvPr/>
+          <p:nvPr>
+            <p:extLst>
+              <p:ext uri="{D42A27DB-BD31-4B8C-83A1-F6EECF244321}">
+                <p14:modId xmlns:p14="http://schemas.microsoft.com/office/powerpoint/2010/main" val="1120041431"/>
+              </p:ext>
+            </p:extLst>
+          </p:nvPr>
         </p:nvGraphicFramePr>
         <p:xfrm>
-          <a:off x="0" y="-59176"/>
-          <a:ext cx="8698800" cy="3464015"/>
+          <a:off x="0" y="0"/>
+          <a:ext cx="8698800" cy="3404839"/>
         </p:xfrm>
         <a:graphic>
           <a:graphicData uri="http://schemas.openxmlformats.org/drawingml/2006/diagram">
@@ -18104,13 +19227,13 @@
   <p:clrMapOvr>
     <a:masterClrMapping/>
   </p:clrMapOvr>
-  <mc:AlternateContent xmlns:mc="http://schemas.openxmlformats.org/markup-compatibility/2006">
-    <mc:Choice xmlns:p14="http://schemas.microsoft.com/office/powerpoint/2010/main" Requires="p14">
+  <mc:AlternateContent xmlns:mc="http://schemas.openxmlformats.org/markup-compatibility/2006" xmlns:p14="http://schemas.microsoft.com/office/powerpoint/2010/main">
+    <mc:Choice Requires="p14">
       <p:transition spd="slow" p14:dur="1250" advClick="0" advTm="2000">
         <p14:flip dir="r"/>
       </p:transition>
     </mc:Choice>
-    <mc:Fallback>
+    <mc:Fallback xmlns="">
       <p:transition spd="slow" advClick="0" advTm="2000">
         <p:fade/>
       </p:transition>
@@ -18325,11 +19448,11 @@
   <p:clrMapOvr>
     <a:masterClrMapping/>
   </p:clrMapOvr>
-  <mc:AlternateContent xmlns:mc="http://schemas.openxmlformats.org/markup-compatibility/2006">
-    <mc:Choice xmlns:p14="http://schemas.microsoft.com/office/powerpoint/2010/main" Requires="p14">
+  <mc:AlternateContent xmlns:mc="http://schemas.openxmlformats.org/markup-compatibility/2006" xmlns:p14="http://schemas.microsoft.com/office/powerpoint/2010/main">
+    <mc:Choice Requires="p14">
       <p:transition spd="slow" p14:dur="2000" advClick="0" advTm="2000"/>
     </mc:Choice>
-    <mc:Fallback>
+    <mc:Fallback xmlns="">
       <p:transition spd="slow" advClick="0" advTm="2000"/>
     </mc:Fallback>
   </mc:AlternateContent>
@@ -18427,25 +19550,9 @@
   <p:cSld>
     <p:bg>
       <p:bgPr>
-        <a:blipFill rotWithShape="1">
-          <a:blip r:embed="rId3">
-            <a:duotone>
-              <a:schemeClr val="bg2">
-                <a:shade val="69000"/>
-                <a:hueMod val="108000"/>
-                <a:satMod val="164000"/>
-                <a:lumMod val="74000"/>
-              </a:schemeClr>
-              <a:schemeClr val="bg2">
-                <a:tint val="96000"/>
-                <a:hueMod val="88000"/>
-                <a:satMod val="140000"/>
-                <a:lumMod val="132000"/>
-              </a:schemeClr>
-            </a:duotone>
-          </a:blip>
-          <a:stretch/>
-        </a:blipFill>
+        <a:solidFill>
+          <a:schemeClr val="bg1"/>
+        </a:solidFill>
         <a:effectLst/>
       </p:bgPr>
     </p:bg>
@@ -18465,10 +19572,54 @@
       </p:grpSpPr>
       <p:pic>
         <p:nvPicPr>
-          <p:cNvPr id="178" name="Picture 177">
+          <p:cNvPr id="239" name="Picture 238">
             <a:extLst>
               <a:ext uri="{FF2B5EF4-FFF2-40B4-BE49-F238E27FC236}">
-                <a16:creationId xmlns:a16="http://schemas.microsoft.com/office/drawing/2014/main" id="{41B68C77-138E-4BF7-A276-BD0C78A4219F}"/>
+                <a16:creationId xmlns:a16="http://schemas.microsoft.com/office/drawing/2014/main" id="{DF19BAF3-7E20-4B9D-B544-BABAEEA1FA75}"/>
+              </a:ext>
+              <a:ext uri="{C183D7F6-B498-43B3-948B-1728B52AA6E4}">
+                <adec:decorative xmlns:adec="http://schemas.microsoft.com/office/drawing/2017/decorative" val="1"/>
+              </a:ext>
+            </a:extLst>
+          </p:cNvPr>
+          <p:cNvPicPr>
+            <a:picLocks noGrp="1" noRot="1" noChangeAspect="1" noMove="1" noResize="1" noEditPoints="1" noAdjustHandles="1" noChangeArrowheads="1" noChangeShapeType="1" noCrop="1"/>
+          </p:cNvPicPr>
+          <p:nvPr>
+            <p:extLst>
+              <p:ext uri="{386F3935-93C4-4BCD-93E2-E3B085C9AB24}">
+                <p16:designElem xmlns:p16="http://schemas.microsoft.com/office/powerpoint/2015/main" val="1"/>
+              </p:ext>
+            </p:extLst>
+          </p:nvPr>
+        </p:nvPicPr>
+        <p:blipFill rotWithShape="1">
+          <a:blip r:embed="rId3">
+            <a:extLst>
+              <a:ext uri="{28A0092B-C50C-407E-A947-70E740481C1C}">
+                <a14:useLocalDpi xmlns:a14="http://schemas.microsoft.com/office/drawing/2010/main" val="0"/>
+              </a:ext>
+            </a:extLst>
+          </a:blip>
+          <a:srcRect l="3613"/>
+          <a:stretch/>
+        </p:blipFill>
+        <p:spPr>
+          <a:xfrm>
+            <a:off x="0" y="2002263"/>
+            <a:ext cx="3027759" cy="3141237"/>
+          </a:xfrm>
+          <a:prstGeom prst="rect">
+            <a:avLst/>
+          </a:prstGeom>
+        </p:spPr>
+      </p:pic>
+      <p:pic>
+        <p:nvPicPr>
+          <p:cNvPr id="240" name="Picture 239">
+            <a:extLst>
+              <a:ext uri="{FF2B5EF4-FFF2-40B4-BE49-F238E27FC236}">
+                <a16:creationId xmlns:a16="http://schemas.microsoft.com/office/drawing/2014/main" id="{950648F4-ABCD-4DF0-8641-76CFB2354721}"/>
               </a:ext>
               <a:ext uri="{C183D7F6-B498-43B3-948B-1728B52AA6E4}">
                 <adec:decorative xmlns:adec="http://schemas.microsoft.com/office/drawing/2017/decorative" val="1"/>
@@ -18494,50 +19645,6 @@
               </a:ext>
             </a:extLst>
           </a:blip>
-          <a:srcRect l="3613"/>
-          <a:stretch/>
-        </p:blipFill>
-        <p:spPr>
-          <a:xfrm>
-            <a:off x="0" y="2002263"/>
-            <a:ext cx="3027759" cy="3141237"/>
-          </a:xfrm>
-          <a:prstGeom prst="rect">
-            <a:avLst/>
-          </a:prstGeom>
-        </p:spPr>
-      </p:pic>
-      <p:pic>
-        <p:nvPicPr>
-          <p:cNvPr id="179" name="Picture 178">
-            <a:extLst>
-              <a:ext uri="{FF2B5EF4-FFF2-40B4-BE49-F238E27FC236}">
-                <a16:creationId xmlns:a16="http://schemas.microsoft.com/office/drawing/2014/main" id="{7C268552-D473-46ED-B1B8-422042C4DEF1}"/>
-              </a:ext>
-              <a:ext uri="{C183D7F6-B498-43B3-948B-1728B52AA6E4}">
-                <adec:decorative xmlns:adec="http://schemas.microsoft.com/office/drawing/2017/decorative" val="1"/>
-              </a:ext>
-            </a:extLst>
-          </p:cNvPr>
-          <p:cNvPicPr>
-            <a:picLocks noGrp="1" noRot="1" noChangeAspect="1" noMove="1" noResize="1" noEditPoints="1" noAdjustHandles="1" noChangeArrowheads="1" noChangeShapeType="1" noCrop="1"/>
-          </p:cNvPicPr>
-          <p:nvPr>
-            <p:extLst>
-              <p:ext uri="{386F3935-93C4-4BCD-93E2-E3B085C9AB24}">
-                <p16:designElem xmlns:p16="http://schemas.microsoft.com/office/powerpoint/2015/main" val="1"/>
-              </p:ext>
-            </p:extLst>
-          </p:nvPr>
-        </p:nvPicPr>
-        <p:blipFill rotWithShape="1">
-          <a:blip r:embed="rId5">
-            <a:extLst>
-              <a:ext uri="{28A0092B-C50C-407E-A947-70E740481C1C}">
-                <a14:useLocalDpi xmlns:a14="http://schemas.microsoft.com/office/drawing/2010/main" val="0"/>
-              </a:ext>
-            </a:extLst>
-          </a:blip>
           <a:srcRect l="35640"/>
           <a:stretch/>
         </p:blipFill>
@@ -18553,10 +19660,10 @@
       </p:pic>
       <p:sp>
         <p:nvSpPr>
-          <p:cNvPr id="180" name="Oval 179">
+          <p:cNvPr id="241" name="Oval 240">
             <a:extLst>
               <a:ext uri="{FF2B5EF4-FFF2-40B4-BE49-F238E27FC236}">
-                <a16:creationId xmlns:a16="http://schemas.microsoft.com/office/drawing/2014/main" id="{4AC0CD9D-7610-4620-93B4-798CCD9AB581}"/>
+                <a16:creationId xmlns:a16="http://schemas.microsoft.com/office/drawing/2014/main" id="{989BE678-777B-482A-A616-FEDC47B162E5}"/>
               </a:ext>
               <a:ext uri="{C183D7F6-B498-43B3-948B-1728B52AA6E4}">
                 <adec:decorative xmlns:adec="http://schemas.microsoft.com/office/drawing/2017/decorative" val="1"/>
@@ -18640,10 +19747,54 @@
       </p:sp>
       <p:pic>
         <p:nvPicPr>
-          <p:cNvPr id="181" name="Picture 180">
+          <p:cNvPr id="242" name="Picture 241">
             <a:extLst>
               <a:ext uri="{FF2B5EF4-FFF2-40B4-BE49-F238E27FC236}">
-                <a16:creationId xmlns:a16="http://schemas.microsoft.com/office/drawing/2014/main" id="{B9238B3E-24AA-439A-B527-6C5DF6D72145}"/>
+                <a16:creationId xmlns:a16="http://schemas.microsoft.com/office/drawing/2014/main" id="{CF1EB4BD-9C7E-4AA3-9681-C7EB0DA6250B}"/>
+              </a:ext>
+              <a:ext uri="{C183D7F6-B498-43B3-948B-1728B52AA6E4}">
+                <adec:decorative xmlns:adec="http://schemas.microsoft.com/office/drawing/2017/decorative" val="1"/>
+              </a:ext>
+            </a:extLst>
+          </p:cNvPr>
+          <p:cNvPicPr>
+            <a:picLocks noGrp="1" noRot="1" noChangeAspect="1" noMove="1" noResize="1" noEditPoints="1" noAdjustHandles="1" noChangeArrowheads="1" noChangeShapeType="1" noCrop="1"/>
+          </p:cNvPicPr>
+          <p:nvPr>
+            <p:extLst>
+              <p:ext uri="{386F3935-93C4-4BCD-93E2-E3B085C9AB24}">
+                <p16:designElem xmlns:p16="http://schemas.microsoft.com/office/powerpoint/2015/main" val="1"/>
+              </p:ext>
+            </p:extLst>
+          </p:nvPr>
+        </p:nvPicPr>
+        <p:blipFill rotWithShape="1">
+          <a:blip r:embed="rId5">
+            <a:extLst>
+              <a:ext uri="{28A0092B-C50C-407E-A947-70E740481C1C}">
+                <a14:useLocalDpi xmlns:a14="http://schemas.microsoft.com/office/drawing/2010/main" val="0"/>
+              </a:ext>
+            </a:extLst>
+          </a:blip>
+          <a:srcRect t="28813"/>
+          <a:stretch/>
+        </p:blipFill>
+        <p:spPr>
+          <a:xfrm>
+            <a:off x="5999559" y="0"/>
+            <a:ext cx="1202540" cy="856055"/>
+          </a:xfrm>
+          <a:prstGeom prst="rect">
+            <a:avLst/>
+          </a:prstGeom>
+        </p:spPr>
+      </p:pic>
+      <p:pic>
+        <p:nvPicPr>
+          <p:cNvPr id="243" name="Picture 242">
+            <a:extLst>
+              <a:ext uri="{FF2B5EF4-FFF2-40B4-BE49-F238E27FC236}">
+                <a16:creationId xmlns:a16="http://schemas.microsoft.com/office/drawing/2014/main" id="{94AAE3AA-3759-4D28-B0EF-575F25A5146C}"/>
               </a:ext>
               <a:ext uri="{C183D7F6-B498-43B3-948B-1728B52AA6E4}">
                 <adec:decorative xmlns:adec="http://schemas.microsoft.com/office/drawing/2017/decorative" val="1"/>
@@ -18669,50 +19820,6 @@
               </a:ext>
             </a:extLst>
           </a:blip>
-          <a:srcRect t="28813"/>
-          <a:stretch/>
-        </p:blipFill>
-        <p:spPr>
-          <a:xfrm>
-            <a:off x="5999559" y="0"/>
-            <a:ext cx="1202540" cy="856055"/>
-          </a:xfrm>
-          <a:prstGeom prst="rect">
-            <a:avLst/>
-          </a:prstGeom>
-        </p:spPr>
-      </p:pic>
-      <p:pic>
-        <p:nvPicPr>
-          <p:cNvPr id="182" name="Picture 181">
-            <a:extLst>
-              <a:ext uri="{FF2B5EF4-FFF2-40B4-BE49-F238E27FC236}">
-                <a16:creationId xmlns:a16="http://schemas.microsoft.com/office/drawing/2014/main" id="{69F01145-BEA3-4CBF-AA21-10077B948CA8}"/>
-              </a:ext>
-              <a:ext uri="{C183D7F6-B498-43B3-948B-1728B52AA6E4}">
-                <adec:decorative xmlns:adec="http://schemas.microsoft.com/office/drawing/2017/decorative" val="1"/>
-              </a:ext>
-            </a:extLst>
-          </p:cNvPr>
-          <p:cNvPicPr>
-            <a:picLocks noGrp="1" noRot="1" noChangeAspect="1" noMove="1" noResize="1" noEditPoints="1" noAdjustHandles="1" noChangeArrowheads="1" noChangeShapeType="1" noCrop="1"/>
-          </p:cNvPicPr>
-          <p:nvPr>
-            <p:extLst>
-              <p:ext uri="{386F3935-93C4-4BCD-93E2-E3B085C9AB24}">
-                <p16:designElem xmlns:p16="http://schemas.microsoft.com/office/powerpoint/2015/main" val="1"/>
-              </p:ext>
-            </p:extLst>
-          </p:nvPr>
-        </p:nvPicPr>
-        <p:blipFill rotWithShape="1">
-          <a:blip r:embed="rId7">
-            <a:extLst>
-              <a:ext uri="{28A0092B-C50C-407E-A947-70E740481C1C}">
-                <a14:useLocalDpi xmlns:a14="http://schemas.microsoft.com/office/drawing/2010/main" val="0"/>
-              </a:ext>
-            </a:extLst>
-          </a:blip>
           <a:srcRect b="23320"/>
           <a:stretch/>
         </p:blipFill>
@@ -18728,10 +19835,10 @@
       </p:pic>
       <p:sp>
         <p:nvSpPr>
-          <p:cNvPr id="183" name="Rectangle 182">
+          <p:cNvPr id="244" name="Rectangle 243">
             <a:extLst>
               <a:ext uri="{FF2B5EF4-FFF2-40B4-BE49-F238E27FC236}">
-                <a16:creationId xmlns:a16="http://schemas.microsoft.com/office/drawing/2014/main" id="{DE4D62F9-188E-4530-84C2-24BDEE4BEB82}"/>
+                <a16:creationId xmlns:a16="http://schemas.microsoft.com/office/drawing/2014/main" id="{D28BE0C3-2102-4820-B88B-A448B1840D14}"/>
               </a:ext>
               <a:ext uri="{C183D7F6-B498-43B3-948B-1728B52AA6E4}">
                 <adec:decorative xmlns:adec="http://schemas.microsoft.com/office/drawing/2017/decorative" val="1"/>
@@ -18786,6 +19893,66 @@
           </a:p>
         </p:txBody>
       </p:sp>
+      <p:sp>
+        <p:nvSpPr>
+          <p:cNvPr id="245" name="Rectangle 244">
+            <a:extLst>
+              <a:ext uri="{FF2B5EF4-FFF2-40B4-BE49-F238E27FC236}">
+                <a16:creationId xmlns:a16="http://schemas.microsoft.com/office/drawing/2014/main" id="{0D187C4E-14B9-4504-B200-5127823FA78C}"/>
+              </a:ext>
+              <a:ext uri="{C183D7F6-B498-43B3-948B-1728B52AA6E4}">
+                <adec:decorative xmlns:adec="http://schemas.microsoft.com/office/drawing/2017/decorative" val="1"/>
+              </a:ext>
+            </a:extLst>
+          </p:cNvPr>
+          <p:cNvSpPr>
+            <a:spLocks noGrp="1" noRot="1" noChangeAspect="1" noMove="1" noResize="1" noEditPoints="1" noAdjustHandles="1" noChangeArrowheads="1" noChangeShapeType="1" noTextEdit="1"/>
+          </p:cNvSpPr>
+          <p:nvPr>
+            <p:extLst>
+              <p:ext uri="{386F3935-93C4-4BCD-93E2-E3B085C9AB24}">
+                <p16:designElem xmlns:p16="http://schemas.microsoft.com/office/powerpoint/2015/main" val="1"/>
+              </p:ext>
+            </p:extLst>
+          </p:nvPr>
+        </p:nvSpPr>
+        <p:spPr>
+          <a:xfrm>
+            <a:off x="7831836" y="0"/>
+            <a:ext cx="514350" cy="857250"/>
+          </a:xfrm>
+          <a:prstGeom prst="rect">
+            <a:avLst/>
+          </a:prstGeom>
+          <a:solidFill>
+            <a:schemeClr val="accent1"/>
+          </a:solidFill>
+          <a:ln>
+            <a:noFill/>
+          </a:ln>
+        </p:spPr>
+        <p:style>
+          <a:lnRef idx="1">
+            <a:schemeClr val="accent1"/>
+          </a:lnRef>
+          <a:fillRef idx="3">
+            <a:schemeClr val="accent1"/>
+          </a:fillRef>
+          <a:effectRef idx="2">
+            <a:schemeClr val="accent1"/>
+          </a:effectRef>
+          <a:fontRef idx="minor">
+            <a:schemeClr val="lt1"/>
+          </a:fontRef>
+        </p:style>
+        <p:txBody>
+          <a:bodyPr/>
+          <a:lstStyle/>
+          <a:p>
+            <a:endParaRPr lang="en-IN"/>
+          </a:p>
+        </p:txBody>
+      </p:sp>
       <p:graphicFrame>
         <p:nvGraphicFramePr>
           <p:cNvPr id="121" name="Google Shape;113;p20">
@@ -18799,18 +19966,18 @@
           <p:nvPr>
             <p:extLst>
               <p:ext uri="{D42A27DB-BD31-4B8C-83A1-F6EECF244321}">
-                <p14:modId xmlns:p14="http://schemas.microsoft.com/office/powerpoint/2010/main" val="152242051"/>
+                <p14:modId xmlns:p14="http://schemas.microsoft.com/office/powerpoint/2010/main" val="1051697265"/>
               </p:ext>
             </p:extLst>
           </p:nvPr>
         </p:nvGraphicFramePr>
         <p:xfrm>
-          <a:off x="431180" y="236220"/>
-          <a:ext cx="7240859" cy="4700053"/>
+          <a:off x="278844" y="0"/>
+          <a:ext cx="8582658" cy="4977167"/>
         </p:xfrm>
         <a:graphic>
           <a:graphicData uri="http://schemas.openxmlformats.org/drawingml/2006/diagram">
-            <dgm:relIds xmlns:dgm="http://schemas.openxmlformats.org/drawingml/2006/diagram" xmlns:r="http://schemas.openxmlformats.org/officeDocument/2006/relationships" r:dm="rId8" r:lo="rId9" r:qs="rId10" r:cs="rId11"/>
+            <dgm:relIds xmlns:dgm="http://schemas.openxmlformats.org/drawingml/2006/diagram" xmlns:r="http://schemas.openxmlformats.org/officeDocument/2006/relationships" r:dm="rId7" r:lo="rId8" r:qs="rId9" r:cs="rId10"/>
           </a:graphicData>
         </a:graphic>
       </p:graphicFrame>
@@ -18819,13 +19986,13 @@
   <p:clrMapOvr>
     <a:masterClrMapping/>
   </p:clrMapOvr>
-  <mc:AlternateContent xmlns:mc="http://schemas.openxmlformats.org/markup-compatibility/2006">
-    <mc:Choice xmlns:p15="http://schemas.microsoft.com/office/powerpoint/2012/main" Requires="p15">
+  <mc:AlternateContent xmlns:mc="http://schemas.openxmlformats.org/markup-compatibility/2006" xmlns:p15="http://schemas.microsoft.com/office/powerpoint/2012/main">
+    <mc:Choice Requires="p15">
       <p:transition xmlns:p14="http://schemas.microsoft.com/office/powerpoint/2010/main" spd="slow" p14:dur="1250" advClick="0" advTm="2000">
         <p15:prstTrans prst="airplane"/>
       </p:transition>
     </mc:Choice>
-    <mc:Fallback>
+    <mc:Fallback xmlns="">
       <p:transition spd="slow" advClick="0" advTm="2000">
         <p:fade/>
       </p:transition>
@@ -19137,11 +20304,11 @@
   <p:clrMapOvr>
     <a:masterClrMapping/>
   </p:clrMapOvr>
-  <mc:AlternateContent xmlns:mc="http://schemas.openxmlformats.org/markup-compatibility/2006">
-    <mc:Choice xmlns:p14="http://schemas.microsoft.com/office/powerpoint/2010/main" Requires="p14">
+  <mc:AlternateContent xmlns:mc="http://schemas.openxmlformats.org/markup-compatibility/2006" xmlns:p14="http://schemas.microsoft.com/office/powerpoint/2010/main">
+    <mc:Choice Requires="p14">
       <p:transition spd="slow" p14:dur="2000" advClick="0" advTm="2000"/>
     </mc:Choice>
-    <mc:Fallback>
+    <mc:Fallback xmlns="">
       <p:transition spd="slow" advClick="0" advTm="2000"/>
     </mc:Fallback>
   </mc:AlternateContent>
